--- a/nyt_summarizer_10_11.pptx
+++ b/nyt_summarizer_10_11.pptx
@@ -2,28 +2,28 @@
 <file path=ppt/presentation.xml><?xml version="1.0" encoding="utf-8"?>
 <p:presentation xmlns:a="http://schemas.openxmlformats.org/drawingml/2006/main" xmlns:r="http://schemas.openxmlformats.org/officeDocument/2006/relationships" xmlns:p="http://schemas.openxmlformats.org/presentationml/2006/main">
   <p:sldMasterIdLst>
-    <p:sldMasterId id="2147483648" r:id="rId5"/>
+    <p:sldMasterId id="2147483648" r:id="rId1"/>
   </p:sldMasterIdLst>
   <p:notesMasterIdLst>
-    <p:notesMasterId r:id="rId7"/>
+    <p:notesMasterId r:id="rId18"/>
   </p:notesMasterIdLst>
   <p:sldIdLst>
-    <p:sldId id="256" r:id="rId8"/>
-    <p:sldId id="257" r:id="rId9"/>
-    <p:sldId id="258" r:id="rId10"/>
-    <p:sldId id="259" r:id="rId11"/>
-    <p:sldId id="260" r:id="rId12"/>
-    <p:sldId id="261" r:id="rId13"/>
-    <p:sldId id="262" r:id="rId14"/>
-    <p:sldId id="263" r:id="rId15"/>
-    <p:sldId id="264" r:id="rId16"/>
-    <p:sldId id="265" r:id="rId17"/>
-    <p:sldId id="266" r:id="rId18"/>
-    <p:sldId id="267" r:id="rId19"/>
-    <p:sldId id="268" r:id="rId20"/>
-    <p:sldId id="269" r:id="rId21"/>
-    <p:sldId id="270" r:id="rId22"/>
-    <p:sldId id="271" r:id="rId23"/>
+    <p:sldId id="256" r:id="rId2"/>
+    <p:sldId id="257" r:id="rId3"/>
+    <p:sldId id="258" r:id="rId4"/>
+    <p:sldId id="259" r:id="rId5"/>
+    <p:sldId id="260" r:id="rId6"/>
+    <p:sldId id="261" r:id="rId7"/>
+    <p:sldId id="262" r:id="rId8"/>
+    <p:sldId id="263" r:id="rId9"/>
+    <p:sldId id="264" r:id="rId10"/>
+    <p:sldId id="265" r:id="rId11"/>
+    <p:sldId id="266" r:id="rId12"/>
+    <p:sldId id="267" r:id="rId13"/>
+    <p:sldId id="268" r:id="rId14"/>
+    <p:sldId id="269" r:id="rId15"/>
+    <p:sldId id="270" r:id="rId16"/>
+    <p:sldId id="271" r:id="rId17"/>
   </p:sldIdLst>
   <p:sldSz cx="13004800" cy="9753600"/>
   <p:notesSz cx="6858000" cy="9144000"/>
@@ -31,7 +31,7 @@
     <a:lvl1pPr algn="ctr" defTabSz="584200">
       <a:defRPr sz="3800">
         <a:effectLst>
-          <a:outerShdw sx="100000" sy="100000" kx="0" ky="0" algn="b" rotWithShape="0" blurRad="50800" dist="25400" dir="5400000">
+          <a:outerShdw blurRad="50800" dist="25400" dir="5400000" rotWithShape="0">
             <a:srgbClr val="000000"/>
           </a:outerShdw>
         </a:effectLst>
@@ -44,7 +44,7 @@
     <a:lvl2pPr algn="ctr" defTabSz="584200">
       <a:defRPr sz="3800">
         <a:effectLst>
-          <a:outerShdw sx="100000" sy="100000" kx="0" ky="0" algn="b" rotWithShape="0" blurRad="50800" dist="25400" dir="5400000">
+          <a:outerShdw blurRad="50800" dist="25400" dir="5400000" rotWithShape="0">
             <a:srgbClr val="000000"/>
           </a:outerShdw>
         </a:effectLst>
@@ -57,7 +57,7 @@
     <a:lvl3pPr algn="ctr" defTabSz="584200">
       <a:defRPr sz="3800">
         <a:effectLst>
-          <a:outerShdw sx="100000" sy="100000" kx="0" ky="0" algn="b" rotWithShape="0" blurRad="50800" dist="25400" dir="5400000">
+          <a:outerShdw blurRad="50800" dist="25400" dir="5400000" rotWithShape="0">
             <a:srgbClr val="000000"/>
           </a:outerShdw>
         </a:effectLst>
@@ -70,7 +70,7 @@
     <a:lvl4pPr algn="ctr" defTabSz="584200">
       <a:defRPr sz="3800">
         <a:effectLst>
-          <a:outerShdw sx="100000" sy="100000" kx="0" ky="0" algn="b" rotWithShape="0" blurRad="50800" dist="25400" dir="5400000">
+          <a:outerShdw blurRad="50800" dist="25400" dir="5400000" rotWithShape="0">
             <a:srgbClr val="000000"/>
           </a:outerShdw>
         </a:effectLst>
@@ -83,7 +83,7 @@
     <a:lvl5pPr algn="ctr" defTabSz="584200">
       <a:defRPr sz="3800">
         <a:effectLst>
-          <a:outerShdw sx="100000" sy="100000" kx="0" ky="0" algn="b" rotWithShape="0" blurRad="50800" dist="25400" dir="5400000">
+          <a:outerShdw blurRad="50800" dist="25400" dir="5400000" rotWithShape="0">
             <a:srgbClr val="000000"/>
           </a:outerShdw>
         </a:effectLst>
@@ -96,7 +96,7 @@
     <a:lvl6pPr algn="ctr" defTabSz="584200">
       <a:defRPr sz="3800">
         <a:effectLst>
-          <a:outerShdw sx="100000" sy="100000" kx="0" ky="0" algn="b" rotWithShape="0" blurRad="50800" dist="25400" dir="5400000">
+          <a:outerShdw blurRad="50800" dist="25400" dir="5400000" rotWithShape="0">
             <a:srgbClr val="000000"/>
           </a:outerShdw>
         </a:effectLst>
@@ -109,7 +109,7 @@
     <a:lvl7pPr algn="ctr" defTabSz="584200">
       <a:defRPr sz="3800">
         <a:effectLst>
-          <a:outerShdw sx="100000" sy="100000" kx="0" ky="0" algn="b" rotWithShape="0" blurRad="50800" dist="25400" dir="5400000">
+          <a:outerShdw blurRad="50800" dist="25400" dir="5400000" rotWithShape="0">
             <a:srgbClr val="000000"/>
           </a:outerShdw>
         </a:effectLst>
@@ -122,7 +122,7 @@
     <a:lvl8pPr algn="ctr" defTabSz="584200">
       <a:defRPr sz="3800">
         <a:effectLst>
-          <a:outerShdw sx="100000" sy="100000" kx="0" ky="0" algn="b" rotWithShape="0" blurRad="50800" dist="25400" dir="5400000">
+          <a:outerShdw blurRad="50800" dist="25400" dir="5400000" rotWithShape="0">
             <a:srgbClr val="000000"/>
           </a:outerShdw>
         </a:effectLst>
@@ -135,7 +135,7 @@
     <a:lvl9pPr algn="ctr" defTabSz="584200">
       <a:defRPr sz="3800">
         <a:effectLst>
-          <a:outerShdw sx="100000" sy="100000" kx="0" ky="0" algn="b" rotWithShape="0" blurRad="50800" dist="25400" dir="5400000">
+          <a:outerShdw blurRad="50800" dist="25400" dir="5400000" rotWithShape="0">
             <a:srgbClr val="000000"/>
           </a:outerShdw>
         </a:effectLst>
@@ -149,13 +149,14 @@
 </p:presentation>
 </file>
 
-<file path=ppt/commentAuthors.xml><?xml version="1.0" encoding="utf-8"?>
-<p:cmAuthorLst xmlns:a="http://schemas.openxmlformats.org/drawingml/2006/main" xmlns:r="http://schemas.openxmlformats.org/officeDocument/2006/relationships" xmlns:p="http://schemas.openxmlformats.org/presentationml/2006/main"/>
-</file>
-
 <file path=ppt/notesMasters/notesMaster1.xml><?xml version="1.0" encoding="utf-8"?>
 <p:notesMaster xmlns:a="http://schemas.openxmlformats.org/drawingml/2006/main" xmlns:r="http://schemas.openxmlformats.org/officeDocument/2006/relationships" xmlns:p="http://schemas.openxmlformats.org/presentationml/2006/main">
   <p:cSld>
+    <p:bg>
+      <p:bgRef idx="1001">
+        <a:schemeClr val="bg1"/>
+      </p:bgRef>
+    </p:bg>
     <p:spTree>
       <p:nvGrpSpPr>
         <p:cNvPr id="1" name=""/>
@@ -173,7 +174,9 @@
       <p:sp>
         <p:nvSpPr>
           <p:cNvPr id="26" name="Shape 26"/>
-          <p:cNvSpPr/>
+          <p:cNvSpPr>
+            <a:spLocks noGrp="1" noRot="1" noChangeAspect="1"/>
+          </p:cNvSpPr>
           <p:nvPr>
             <p:ph type="sldImg"/>
           </p:nvPr>
@@ -192,13 +195,16 @@
           <a:lstStyle/>
           <a:p>
             <a:pPr lvl="0"/>
+            <a:endParaRPr/>
           </a:p>
         </p:txBody>
       </p:sp>
       <p:sp>
         <p:nvSpPr>
           <p:cNvPr id="27" name="Shape 27"/>
-          <p:cNvSpPr/>
+          <p:cNvSpPr>
+            <a:spLocks noGrp="1"/>
+          </p:cNvSpPr>
           <p:nvPr>
             <p:ph type="body" sz="quarter" idx="1"/>
           </p:nvPr>
@@ -217,10 +223,16 @@
           <a:lstStyle/>
           <a:p>
             <a:pPr lvl="0"/>
+            <a:endParaRPr/>
           </a:p>
         </p:txBody>
       </p:sp>
     </p:spTree>
+    <p:extLst>
+      <p:ext uri="{BB962C8B-B14F-4D97-AF65-F5344CB8AC3E}">
+        <p14:creationId xmlns:p14="http://schemas.microsoft.com/office/powerpoint/2010/main" val="3872323812"/>
+      </p:ext>
+    </p:extLst>
   </p:cSld>
   <p:clrMap bg1="lt1" tx1="dk1" bg2="lt2" tx2="dk2" accent1="accent1" accent2="accent2" accent3="accent3" accent4="accent4" accent5="accent5" accent6="accent6" hlink="hlink" folHlink="folHlink"/>
   <p:notesStyle>
@@ -328,7 +340,7 @@
 </file>
 
 <file path=ppt/notesSlides/notesSlide1.xml><?xml version="1.0" encoding="utf-8"?>
-<p:notes xmlns:a="http://schemas.openxmlformats.org/drawingml/2006/main" xmlns:r="http://schemas.openxmlformats.org/officeDocument/2006/relationships" xmlns:p="http://schemas.openxmlformats.org/presentationml/2006/main" showMasterSp="1" showMasterPhAnim="1">
+<p:notes xmlns:a="http://schemas.openxmlformats.org/drawingml/2006/main" xmlns:r="http://schemas.openxmlformats.org/officeDocument/2006/relationships" xmlns:p="http://schemas.openxmlformats.org/presentationml/2006/main">
   <p:cSld>
     <p:spTree>
       <p:nvGrpSpPr>
@@ -347,7 +359,9 @@
       <p:sp>
         <p:nvSpPr>
           <p:cNvPr id="94" name="Shape 94"/>
-          <p:cNvSpPr/>
+          <p:cNvSpPr>
+            <a:spLocks noGrp="1" noRot="1" noChangeAspect="1"/>
+          </p:cNvSpPr>
           <p:nvPr>
             <p:ph type="sldImg"/>
           </p:nvPr>
@@ -362,13 +376,16 @@
           <a:lstStyle/>
           <a:p>
             <a:pPr lvl="0"/>
+            <a:endParaRPr/>
           </a:p>
         </p:txBody>
       </p:sp>
       <p:sp>
         <p:nvSpPr>
           <p:cNvPr id="95" name="Shape 95"/>
-          <p:cNvSpPr/>
+          <p:cNvSpPr>
+            <a:spLocks noGrp="1"/>
+          </p:cNvSpPr>
           <p:nvPr>
             <p:ph type="body" sz="quarter" idx="1"/>
           </p:nvPr>
@@ -407,7 +424,7 @@
 </file>
 
 <file path=ppt/notesSlides/notesSlide2.xml><?xml version="1.0" encoding="utf-8"?>
-<p:notes xmlns:a="http://schemas.openxmlformats.org/drawingml/2006/main" xmlns:r="http://schemas.openxmlformats.org/officeDocument/2006/relationships" xmlns:p="http://schemas.openxmlformats.org/presentationml/2006/main" showMasterSp="1" showMasterPhAnim="1">
+<p:notes xmlns:a="http://schemas.openxmlformats.org/drawingml/2006/main" xmlns:r="http://schemas.openxmlformats.org/officeDocument/2006/relationships" xmlns:p="http://schemas.openxmlformats.org/presentationml/2006/main">
   <p:cSld>
     <p:spTree>
       <p:nvGrpSpPr>
@@ -426,7 +443,9 @@
       <p:sp>
         <p:nvSpPr>
           <p:cNvPr id="99" name="Shape 99"/>
-          <p:cNvSpPr/>
+          <p:cNvSpPr>
+            <a:spLocks noGrp="1" noRot="1" noChangeAspect="1"/>
+          </p:cNvSpPr>
           <p:nvPr>
             <p:ph type="sldImg"/>
           </p:nvPr>
@@ -441,13 +460,16 @@
           <a:lstStyle/>
           <a:p>
             <a:pPr lvl="0"/>
+            <a:endParaRPr/>
           </a:p>
         </p:txBody>
       </p:sp>
       <p:sp>
         <p:nvSpPr>
           <p:cNvPr id="100" name="Shape 100"/>
-          <p:cNvSpPr/>
+          <p:cNvSpPr>
+            <a:spLocks noGrp="1"/>
+          </p:cNvSpPr>
           <p:nvPr>
             <p:ph type="body" sz="quarter" idx="1"/>
           </p:nvPr>
@@ -486,7 +508,7 @@
 </file>
 
 <file path=ppt/slideLayouts/slideLayout1.xml><?xml version="1.0" encoding="utf-8"?>
-<p:sldLayout xmlns:a="http://schemas.openxmlformats.org/drawingml/2006/main" xmlns:r="http://schemas.openxmlformats.org/officeDocument/2006/relationships" xmlns:p="http://schemas.openxmlformats.org/presentationml/2006/main" type="tx" showMasterSp="0" showMasterPhAnim="1">
+<p:sldLayout xmlns:a="http://schemas.openxmlformats.org/drawingml/2006/main" xmlns:r="http://schemas.openxmlformats.org/officeDocument/2006/relationships" xmlns:p="http://schemas.openxmlformats.org/presentationml/2006/main" showMasterSp="0" type="tx">
   <p:cSld name="Title &amp; Subtitle">
     <p:spTree>
       <p:nvGrpSpPr>
@@ -505,7 +527,9 @@
       <p:sp>
         <p:nvSpPr>
           <p:cNvPr id="6" name="Shape 6"/>
-          <p:cNvSpPr/>
+          <p:cNvSpPr>
+            <a:spLocks noGrp="1"/>
+          </p:cNvSpPr>
           <p:nvPr>
             <p:ph type="title"/>
           </p:nvPr>
@@ -524,7 +548,7 @@
           <a:lstStyle/>
           <a:p>
             <a:pPr lvl="0">
-              <a:defRPr b="0" sz="1800">
+              <a:defRPr sz="1800" b="0">
                 <a:solidFill>
                   <a:srgbClr val="000000"/>
                 </a:solidFill>
@@ -532,12 +556,12 @@
               </a:defRPr>
             </a:pPr>
             <a:r>
-              <a:rPr b="1" sz="6400">
+              <a:rPr sz="6400" b="1">
                 <a:solidFill>
                   <a:srgbClr val="FFFFFF"/>
                 </a:solidFill>
                 <a:effectLst>
-                  <a:outerShdw sx="100000" sy="100000" kx="0" ky="0" algn="b" rotWithShape="0" blurRad="50800" dist="25400" dir="5400000">
+                  <a:outerShdw blurRad="50800" dist="25400" dir="5400000" rotWithShape="0">
                     <a:srgbClr val="000000"/>
                   </a:outerShdw>
                 </a:effectLst>
@@ -550,7 +574,9 @@
       <p:sp>
         <p:nvSpPr>
           <p:cNvPr id="7" name="Shape 7"/>
-          <p:cNvSpPr/>
+          <p:cNvSpPr>
+            <a:spLocks noGrp="1"/>
+          </p:cNvSpPr>
           <p:nvPr>
             <p:ph type="body" idx="1"/>
           </p:nvPr>
@@ -643,23 +669,13 @@
                   <a:srgbClr val="FFFFFF"/>
                 </a:solidFill>
                 <a:effectLst>
-                  <a:outerShdw sx="100000" sy="100000" kx="0" ky="0" algn="b" rotWithShape="0" blurRad="50800" dist="25400" dir="5400000">
+                  <a:outerShdw blurRad="50800" dist="25400" dir="5400000" rotWithShape="0">
                     <a:srgbClr val="000000"/>
                   </a:outerShdw>
                 </a:effectLst>
               </a:rPr>
               <a:t>Body Level One</a:t>
             </a:r>
-            <a:endParaRPr sz="2400">
-              <a:solidFill>
-                <a:srgbClr val="FFFFFF"/>
-              </a:solidFill>
-              <a:effectLst>
-                <a:outerShdw sx="100000" sy="100000" kx="0" ky="0" algn="b" rotWithShape="0" blurRad="50800" dist="25400" dir="5400000">
-                  <a:srgbClr val="000000"/>
-                </a:outerShdw>
-              </a:effectLst>
-            </a:endParaRPr>
           </a:p>
           <a:p>
             <a:pPr lvl="1">
@@ -676,23 +692,13 @@
                   <a:srgbClr val="FFFFFF"/>
                 </a:solidFill>
                 <a:effectLst>
-                  <a:outerShdw sx="100000" sy="100000" kx="0" ky="0" algn="b" rotWithShape="0" blurRad="50800" dist="25400" dir="5400000">
+                  <a:outerShdw blurRad="50800" dist="25400" dir="5400000" rotWithShape="0">
                     <a:srgbClr val="000000"/>
                   </a:outerShdw>
                 </a:effectLst>
               </a:rPr>
               <a:t>Body Level Two</a:t>
             </a:r>
-            <a:endParaRPr sz="2400">
-              <a:solidFill>
-                <a:srgbClr val="FFFFFF"/>
-              </a:solidFill>
-              <a:effectLst>
-                <a:outerShdw sx="100000" sy="100000" kx="0" ky="0" algn="b" rotWithShape="0" blurRad="50800" dist="25400" dir="5400000">
-                  <a:srgbClr val="000000"/>
-                </a:outerShdw>
-              </a:effectLst>
-            </a:endParaRPr>
           </a:p>
           <a:p>
             <a:pPr lvl="2">
@@ -709,23 +715,13 @@
                   <a:srgbClr val="FFFFFF"/>
                 </a:solidFill>
                 <a:effectLst>
-                  <a:outerShdw sx="100000" sy="100000" kx="0" ky="0" algn="b" rotWithShape="0" blurRad="50800" dist="25400" dir="5400000">
+                  <a:outerShdw blurRad="50800" dist="25400" dir="5400000" rotWithShape="0">
                     <a:srgbClr val="000000"/>
                   </a:outerShdw>
                 </a:effectLst>
               </a:rPr>
               <a:t>Body Level Three</a:t>
             </a:r>
-            <a:endParaRPr sz="2400">
-              <a:solidFill>
-                <a:srgbClr val="FFFFFF"/>
-              </a:solidFill>
-              <a:effectLst>
-                <a:outerShdw sx="100000" sy="100000" kx="0" ky="0" algn="b" rotWithShape="0" blurRad="50800" dist="25400" dir="5400000">
-                  <a:srgbClr val="000000"/>
-                </a:outerShdw>
-              </a:effectLst>
-            </a:endParaRPr>
           </a:p>
           <a:p>
             <a:pPr lvl="3">
@@ -742,23 +738,13 @@
                   <a:srgbClr val="FFFFFF"/>
                 </a:solidFill>
                 <a:effectLst>
-                  <a:outerShdw sx="100000" sy="100000" kx="0" ky="0" algn="b" rotWithShape="0" blurRad="50800" dist="25400" dir="5400000">
+                  <a:outerShdw blurRad="50800" dist="25400" dir="5400000" rotWithShape="0">
                     <a:srgbClr val="000000"/>
                   </a:outerShdw>
                 </a:effectLst>
               </a:rPr>
               <a:t>Body Level Four</a:t>
             </a:r>
-            <a:endParaRPr sz="2400">
-              <a:solidFill>
-                <a:srgbClr val="FFFFFF"/>
-              </a:solidFill>
-              <a:effectLst>
-                <a:outerShdw sx="100000" sy="100000" kx="0" ky="0" algn="b" rotWithShape="0" blurRad="50800" dist="25400" dir="5400000">
-                  <a:srgbClr val="000000"/>
-                </a:outerShdw>
-              </a:effectLst>
-            </a:endParaRPr>
           </a:p>
           <a:p>
             <a:pPr lvl="4">
@@ -775,7 +761,7 @@
                   <a:srgbClr val="FFFFFF"/>
                 </a:solidFill>
                 <a:effectLst>
-                  <a:outerShdw sx="100000" sy="100000" kx="0" ky="0" algn="b" rotWithShape="0" blurRad="50800" dist="25400" dir="5400000">
+                  <a:outerShdw blurRad="50800" dist="25400" dir="5400000" rotWithShape="0">
                     <a:srgbClr val="000000"/>
                   </a:outerShdw>
                 </a:effectLst>
@@ -817,12 +803,12 @@
   <p:clrMapOvr>
     <a:masterClrMapping/>
   </p:clrMapOvr>
-  <p:transition spd="med" advClick="1"/>
+  <p:transition xmlns:p14="http://schemas.microsoft.com/office/powerpoint/2010/main" spd="med"/>
 </p:sldLayout>
 </file>
 
 <file path=ppt/slideLayouts/slideLayout10.xml><?xml version="1.0" encoding="utf-8"?>
-<p:sldLayout xmlns:a="http://schemas.openxmlformats.org/drawingml/2006/main" xmlns:r="http://schemas.openxmlformats.org/officeDocument/2006/relationships" xmlns:p="http://schemas.openxmlformats.org/presentationml/2006/main" type="tx" showMasterSp="0" showMasterPhAnim="1">
+<p:sldLayout xmlns:a="http://schemas.openxmlformats.org/drawingml/2006/main" xmlns:r="http://schemas.openxmlformats.org/officeDocument/2006/relationships" xmlns:p="http://schemas.openxmlformats.org/presentationml/2006/main" showMasterSp="0" type="tx">
   <p:cSld name="Blank">
     <p:spTree>
       <p:nvGrpSpPr>
@@ -843,12 +829,12 @@
   <p:clrMapOvr>
     <a:masterClrMapping/>
   </p:clrMapOvr>
-  <p:transition spd="med" advClick="1"/>
+  <p:transition xmlns:p14="http://schemas.microsoft.com/office/powerpoint/2010/main" spd="med"/>
 </p:sldLayout>
 </file>
 
 <file path=ppt/slideLayouts/slideLayout2.xml><?xml version="1.0" encoding="utf-8"?>
-<p:sldLayout xmlns:a="http://schemas.openxmlformats.org/drawingml/2006/main" xmlns:r="http://schemas.openxmlformats.org/officeDocument/2006/relationships" xmlns:p="http://schemas.openxmlformats.org/presentationml/2006/main" type="tx" showMasterSp="0" showMasterPhAnim="1">
+<p:sldLayout xmlns:a="http://schemas.openxmlformats.org/drawingml/2006/main" xmlns:r="http://schemas.openxmlformats.org/officeDocument/2006/relationships" xmlns:p="http://schemas.openxmlformats.org/presentationml/2006/main" showMasterSp="0" type="tx">
   <p:cSld name="Photo - Vertical">
     <p:spTree>
       <p:nvGrpSpPr>
@@ -867,7 +853,9 @@
       <p:sp>
         <p:nvSpPr>
           <p:cNvPr id="10" name="Shape 10"/>
-          <p:cNvSpPr/>
+          <p:cNvSpPr>
+            <a:spLocks noGrp="1"/>
+          </p:cNvSpPr>
           <p:nvPr>
             <p:ph type="title"/>
           </p:nvPr>
@@ -890,7 +878,7 @@
           </a:lstStyle>
           <a:p>
             <a:pPr lvl="0">
-              <a:defRPr b="0" sz="1800">
+              <a:defRPr sz="1800" b="0">
                 <a:solidFill>
                   <a:srgbClr val="000000"/>
                 </a:solidFill>
@@ -898,12 +886,12 @@
               </a:defRPr>
             </a:pPr>
             <a:r>
-              <a:rPr b="1" sz="5200">
+              <a:rPr sz="5200" b="1">
                 <a:solidFill>
                   <a:srgbClr val="FFFFFF"/>
                 </a:solidFill>
                 <a:effectLst>
-                  <a:outerShdw sx="100000" sy="100000" kx="0" ky="0" algn="b" rotWithShape="0" blurRad="50800" dist="25400" dir="5400000">
+                  <a:outerShdw blurRad="50800" dist="25400" dir="5400000" rotWithShape="0">
                     <a:srgbClr val="000000"/>
                   </a:outerShdw>
                 </a:effectLst>
@@ -916,7 +904,9 @@
       <p:sp>
         <p:nvSpPr>
           <p:cNvPr id="11" name="Shape 11"/>
-          <p:cNvSpPr/>
+          <p:cNvSpPr>
+            <a:spLocks noGrp="1"/>
+          </p:cNvSpPr>
           <p:nvPr>
             <p:ph type="body" idx="1"/>
           </p:nvPr>
@@ -1009,23 +999,13 @@
                   <a:srgbClr val="FFFFFF"/>
                 </a:solidFill>
                 <a:effectLst>
-                  <a:outerShdw sx="100000" sy="100000" kx="0" ky="0" algn="b" rotWithShape="0" blurRad="50800" dist="25400" dir="5400000">
+                  <a:outerShdw blurRad="50800" dist="25400" dir="5400000" rotWithShape="0">
                     <a:srgbClr val="000000"/>
                   </a:outerShdw>
                 </a:effectLst>
               </a:rPr>
               <a:t>Body Level One</a:t>
             </a:r>
-            <a:endParaRPr sz="2400">
-              <a:solidFill>
-                <a:srgbClr val="FFFFFF"/>
-              </a:solidFill>
-              <a:effectLst>
-                <a:outerShdw sx="100000" sy="100000" kx="0" ky="0" algn="b" rotWithShape="0" blurRad="50800" dist="25400" dir="5400000">
-                  <a:srgbClr val="000000"/>
-                </a:outerShdw>
-              </a:effectLst>
-            </a:endParaRPr>
           </a:p>
           <a:p>
             <a:pPr lvl="1">
@@ -1042,23 +1022,13 @@
                   <a:srgbClr val="FFFFFF"/>
                 </a:solidFill>
                 <a:effectLst>
-                  <a:outerShdw sx="100000" sy="100000" kx="0" ky="0" algn="b" rotWithShape="0" blurRad="50800" dist="25400" dir="5400000">
+                  <a:outerShdw blurRad="50800" dist="25400" dir="5400000" rotWithShape="0">
                     <a:srgbClr val="000000"/>
                   </a:outerShdw>
                 </a:effectLst>
               </a:rPr>
               <a:t>Body Level Two</a:t>
             </a:r>
-            <a:endParaRPr sz="2400">
-              <a:solidFill>
-                <a:srgbClr val="FFFFFF"/>
-              </a:solidFill>
-              <a:effectLst>
-                <a:outerShdw sx="100000" sy="100000" kx="0" ky="0" algn="b" rotWithShape="0" blurRad="50800" dist="25400" dir="5400000">
-                  <a:srgbClr val="000000"/>
-                </a:outerShdw>
-              </a:effectLst>
-            </a:endParaRPr>
           </a:p>
           <a:p>
             <a:pPr lvl="2">
@@ -1075,23 +1045,13 @@
                   <a:srgbClr val="FFFFFF"/>
                 </a:solidFill>
                 <a:effectLst>
-                  <a:outerShdw sx="100000" sy="100000" kx="0" ky="0" algn="b" rotWithShape="0" blurRad="50800" dist="25400" dir="5400000">
+                  <a:outerShdw blurRad="50800" dist="25400" dir="5400000" rotWithShape="0">
                     <a:srgbClr val="000000"/>
                   </a:outerShdw>
                 </a:effectLst>
               </a:rPr>
               <a:t>Body Level Three</a:t>
             </a:r>
-            <a:endParaRPr sz="2400">
-              <a:solidFill>
-                <a:srgbClr val="FFFFFF"/>
-              </a:solidFill>
-              <a:effectLst>
-                <a:outerShdw sx="100000" sy="100000" kx="0" ky="0" algn="b" rotWithShape="0" blurRad="50800" dist="25400" dir="5400000">
-                  <a:srgbClr val="000000"/>
-                </a:outerShdw>
-              </a:effectLst>
-            </a:endParaRPr>
           </a:p>
           <a:p>
             <a:pPr lvl="3">
@@ -1108,23 +1068,13 @@
                   <a:srgbClr val="FFFFFF"/>
                 </a:solidFill>
                 <a:effectLst>
-                  <a:outerShdw sx="100000" sy="100000" kx="0" ky="0" algn="b" rotWithShape="0" blurRad="50800" dist="25400" dir="5400000">
+                  <a:outerShdw blurRad="50800" dist="25400" dir="5400000" rotWithShape="0">
                     <a:srgbClr val="000000"/>
                   </a:outerShdw>
                 </a:effectLst>
               </a:rPr>
               <a:t>Body Level Four</a:t>
             </a:r>
-            <a:endParaRPr sz="2400">
-              <a:solidFill>
-                <a:srgbClr val="FFFFFF"/>
-              </a:solidFill>
-              <a:effectLst>
-                <a:outerShdw sx="100000" sy="100000" kx="0" ky="0" algn="b" rotWithShape="0" blurRad="50800" dist="25400" dir="5400000">
-                  <a:srgbClr val="000000"/>
-                </a:outerShdw>
-              </a:effectLst>
-            </a:endParaRPr>
           </a:p>
           <a:p>
             <a:pPr lvl="4">
@@ -1141,7 +1091,7 @@
                   <a:srgbClr val="FFFFFF"/>
                 </a:solidFill>
                 <a:effectLst>
-                  <a:outerShdw sx="100000" sy="100000" kx="0" ky="0" algn="b" rotWithShape="0" blurRad="50800" dist="25400" dir="5400000">
+                  <a:outerShdw blurRad="50800" dist="25400" dir="5400000" rotWithShape="0">
                     <a:srgbClr val="000000"/>
                   </a:outerShdw>
                 </a:effectLst>
@@ -1156,12 +1106,12 @@
   <p:clrMapOvr>
     <a:masterClrMapping/>
   </p:clrMapOvr>
-  <p:transition spd="med" advClick="1"/>
+  <p:transition xmlns:p14="http://schemas.microsoft.com/office/powerpoint/2010/main" spd="med"/>
 </p:sldLayout>
 </file>
 
 <file path=ppt/slideLayouts/slideLayout3.xml><?xml version="1.0" encoding="utf-8"?>
-<p:sldLayout xmlns:a="http://schemas.openxmlformats.org/drawingml/2006/main" xmlns:r="http://schemas.openxmlformats.org/officeDocument/2006/relationships" xmlns:p="http://schemas.openxmlformats.org/presentationml/2006/main" type="tx" showMasterSp="0" showMasterPhAnim="1">
+<p:sldLayout xmlns:a="http://schemas.openxmlformats.org/drawingml/2006/main" xmlns:r="http://schemas.openxmlformats.org/officeDocument/2006/relationships" xmlns:p="http://schemas.openxmlformats.org/presentationml/2006/main" showMasterSp="0" type="tx">
   <p:cSld name="Title - Top">
     <p:spTree>
       <p:nvGrpSpPr>
@@ -1180,7 +1130,9 @@
       <p:sp>
         <p:nvSpPr>
           <p:cNvPr id="13" name="Shape 13"/>
-          <p:cNvSpPr/>
+          <p:cNvSpPr>
+            <a:spLocks noGrp="1"/>
+          </p:cNvSpPr>
           <p:nvPr>
             <p:ph type="title"/>
           </p:nvPr>
@@ -1199,7 +1151,7 @@
           <a:lstStyle/>
           <a:p>
             <a:pPr lvl="0">
-              <a:defRPr b="0" sz="1800">
+              <a:defRPr sz="1800" b="0">
                 <a:solidFill>
                   <a:srgbClr val="000000"/>
                 </a:solidFill>
@@ -1207,12 +1159,12 @@
               </a:defRPr>
             </a:pPr>
             <a:r>
-              <a:rPr b="1" sz="6400">
+              <a:rPr sz="6400" b="1">
                 <a:solidFill>
                   <a:srgbClr val="FFFFFF"/>
                 </a:solidFill>
                 <a:effectLst>
-                  <a:outerShdw sx="100000" sy="100000" kx="0" ky="0" algn="b" rotWithShape="0" blurRad="50800" dist="25400" dir="5400000">
+                  <a:outerShdw blurRad="50800" dist="25400" dir="5400000" rotWithShape="0">
                     <a:srgbClr val="000000"/>
                   </a:outerShdw>
                 </a:effectLst>
@@ -1227,12 +1179,12 @@
   <p:clrMapOvr>
     <a:masterClrMapping/>
   </p:clrMapOvr>
-  <p:transition spd="med" advClick="1"/>
+  <p:transition xmlns:p14="http://schemas.microsoft.com/office/powerpoint/2010/main" spd="med"/>
 </p:sldLayout>
 </file>
 
 <file path=ppt/slideLayouts/slideLayout4.xml><?xml version="1.0" encoding="utf-8"?>
-<p:sldLayout xmlns:a="http://schemas.openxmlformats.org/drawingml/2006/main" xmlns:r="http://schemas.openxmlformats.org/officeDocument/2006/relationships" xmlns:p="http://schemas.openxmlformats.org/presentationml/2006/main" type="tx" showMasterSp="1" showMasterPhAnim="1">
+<p:sldLayout xmlns:a="http://schemas.openxmlformats.org/drawingml/2006/main" xmlns:r="http://schemas.openxmlformats.org/officeDocument/2006/relationships" xmlns:p="http://schemas.openxmlformats.org/presentationml/2006/main" type="tx">
   <p:cSld name="Title &amp; Bullets">
     <p:spTree>
       <p:nvGrpSpPr>
@@ -1251,7 +1203,9 @@
       <p:sp>
         <p:nvSpPr>
           <p:cNvPr id="15" name="Shape 15"/>
-          <p:cNvSpPr/>
+          <p:cNvSpPr>
+            <a:spLocks noGrp="1"/>
+          </p:cNvSpPr>
           <p:nvPr>
             <p:ph type="title"/>
           </p:nvPr>
@@ -1266,7 +1220,7 @@
           <a:lstStyle/>
           <a:p>
             <a:pPr lvl="0">
-              <a:defRPr b="0" sz="1800">
+              <a:defRPr sz="1800" b="0">
                 <a:solidFill>
                   <a:srgbClr val="000000"/>
                 </a:solidFill>
@@ -1274,12 +1228,12 @@
               </a:defRPr>
             </a:pPr>
             <a:r>
-              <a:rPr b="1" sz="6400">
+              <a:rPr sz="6400" b="1">
                 <a:solidFill>
                   <a:srgbClr val="FFFFFF"/>
                 </a:solidFill>
                 <a:effectLst>
-                  <a:outerShdw sx="100000" sy="100000" kx="0" ky="0" algn="b" rotWithShape="0" blurRad="50800" dist="25400" dir="5400000">
+                  <a:outerShdw blurRad="50800" dist="25400" dir="5400000" rotWithShape="0">
                     <a:srgbClr val="000000"/>
                   </a:outerShdw>
                 </a:effectLst>
@@ -1292,7 +1246,9 @@
       <p:sp>
         <p:nvSpPr>
           <p:cNvPr id="16" name="Shape 16"/>
-          <p:cNvSpPr/>
+          <p:cNvSpPr>
+            <a:spLocks noGrp="1"/>
+          </p:cNvSpPr>
           <p:nvPr>
             <p:ph type="body" idx="1"/>
           </p:nvPr>
@@ -1320,23 +1276,13 @@
                   <a:srgbClr val="EBEBEB"/>
                 </a:solidFill>
                 <a:effectLst>
-                  <a:outerShdw sx="100000" sy="100000" kx="0" ky="0" algn="b" rotWithShape="0" blurRad="50800" dist="25400" dir="5400000">
+                  <a:outerShdw blurRad="50800" dist="25400" dir="5400000" rotWithShape="0">
                     <a:srgbClr val="000000"/>
                   </a:outerShdw>
                 </a:effectLst>
               </a:rPr>
               <a:t>Body Level One</a:t>
             </a:r>
-            <a:endParaRPr sz="3400">
-              <a:solidFill>
-                <a:srgbClr val="EBEBEB"/>
-              </a:solidFill>
-              <a:effectLst>
-                <a:outerShdw sx="100000" sy="100000" kx="0" ky="0" algn="b" rotWithShape="0" blurRad="50800" dist="25400" dir="5400000">
-                  <a:srgbClr val="000000"/>
-                </a:outerShdw>
-              </a:effectLst>
-            </a:endParaRPr>
           </a:p>
           <a:p>
             <a:pPr lvl="1">
@@ -1353,23 +1299,13 @@
                   <a:srgbClr val="EBEBEB"/>
                 </a:solidFill>
                 <a:effectLst>
-                  <a:outerShdw sx="100000" sy="100000" kx="0" ky="0" algn="b" rotWithShape="0" blurRad="50800" dist="25400" dir="5400000">
+                  <a:outerShdw blurRad="50800" dist="25400" dir="5400000" rotWithShape="0">
                     <a:srgbClr val="000000"/>
                   </a:outerShdw>
                 </a:effectLst>
               </a:rPr>
               <a:t>Body Level Two</a:t>
             </a:r>
-            <a:endParaRPr sz="3400">
-              <a:solidFill>
-                <a:srgbClr val="EBEBEB"/>
-              </a:solidFill>
-              <a:effectLst>
-                <a:outerShdw sx="100000" sy="100000" kx="0" ky="0" algn="b" rotWithShape="0" blurRad="50800" dist="25400" dir="5400000">
-                  <a:srgbClr val="000000"/>
-                </a:outerShdw>
-              </a:effectLst>
-            </a:endParaRPr>
           </a:p>
           <a:p>
             <a:pPr lvl="2">
@@ -1386,23 +1322,13 @@
                   <a:srgbClr val="EBEBEB"/>
                 </a:solidFill>
                 <a:effectLst>
-                  <a:outerShdw sx="100000" sy="100000" kx="0" ky="0" algn="b" rotWithShape="0" blurRad="50800" dist="25400" dir="5400000">
+                  <a:outerShdw blurRad="50800" dist="25400" dir="5400000" rotWithShape="0">
                     <a:srgbClr val="000000"/>
                   </a:outerShdw>
                 </a:effectLst>
               </a:rPr>
               <a:t>Body Level Three</a:t>
             </a:r>
-            <a:endParaRPr sz="3400">
-              <a:solidFill>
-                <a:srgbClr val="EBEBEB"/>
-              </a:solidFill>
-              <a:effectLst>
-                <a:outerShdw sx="100000" sy="100000" kx="0" ky="0" algn="b" rotWithShape="0" blurRad="50800" dist="25400" dir="5400000">
-                  <a:srgbClr val="000000"/>
-                </a:outerShdw>
-              </a:effectLst>
-            </a:endParaRPr>
           </a:p>
           <a:p>
             <a:pPr lvl="3">
@@ -1419,23 +1345,13 @@
                   <a:srgbClr val="EBEBEB"/>
                 </a:solidFill>
                 <a:effectLst>
-                  <a:outerShdw sx="100000" sy="100000" kx="0" ky="0" algn="b" rotWithShape="0" blurRad="50800" dist="25400" dir="5400000">
+                  <a:outerShdw blurRad="50800" dist="25400" dir="5400000" rotWithShape="0">
                     <a:srgbClr val="000000"/>
                   </a:outerShdw>
                 </a:effectLst>
               </a:rPr>
               <a:t>Body Level Four</a:t>
             </a:r>
-            <a:endParaRPr sz="3400">
-              <a:solidFill>
-                <a:srgbClr val="EBEBEB"/>
-              </a:solidFill>
-              <a:effectLst>
-                <a:outerShdw sx="100000" sy="100000" kx="0" ky="0" algn="b" rotWithShape="0" blurRad="50800" dist="25400" dir="5400000">
-                  <a:srgbClr val="000000"/>
-                </a:outerShdw>
-              </a:effectLst>
-            </a:endParaRPr>
           </a:p>
           <a:p>
             <a:pPr lvl="4">
@@ -1452,7 +1368,7 @@
                   <a:srgbClr val="EBEBEB"/>
                 </a:solidFill>
                 <a:effectLst>
-                  <a:outerShdw sx="100000" sy="100000" kx="0" ky="0" algn="b" rotWithShape="0" blurRad="50800" dist="25400" dir="5400000">
+                  <a:outerShdw blurRad="50800" dist="25400" dir="5400000" rotWithShape="0">
                     <a:srgbClr val="000000"/>
                   </a:outerShdw>
                 </a:effectLst>
@@ -1467,12 +1383,12 @@
   <p:clrMapOvr>
     <a:masterClrMapping/>
   </p:clrMapOvr>
-  <p:transition spd="med" advClick="1"/>
+  <p:transition xmlns:p14="http://schemas.microsoft.com/office/powerpoint/2010/main" spd="med"/>
 </p:sldLayout>
 </file>
 
 <file path=ppt/slideLayouts/slideLayout5.xml><?xml version="1.0" encoding="utf-8"?>
-<p:sldLayout xmlns:a="http://schemas.openxmlformats.org/drawingml/2006/main" xmlns:r="http://schemas.openxmlformats.org/officeDocument/2006/relationships" xmlns:p="http://schemas.openxmlformats.org/presentationml/2006/main" type="tx" showMasterSp="0" showMasterPhAnim="1">
+<p:sldLayout xmlns:a="http://schemas.openxmlformats.org/drawingml/2006/main" xmlns:r="http://schemas.openxmlformats.org/officeDocument/2006/relationships" xmlns:p="http://schemas.openxmlformats.org/presentationml/2006/main" showMasterSp="0" type="tx">
   <p:cSld name="Title, Bullets &amp; Photo">
     <p:spTree>
       <p:nvGrpSpPr>
@@ -1491,7 +1407,9 @@
       <p:sp>
         <p:nvSpPr>
           <p:cNvPr id="18" name="Shape 18"/>
-          <p:cNvSpPr/>
+          <p:cNvSpPr>
+            <a:spLocks noGrp="1"/>
+          </p:cNvSpPr>
           <p:nvPr>
             <p:ph type="title"/>
           </p:nvPr>
@@ -1510,7 +1428,7 @@
           <a:lstStyle/>
           <a:p>
             <a:pPr lvl="0">
-              <a:defRPr b="0" sz="1800">
+              <a:defRPr sz="1800" b="0">
                 <a:solidFill>
                   <a:srgbClr val="000000"/>
                 </a:solidFill>
@@ -1518,12 +1436,12 @@
               </a:defRPr>
             </a:pPr>
             <a:r>
-              <a:rPr b="1" sz="6400">
+              <a:rPr sz="6400" b="1">
                 <a:solidFill>
                   <a:srgbClr val="FFFFFF"/>
                 </a:solidFill>
                 <a:effectLst>
-                  <a:outerShdw sx="100000" sy="100000" kx="0" ky="0" algn="b" rotWithShape="0" blurRad="50800" dist="25400" dir="5400000">
+                  <a:outerShdw blurRad="50800" dist="25400" dir="5400000" rotWithShape="0">
                     <a:srgbClr val="000000"/>
                   </a:outerShdw>
                 </a:effectLst>
@@ -1536,7 +1454,9 @@
       <p:sp>
         <p:nvSpPr>
           <p:cNvPr id="19" name="Shape 19"/>
-          <p:cNvSpPr/>
+          <p:cNvSpPr>
+            <a:spLocks noGrp="1"/>
+          </p:cNvSpPr>
           <p:nvPr>
             <p:ph type="body" idx="1"/>
           </p:nvPr>
@@ -1614,23 +1534,13 @@
                   <a:srgbClr val="EBEBEB"/>
                 </a:solidFill>
                 <a:effectLst>
-                  <a:outerShdw sx="100000" sy="100000" kx="0" ky="0" algn="b" rotWithShape="0" blurRad="50800" dist="25400" dir="5400000">
+                  <a:outerShdw blurRad="50800" dist="25400" dir="5400000" rotWithShape="0">
                     <a:srgbClr val="000000"/>
                   </a:outerShdw>
                 </a:effectLst>
               </a:rPr>
               <a:t>Body Level One</a:t>
             </a:r>
-            <a:endParaRPr sz="2800">
-              <a:solidFill>
-                <a:srgbClr val="EBEBEB"/>
-              </a:solidFill>
-              <a:effectLst>
-                <a:outerShdw sx="100000" sy="100000" kx="0" ky="0" algn="b" rotWithShape="0" blurRad="50800" dist="25400" dir="5400000">
-                  <a:srgbClr val="000000"/>
-                </a:outerShdw>
-              </a:effectLst>
-            </a:endParaRPr>
           </a:p>
           <a:p>
             <a:pPr lvl="1">
@@ -1647,23 +1557,13 @@
                   <a:srgbClr val="EBEBEB"/>
                 </a:solidFill>
                 <a:effectLst>
-                  <a:outerShdw sx="100000" sy="100000" kx="0" ky="0" algn="b" rotWithShape="0" blurRad="50800" dist="25400" dir="5400000">
+                  <a:outerShdw blurRad="50800" dist="25400" dir="5400000" rotWithShape="0">
                     <a:srgbClr val="000000"/>
                   </a:outerShdw>
                 </a:effectLst>
               </a:rPr>
               <a:t>Body Level Two</a:t>
             </a:r>
-            <a:endParaRPr sz="2800">
-              <a:solidFill>
-                <a:srgbClr val="EBEBEB"/>
-              </a:solidFill>
-              <a:effectLst>
-                <a:outerShdw sx="100000" sy="100000" kx="0" ky="0" algn="b" rotWithShape="0" blurRad="50800" dist="25400" dir="5400000">
-                  <a:srgbClr val="000000"/>
-                </a:outerShdw>
-              </a:effectLst>
-            </a:endParaRPr>
           </a:p>
           <a:p>
             <a:pPr lvl="2">
@@ -1680,23 +1580,13 @@
                   <a:srgbClr val="EBEBEB"/>
                 </a:solidFill>
                 <a:effectLst>
-                  <a:outerShdw sx="100000" sy="100000" kx="0" ky="0" algn="b" rotWithShape="0" blurRad="50800" dist="25400" dir="5400000">
+                  <a:outerShdw blurRad="50800" dist="25400" dir="5400000" rotWithShape="0">
                     <a:srgbClr val="000000"/>
                   </a:outerShdw>
                 </a:effectLst>
               </a:rPr>
               <a:t>Body Level Three</a:t>
             </a:r>
-            <a:endParaRPr sz="2800">
-              <a:solidFill>
-                <a:srgbClr val="EBEBEB"/>
-              </a:solidFill>
-              <a:effectLst>
-                <a:outerShdw sx="100000" sy="100000" kx="0" ky="0" algn="b" rotWithShape="0" blurRad="50800" dist="25400" dir="5400000">
-                  <a:srgbClr val="000000"/>
-                </a:outerShdw>
-              </a:effectLst>
-            </a:endParaRPr>
           </a:p>
           <a:p>
             <a:pPr lvl="3">
@@ -1713,23 +1603,13 @@
                   <a:srgbClr val="EBEBEB"/>
                 </a:solidFill>
                 <a:effectLst>
-                  <a:outerShdw sx="100000" sy="100000" kx="0" ky="0" algn="b" rotWithShape="0" blurRad="50800" dist="25400" dir="5400000">
+                  <a:outerShdw blurRad="50800" dist="25400" dir="5400000" rotWithShape="0">
                     <a:srgbClr val="000000"/>
                   </a:outerShdw>
                 </a:effectLst>
               </a:rPr>
               <a:t>Body Level Four</a:t>
             </a:r>
-            <a:endParaRPr sz="2800">
-              <a:solidFill>
-                <a:srgbClr val="EBEBEB"/>
-              </a:solidFill>
-              <a:effectLst>
-                <a:outerShdw sx="100000" sy="100000" kx="0" ky="0" algn="b" rotWithShape="0" blurRad="50800" dist="25400" dir="5400000">
-                  <a:srgbClr val="000000"/>
-                </a:outerShdw>
-              </a:effectLst>
-            </a:endParaRPr>
           </a:p>
           <a:p>
             <a:pPr lvl="4">
@@ -1746,7 +1626,7 @@
                   <a:srgbClr val="EBEBEB"/>
                 </a:solidFill>
                 <a:effectLst>
-                  <a:outerShdw sx="100000" sy="100000" kx="0" ky="0" algn="b" rotWithShape="0" blurRad="50800" dist="25400" dir="5400000">
+                  <a:outerShdw blurRad="50800" dist="25400" dir="5400000" rotWithShape="0">
                     <a:srgbClr val="000000"/>
                   </a:outerShdw>
                 </a:effectLst>
@@ -1761,12 +1641,12 @@
   <p:clrMapOvr>
     <a:masterClrMapping/>
   </p:clrMapOvr>
-  <p:transition spd="med" advClick="1"/>
+  <p:transition xmlns:p14="http://schemas.microsoft.com/office/powerpoint/2010/main" spd="med"/>
 </p:sldLayout>
 </file>
 
 <file path=ppt/slideLayouts/slideLayout6.xml><?xml version="1.0" encoding="utf-8"?>
-<p:sldLayout xmlns:a="http://schemas.openxmlformats.org/drawingml/2006/main" xmlns:r="http://schemas.openxmlformats.org/officeDocument/2006/relationships" xmlns:p="http://schemas.openxmlformats.org/presentationml/2006/main" type="tx" showMasterSp="0" showMasterPhAnim="1">
+<p:sldLayout xmlns:a="http://schemas.openxmlformats.org/drawingml/2006/main" xmlns:r="http://schemas.openxmlformats.org/officeDocument/2006/relationships" xmlns:p="http://schemas.openxmlformats.org/presentationml/2006/main" showMasterSp="0" type="tx">
   <p:cSld name="Bullets">
     <p:spTree>
       <p:nvGrpSpPr>
@@ -1785,7 +1665,9 @@
       <p:sp>
         <p:nvSpPr>
           <p:cNvPr id="21" name="Shape 21"/>
-          <p:cNvSpPr/>
+          <p:cNvSpPr>
+            <a:spLocks noGrp="1"/>
+          </p:cNvSpPr>
           <p:nvPr>
             <p:ph type="body" idx="1"/>
           </p:nvPr>
@@ -1817,23 +1699,13 @@
                   <a:srgbClr val="EBEBEB"/>
                 </a:solidFill>
                 <a:effectLst>
-                  <a:outerShdw sx="100000" sy="100000" kx="0" ky="0" algn="b" rotWithShape="0" blurRad="50800" dist="25400" dir="5400000">
+                  <a:outerShdw blurRad="50800" dist="25400" dir="5400000" rotWithShape="0">
                     <a:srgbClr val="000000"/>
                   </a:outerShdw>
                 </a:effectLst>
               </a:rPr>
               <a:t>Body Level One</a:t>
             </a:r>
-            <a:endParaRPr sz="3400">
-              <a:solidFill>
-                <a:srgbClr val="EBEBEB"/>
-              </a:solidFill>
-              <a:effectLst>
-                <a:outerShdw sx="100000" sy="100000" kx="0" ky="0" algn="b" rotWithShape="0" blurRad="50800" dist="25400" dir="5400000">
-                  <a:srgbClr val="000000"/>
-                </a:outerShdw>
-              </a:effectLst>
-            </a:endParaRPr>
           </a:p>
           <a:p>
             <a:pPr lvl="1">
@@ -1850,23 +1722,13 @@
                   <a:srgbClr val="EBEBEB"/>
                 </a:solidFill>
                 <a:effectLst>
-                  <a:outerShdw sx="100000" sy="100000" kx="0" ky="0" algn="b" rotWithShape="0" blurRad="50800" dist="25400" dir="5400000">
+                  <a:outerShdw blurRad="50800" dist="25400" dir="5400000" rotWithShape="0">
                     <a:srgbClr val="000000"/>
                   </a:outerShdw>
                 </a:effectLst>
               </a:rPr>
               <a:t>Body Level Two</a:t>
             </a:r>
-            <a:endParaRPr sz="3400">
-              <a:solidFill>
-                <a:srgbClr val="EBEBEB"/>
-              </a:solidFill>
-              <a:effectLst>
-                <a:outerShdw sx="100000" sy="100000" kx="0" ky="0" algn="b" rotWithShape="0" blurRad="50800" dist="25400" dir="5400000">
-                  <a:srgbClr val="000000"/>
-                </a:outerShdw>
-              </a:effectLst>
-            </a:endParaRPr>
           </a:p>
           <a:p>
             <a:pPr lvl="2">
@@ -1883,23 +1745,13 @@
                   <a:srgbClr val="EBEBEB"/>
                 </a:solidFill>
                 <a:effectLst>
-                  <a:outerShdw sx="100000" sy="100000" kx="0" ky="0" algn="b" rotWithShape="0" blurRad="50800" dist="25400" dir="5400000">
+                  <a:outerShdw blurRad="50800" dist="25400" dir="5400000" rotWithShape="0">
                     <a:srgbClr val="000000"/>
                   </a:outerShdw>
                 </a:effectLst>
               </a:rPr>
               <a:t>Body Level Three</a:t>
             </a:r>
-            <a:endParaRPr sz="3400">
-              <a:solidFill>
-                <a:srgbClr val="EBEBEB"/>
-              </a:solidFill>
-              <a:effectLst>
-                <a:outerShdw sx="100000" sy="100000" kx="0" ky="0" algn="b" rotWithShape="0" blurRad="50800" dist="25400" dir="5400000">
-                  <a:srgbClr val="000000"/>
-                </a:outerShdw>
-              </a:effectLst>
-            </a:endParaRPr>
           </a:p>
           <a:p>
             <a:pPr lvl="3">
@@ -1916,23 +1768,13 @@
                   <a:srgbClr val="EBEBEB"/>
                 </a:solidFill>
                 <a:effectLst>
-                  <a:outerShdw sx="100000" sy="100000" kx="0" ky="0" algn="b" rotWithShape="0" blurRad="50800" dist="25400" dir="5400000">
+                  <a:outerShdw blurRad="50800" dist="25400" dir="5400000" rotWithShape="0">
                     <a:srgbClr val="000000"/>
                   </a:outerShdw>
                 </a:effectLst>
               </a:rPr>
               <a:t>Body Level Four</a:t>
             </a:r>
-            <a:endParaRPr sz="3400">
-              <a:solidFill>
-                <a:srgbClr val="EBEBEB"/>
-              </a:solidFill>
-              <a:effectLst>
-                <a:outerShdw sx="100000" sy="100000" kx="0" ky="0" algn="b" rotWithShape="0" blurRad="50800" dist="25400" dir="5400000">
-                  <a:srgbClr val="000000"/>
-                </a:outerShdw>
-              </a:effectLst>
-            </a:endParaRPr>
           </a:p>
           <a:p>
             <a:pPr lvl="4">
@@ -1949,7 +1791,7 @@
                   <a:srgbClr val="EBEBEB"/>
                 </a:solidFill>
                 <a:effectLst>
-                  <a:outerShdw sx="100000" sy="100000" kx="0" ky="0" algn="b" rotWithShape="0" blurRad="50800" dist="25400" dir="5400000">
+                  <a:outerShdw blurRad="50800" dist="25400" dir="5400000" rotWithShape="0">
                     <a:srgbClr val="000000"/>
                   </a:outerShdw>
                 </a:effectLst>
@@ -1964,12 +1806,12 @@
   <p:clrMapOvr>
     <a:masterClrMapping/>
   </p:clrMapOvr>
-  <p:transition spd="med" advClick="1"/>
+  <p:transition xmlns:p14="http://schemas.microsoft.com/office/powerpoint/2010/main" spd="med"/>
 </p:sldLayout>
 </file>
 
 <file path=ppt/slideLayouts/slideLayout7.xml><?xml version="1.0" encoding="utf-8"?>
-<p:sldLayout xmlns:a="http://schemas.openxmlformats.org/drawingml/2006/main" xmlns:r="http://schemas.openxmlformats.org/officeDocument/2006/relationships" xmlns:p="http://schemas.openxmlformats.org/presentationml/2006/main" type="tx" showMasterSp="0" showMasterPhAnim="1">
+<p:sldLayout xmlns:a="http://schemas.openxmlformats.org/drawingml/2006/main" xmlns:r="http://schemas.openxmlformats.org/officeDocument/2006/relationships" xmlns:p="http://schemas.openxmlformats.org/presentationml/2006/main" showMasterSp="0" type="tx">
   <p:cSld name="Photo - 3 Up">
     <p:spTree>
       <p:nvGrpSpPr>
@@ -1990,12 +1832,12 @@
   <p:clrMapOvr>
     <a:masterClrMapping/>
   </p:clrMapOvr>
-  <p:transition spd="med" advClick="1"/>
+  <p:transition xmlns:p14="http://schemas.microsoft.com/office/powerpoint/2010/main" spd="med"/>
 </p:sldLayout>
 </file>
 
 <file path=ppt/slideLayouts/slideLayout8.xml><?xml version="1.0" encoding="utf-8"?>
-<p:sldLayout xmlns:a="http://schemas.openxmlformats.org/drawingml/2006/main" xmlns:r="http://schemas.openxmlformats.org/officeDocument/2006/relationships" xmlns:p="http://schemas.openxmlformats.org/presentationml/2006/main" type="tx" showMasterSp="0" showMasterPhAnim="1">
+<p:sldLayout xmlns:a="http://schemas.openxmlformats.org/drawingml/2006/main" xmlns:r="http://schemas.openxmlformats.org/officeDocument/2006/relationships" xmlns:p="http://schemas.openxmlformats.org/presentationml/2006/main" showMasterSp="0" type="tx">
   <p:cSld name="Quote">
     <p:spTree>
       <p:nvGrpSpPr>
@@ -2016,12 +1858,12 @@
   <p:clrMapOvr>
     <a:masterClrMapping/>
   </p:clrMapOvr>
-  <p:transition spd="med" advClick="1"/>
+  <p:transition xmlns:p14="http://schemas.microsoft.com/office/powerpoint/2010/main" spd="med"/>
 </p:sldLayout>
 </file>
 
 <file path=ppt/slideLayouts/slideLayout9.xml><?xml version="1.0" encoding="utf-8"?>
-<p:sldLayout xmlns:a="http://schemas.openxmlformats.org/drawingml/2006/main" xmlns:r="http://schemas.openxmlformats.org/officeDocument/2006/relationships" xmlns:p="http://schemas.openxmlformats.org/presentationml/2006/main" type="tx" showMasterSp="0" showMasterPhAnim="1">
+<p:sldLayout xmlns:a="http://schemas.openxmlformats.org/drawingml/2006/main" xmlns:r="http://schemas.openxmlformats.org/officeDocument/2006/relationships" xmlns:p="http://schemas.openxmlformats.org/presentationml/2006/main" showMasterSp="0" type="tx">
   <p:cSld name="Photo">
     <p:spTree>
       <p:nvGrpSpPr>
@@ -2042,7 +1884,7 @@
   <p:clrMapOvr>
     <a:masterClrMapping/>
   </p:clrMapOvr>
-  <p:transition spd="med" advClick="1"/>
+  <p:transition xmlns:p14="http://schemas.microsoft.com/office/powerpoint/2010/main" spd="med"/>
 </p:sldLayout>
 </file>
 
@@ -2052,12 +1894,13 @@
     <p:bg>
       <p:bgPr>
         <a:blipFill rotWithShape="1">
-          <a:blip r:embed="rId2"/>
-          <a:srcRect l="0" t="0" r="0" b="0"/>
+          <a:blip r:embed="rId12"/>
+          <a:srcRect/>
           <a:stretch>
             <a:fillRect/>
           </a:stretch>
         </a:blipFill>
+        <a:effectLst/>
       </p:bgPr>
     </p:bg>
     <p:spTree>
@@ -2081,7 +1924,7 @@
           <p:nvPr/>
         </p:nvPicPr>
         <p:blipFill>
-          <a:blip r:embed="rId3">
+          <a:blip r:embed="rId13">
             <a:extLst/>
           </a:blip>
           <a:stretch>
@@ -2104,7 +1947,9 @@
       <p:sp>
         <p:nvSpPr>
           <p:cNvPr id="3" name="Shape 3"/>
-          <p:cNvSpPr/>
+          <p:cNvSpPr>
+            <a:spLocks noGrp="1"/>
+          </p:cNvSpPr>
           <p:nvPr>
             <p:ph type="title"/>
           </p:nvPr>
@@ -2128,12 +1973,12 @@
         </p:spPr>
         <p:txBody>
           <a:bodyPr lIns="0" tIns="0" rIns="0" bIns="0" anchor="ctr">
-            <a:normAutofit fontScale="100000" lnSpcReduction="0"/>
+            <a:normAutofit/>
           </a:bodyPr>
           <a:lstStyle/>
           <a:p>
             <a:pPr lvl="0">
-              <a:defRPr b="0" sz="1800">
+              <a:defRPr sz="1800" b="0">
                 <a:solidFill>
                   <a:srgbClr val="000000"/>
                 </a:solidFill>
@@ -2141,12 +1986,12 @@
               </a:defRPr>
             </a:pPr>
             <a:r>
-              <a:rPr b="1" sz="6400">
+              <a:rPr sz="6400" b="1">
                 <a:solidFill>
                   <a:srgbClr val="FFFFFF"/>
                 </a:solidFill>
                 <a:effectLst>
-                  <a:outerShdw sx="100000" sy="100000" kx="0" ky="0" algn="b" rotWithShape="0" blurRad="50800" dist="25400" dir="5400000">
+                  <a:outerShdw blurRad="50800" dist="25400" dir="5400000" rotWithShape="0">
                     <a:srgbClr val="000000"/>
                   </a:outerShdw>
                 </a:effectLst>
@@ -2159,7 +2004,9 @@
       <p:sp>
         <p:nvSpPr>
           <p:cNvPr id="4" name="Shape 4"/>
-          <p:cNvSpPr/>
+          <p:cNvSpPr>
+            <a:spLocks noGrp="1"/>
+          </p:cNvSpPr>
           <p:nvPr>
             <p:ph type="body" idx="1"/>
           </p:nvPr>
@@ -2183,7 +2030,7 @@
         </p:spPr>
         <p:txBody>
           <a:bodyPr lIns="0" tIns="0" rIns="0" bIns="0" anchor="ctr">
-            <a:normAutofit fontScale="100000" lnSpcReduction="0"/>
+            <a:normAutofit/>
           </a:bodyPr>
           <a:lstStyle/>
           <a:p>
@@ -2201,23 +2048,13 @@
                   <a:srgbClr val="EBEBEB"/>
                 </a:solidFill>
                 <a:effectLst>
-                  <a:outerShdw sx="100000" sy="100000" kx="0" ky="0" algn="b" rotWithShape="0" blurRad="50800" dist="25400" dir="5400000">
+                  <a:outerShdw blurRad="50800" dist="25400" dir="5400000" rotWithShape="0">
                     <a:srgbClr val="000000"/>
                   </a:outerShdw>
                 </a:effectLst>
               </a:rPr>
               <a:t>Body Level One</a:t>
             </a:r>
-            <a:endParaRPr sz="3400">
-              <a:solidFill>
-                <a:srgbClr val="EBEBEB"/>
-              </a:solidFill>
-              <a:effectLst>
-                <a:outerShdw sx="100000" sy="100000" kx="0" ky="0" algn="b" rotWithShape="0" blurRad="50800" dist="25400" dir="5400000">
-                  <a:srgbClr val="000000"/>
-                </a:outerShdw>
-              </a:effectLst>
-            </a:endParaRPr>
           </a:p>
           <a:p>
             <a:pPr lvl="1">
@@ -2234,23 +2071,13 @@
                   <a:srgbClr val="EBEBEB"/>
                 </a:solidFill>
                 <a:effectLst>
-                  <a:outerShdw sx="100000" sy="100000" kx="0" ky="0" algn="b" rotWithShape="0" blurRad="50800" dist="25400" dir="5400000">
+                  <a:outerShdw blurRad="50800" dist="25400" dir="5400000" rotWithShape="0">
                     <a:srgbClr val="000000"/>
                   </a:outerShdw>
                 </a:effectLst>
               </a:rPr>
               <a:t>Body Level Two</a:t>
             </a:r>
-            <a:endParaRPr sz="3400">
-              <a:solidFill>
-                <a:srgbClr val="EBEBEB"/>
-              </a:solidFill>
-              <a:effectLst>
-                <a:outerShdw sx="100000" sy="100000" kx="0" ky="0" algn="b" rotWithShape="0" blurRad="50800" dist="25400" dir="5400000">
-                  <a:srgbClr val="000000"/>
-                </a:outerShdw>
-              </a:effectLst>
-            </a:endParaRPr>
           </a:p>
           <a:p>
             <a:pPr lvl="2">
@@ -2267,23 +2094,13 @@
                   <a:srgbClr val="EBEBEB"/>
                 </a:solidFill>
                 <a:effectLst>
-                  <a:outerShdw sx="100000" sy="100000" kx="0" ky="0" algn="b" rotWithShape="0" blurRad="50800" dist="25400" dir="5400000">
+                  <a:outerShdw blurRad="50800" dist="25400" dir="5400000" rotWithShape="0">
                     <a:srgbClr val="000000"/>
                   </a:outerShdw>
                 </a:effectLst>
               </a:rPr>
               <a:t>Body Level Three</a:t>
             </a:r>
-            <a:endParaRPr sz="3400">
-              <a:solidFill>
-                <a:srgbClr val="EBEBEB"/>
-              </a:solidFill>
-              <a:effectLst>
-                <a:outerShdw sx="100000" sy="100000" kx="0" ky="0" algn="b" rotWithShape="0" blurRad="50800" dist="25400" dir="5400000">
-                  <a:srgbClr val="000000"/>
-                </a:outerShdw>
-              </a:effectLst>
-            </a:endParaRPr>
           </a:p>
           <a:p>
             <a:pPr lvl="3">
@@ -2300,23 +2117,13 @@
                   <a:srgbClr val="EBEBEB"/>
                 </a:solidFill>
                 <a:effectLst>
-                  <a:outerShdw sx="100000" sy="100000" kx="0" ky="0" algn="b" rotWithShape="0" blurRad="50800" dist="25400" dir="5400000">
+                  <a:outerShdw blurRad="50800" dist="25400" dir="5400000" rotWithShape="0">
                     <a:srgbClr val="000000"/>
                   </a:outerShdw>
                 </a:effectLst>
               </a:rPr>
               <a:t>Body Level Four</a:t>
             </a:r>
-            <a:endParaRPr sz="3400">
-              <a:solidFill>
-                <a:srgbClr val="EBEBEB"/>
-              </a:solidFill>
-              <a:effectLst>
-                <a:outerShdw sx="100000" sy="100000" kx="0" ky="0" algn="b" rotWithShape="0" blurRad="50800" dist="25400" dir="5400000">
-                  <a:srgbClr val="000000"/>
-                </a:outerShdw>
-              </a:effectLst>
-            </a:endParaRPr>
           </a:p>
           <a:p>
             <a:pPr lvl="4">
@@ -2333,7 +2140,7 @@
                   <a:srgbClr val="EBEBEB"/>
                 </a:solidFill>
                 <a:effectLst>
-                  <a:outerShdw sx="100000" sy="100000" kx="0" ky="0" algn="b" rotWithShape="0" blurRad="50800" dist="25400" dir="5400000">
+                  <a:outerShdw blurRad="50800" dist="25400" dir="5400000" rotWithShape="0">
                     <a:srgbClr val="000000"/>
                   </a:outerShdw>
                 </a:effectLst>
@@ -2347,27 +2154,27 @@
   </p:cSld>
   <p:clrMap bg1="lt1" tx1="dk1" bg2="lt2" tx2="dk2" accent1="accent1" accent2="accent2" accent3="accent3" accent4="accent4" accent5="accent5" accent6="accent6" hlink="hlink" folHlink="folHlink"/>
   <p:sldLayoutIdLst>
-    <p:sldLayoutId id="2147483649" r:id="rId4"/>
-    <p:sldLayoutId id="2147483650" r:id="rId5"/>
-    <p:sldLayoutId id="2147483651" r:id="rId6"/>
-    <p:sldLayoutId id="2147483652" r:id="rId7"/>
-    <p:sldLayoutId id="2147483653" r:id="rId8"/>
-    <p:sldLayoutId id="2147483654" r:id="rId9"/>
-    <p:sldLayoutId id="2147483655" r:id="rId10"/>
-    <p:sldLayoutId id="2147483656" r:id="rId11"/>
-    <p:sldLayoutId id="2147483657" r:id="rId12"/>
-    <p:sldLayoutId id="2147483658" r:id="rId13"/>
+    <p:sldLayoutId id="2147483649" r:id="rId1"/>
+    <p:sldLayoutId id="2147483650" r:id="rId2"/>
+    <p:sldLayoutId id="2147483651" r:id="rId3"/>
+    <p:sldLayoutId id="2147483652" r:id="rId4"/>
+    <p:sldLayoutId id="2147483653" r:id="rId5"/>
+    <p:sldLayoutId id="2147483654" r:id="rId6"/>
+    <p:sldLayoutId id="2147483655" r:id="rId7"/>
+    <p:sldLayoutId id="2147483656" r:id="rId8"/>
+    <p:sldLayoutId id="2147483657" r:id="rId9"/>
+    <p:sldLayoutId id="2147483658" r:id="rId10"/>
   </p:sldLayoutIdLst>
-  <p:transition spd="med" advClick="1"/>
+  <p:transition xmlns:p14="http://schemas.microsoft.com/office/powerpoint/2010/main" spd="med"/>
   <p:txStyles>
     <p:titleStyle>
       <a:lvl1pPr algn="ctr" defTabSz="584200">
-        <a:defRPr b="1" sz="6400">
+        <a:defRPr sz="6400" b="1">
           <a:solidFill>
             <a:srgbClr val="FFFFFF"/>
           </a:solidFill>
           <a:effectLst>
-            <a:outerShdw sx="100000" sy="100000" kx="0" ky="0" algn="b" rotWithShape="0" blurRad="50800" dist="25400" dir="5400000">
+            <a:outerShdw blurRad="50800" dist="25400" dir="5400000" rotWithShape="0">
               <a:srgbClr val="000000"/>
             </a:outerShdw>
           </a:effectLst>
@@ -2378,12 +2185,12 @@
         </a:defRPr>
       </a:lvl1pPr>
       <a:lvl2pPr algn="ctr" defTabSz="584200">
-        <a:defRPr b="1" sz="6400">
+        <a:defRPr sz="6400" b="1">
           <a:solidFill>
             <a:srgbClr val="FFFFFF"/>
           </a:solidFill>
           <a:effectLst>
-            <a:outerShdw sx="100000" sy="100000" kx="0" ky="0" algn="b" rotWithShape="0" blurRad="50800" dist="25400" dir="5400000">
+            <a:outerShdw blurRad="50800" dist="25400" dir="5400000" rotWithShape="0">
               <a:srgbClr val="000000"/>
             </a:outerShdw>
           </a:effectLst>
@@ -2394,12 +2201,12 @@
         </a:defRPr>
       </a:lvl2pPr>
       <a:lvl3pPr algn="ctr" defTabSz="584200">
-        <a:defRPr b="1" sz="6400">
+        <a:defRPr sz="6400" b="1">
           <a:solidFill>
             <a:srgbClr val="FFFFFF"/>
           </a:solidFill>
           <a:effectLst>
-            <a:outerShdw sx="100000" sy="100000" kx="0" ky="0" algn="b" rotWithShape="0" blurRad="50800" dist="25400" dir="5400000">
+            <a:outerShdw blurRad="50800" dist="25400" dir="5400000" rotWithShape="0">
               <a:srgbClr val="000000"/>
             </a:outerShdw>
           </a:effectLst>
@@ -2410,12 +2217,12 @@
         </a:defRPr>
       </a:lvl3pPr>
       <a:lvl4pPr algn="ctr" defTabSz="584200">
-        <a:defRPr b="1" sz="6400">
+        <a:defRPr sz="6400" b="1">
           <a:solidFill>
             <a:srgbClr val="FFFFFF"/>
           </a:solidFill>
           <a:effectLst>
-            <a:outerShdw sx="100000" sy="100000" kx="0" ky="0" algn="b" rotWithShape="0" blurRad="50800" dist="25400" dir="5400000">
+            <a:outerShdw blurRad="50800" dist="25400" dir="5400000" rotWithShape="0">
               <a:srgbClr val="000000"/>
             </a:outerShdw>
           </a:effectLst>
@@ -2426,12 +2233,12 @@
         </a:defRPr>
       </a:lvl4pPr>
       <a:lvl5pPr algn="ctr" defTabSz="584200">
-        <a:defRPr b="1" sz="6400">
+        <a:defRPr sz="6400" b="1">
           <a:solidFill>
             <a:srgbClr val="FFFFFF"/>
           </a:solidFill>
           <a:effectLst>
-            <a:outerShdw sx="100000" sy="100000" kx="0" ky="0" algn="b" rotWithShape="0" blurRad="50800" dist="25400" dir="5400000">
+            <a:outerShdw blurRad="50800" dist="25400" dir="5400000" rotWithShape="0">
               <a:srgbClr val="000000"/>
             </a:outerShdw>
           </a:effectLst>
@@ -2442,12 +2249,12 @@
         </a:defRPr>
       </a:lvl5pPr>
       <a:lvl6pPr algn="ctr" defTabSz="584200">
-        <a:defRPr b="1" sz="6400">
+        <a:defRPr sz="6400" b="1">
           <a:solidFill>
             <a:srgbClr val="FFFFFF"/>
           </a:solidFill>
           <a:effectLst>
-            <a:outerShdw sx="100000" sy="100000" kx="0" ky="0" algn="b" rotWithShape="0" blurRad="50800" dist="25400" dir="5400000">
+            <a:outerShdw blurRad="50800" dist="25400" dir="5400000" rotWithShape="0">
               <a:srgbClr val="000000"/>
             </a:outerShdw>
           </a:effectLst>
@@ -2458,12 +2265,12 @@
         </a:defRPr>
       </a:lvl6pPr>
       <a:lvl7pPr algn="ctr" defTabSz="584200">
-        <a:defRPr b="1" sz="6400">
+        <a:defRPr sz="6400" b="1">
           <a:solidFill>
             <a:srgbClr val="FFFFFF"/>
           </a:solidFill>
           <a:effectLst>
-            <a:outerShdw sx="100000" sy="100000" kx="0" ky="0" algn="b" rotWithShape="0" blurRad="50800" dist="25400" dir="5400000">
+            <a:outerShdw blurRad="50800" dist="25400" dir="5400000" rotWithShape="0">
               <a:srgbClr val="000000"/>
             </a:outerShdw>
           </a:effectLst>
@@ -2474,12 +2281,12 @@
         </a:defRPr>
       </a:lvl7pPr>
       <a:lvl8pPr algn="ctr" defTabSz="584200">
-        <a:defRPr b="1" sz="6400">
+        <a:defRPr sz="6400" b="1">
           <a:solidFill>
             <a:srgbClr val="FFFFFF"/>
           </a:solidFill>
           <a:effectLst>
-            <a:outerShdw sx="100000" sy="100000" kx="0" ky="0" algn="b" rotWithShape="0" blurRad="50800" dist="25400" dir="5400000">
+            <a:outerShdw blurRad="50800" dist="25400" dir="5400000" rotWithShape="0">
               <a:srgbClr val="000000"/>
             </a:outerShdw>
           </a:effectLst>
@@ -2490,12 +2297,12 @@
         </a:defRPr>
       </a:lvl8pPr>
       <a:lvl9pPr algn="ctr" defTabSz="584200">
-        <a:defRPr b="1" sz="6400">
+        <a:defRPr sz="6400" b="1">
           <a:solidFill>
             <a:srgbClr val="FFFFFF"/>
           </a:solidFill>
           <a:effectLst>
-            <a:outerShdw sx="100000" sy="100000" kx="0" ky="0" algn="b" rotWithShape="0" blurRad="50800" dist="25400" dir="5400000">
+            <a:outerShdw blurRad="50800" dist="25400" dir="5400000" rotWithShape="0">
               <a:srgbClr val="000000"/>
             </a:outerShdw>
           </a:effectLst>
@@ -2518,7 +2325,7 @@
             <a:srgbClr val="EBEBEB"/>
           </a:solidFill>
           <a:effectLst>
-            <a:outerShdw sx="100000" sy="100000" kx="0" ky="0" algn="b" rotWithShape="0" blurRad="50800" dist="25400" dir="5400000">
+            <a:outerShdw blurRad="50800" dist="25400" dir="5400000" rotWithShape="0">
               <a:srgbClr val="000000"/>
             </a:outerShdw>
           </a:effectLst>
@@ -2539,7 +2346,7 @@
             <a:srgbClr val="EBEBEB"/>
           </a:solidFill>
           <a:effectLst>
-            <a:outerShdw sx="100000" sy="100000" kx="0" ky="0" algn="b" rotWithShape="0" blurRad="50800" dist="25400" dir="5400000">
+            <a:outerShdw blurRad="50800" dist="25400" dir="5400000" rotWithShape="0">
               <a:srgbClr val="000000"/>
             </a:outerShdw>
           </a:effectLst>
@@ -2560,7 +2367,7 @@
             <a:srgbClr val="EBEBEB"/>
           </a:solidFill>
           <a:effectLst>
-            <a:outerShdw sx="100000" sy="100000" kx="0" ky="0" algn="b" rotWithShape="0" blurRad="50800" dist="25400" dir="5400000">
+            <a:outerShdw blurRad="50800" dist="25400" dir="5400000" rotWithShape="0">
               <a:srgbClr val="000000"/>
             </a:outerShdw>
           </a:effectLst>
@@ -2581,7 +2388,7 @@
             <a:srgbClr val="EBEBEB"/>
           </a:solidFill>
           <a:effectLst>
-            <a:outerShdw sx="100000" sy="100000" kx="0" ky="0" algn="b" rotWithShape="0" blurRad="50800" dist="25400" dir="5400000">
+            <a:outerShdw blurRad="50800" dist="25400" dir="5400000" rotWithShape="0">
               <a:srgbClr val="000000"/>
             </a:outerShdw>
           </a:effectLst>
@@ -2602,7 +2409,7 @@
             <a:srgbClr val="EBEBEB"/>
           </a:solidFill>
           <a:effectLst>
-            <a:outerShdw sx="100000" sy="100000" kx="0" ky="0" algn="b" rotWithShape="0" blurRad="50800" dist="25400" dir="5400000">
+            <a:outerShdw blurRad="50800" dist="25400" dir="5400000" rotWithShape="0">
               <a:srgbClr val="000000"/>
             </a:outerShdw>
           </a:effectLst>
@@ -2623,7 +2430,7 @@
             <a:srgbClr val="EBEBEB"/>
           </a:solidFill>
           <a:effectLst>
-            <a:outerShdw sx="100000" sy="100000" kx="0" ky="0" algn="b" rotWithShape="0" blurRad="50800" dist="25400" dir="5400000">
+            <a:outerShdw blurRad="50800" dist="25400" dir="5400000" rotWithShape="0">
               <a:srgbClr val="000000"/>
             </a:outerShdw>
           </a:effectLst>
@@ -2644,7 +2451,7 @@
             <a:srgbClr val="EBEBEB"/>
           </a:solidFill>
           <a:effectLst>
-            <a:outerShdw sx="100000" sy="100000" kx="0" ky="0" algn="b" rotWithShape="0" blurRad="50800" dist="25400" dir="5400000">
+            <a:outerShdw blurRad="50800" dist="25400" dir="5400000" rotWithShape="0">
               <a:srgbClr val="000000"/>
             </a:outerShdw>
           </a:effectLst>
@@ -2665,7 +2472,7 @@
             <a:srgbClr val="EBEBEB"/>
           </a:solidFill>
           <a:effectLst>
-            <a:outerShdw sx="100000" sy="100000" kx="0" ky="0" algn="b" rotWithShape="0" blurRad="50800" dist="25400" dir="5400000">
+            <a:outerShdw blurRad="50800" dist="25400" dir="5400000" rotWithShape="0">
               <a:srgbClr val="000000"/>
             </a:outerShdw>
           </a:effectLst>
@@ -2686,7 +2493,7 @@
             <a:srgbClr val="EBEBEB"/>
           </a:solidFill>
           <a:effectLst>
-            <a:outerShdw sx="100000" sy="100000" kx="0" ky="0" algn="b" rotWithShape="0" blurRad="50800" dist="25400" dir="5400000">
+            <a:outerShdw blurRad="50800" dist="25400" dir="5400000" rotWithShape="0">
               <a:srgbClr val="000000"/>
             </a:outerShdw>
           </a:effectLst>
@@ -2704,7 +2511,7 @@
             <a:schemeClr val="tx1"/>
           </a:solidFill>
           <a:effectLst>
-            <a:outerShdw sx="100000" sy="100000" kx="0" ky="0" algn="b" rotWithShape="0" blurRad="50800" dist="25400" dir="5400000">
+            <a:outerShdw blurRad="50800" dist="25400" dir="5400000" rotWithShape="0">
               <a:srgbClr val="000000"/>
             </a:outerShdw>
           </a:effectLst>
@@ -2720,7 +2527,7 @@
             <a:schemeClr val="tx1"/>
           </a:solidFill>
           <a:effectLst>
-            <a:outerShdw sx="100000" sy="100000" kx="0" ky="0" algn="b" rotWithShape="0" blurRad="50800" dist="25400" dir="5400000">
+            <a:outerShdw blurRad="50800" dist="25400" dir="5400000" rotWithShape="0">
               <a:srgbClr val="000000"/>
             </a:outerShdw>
           </a:effectLst>
@@ -2736,7 +2543,7 @@
             <a:schemeClr val="tx1"/>
           </a:solidFill>
           <a:effectLst>
-            <a:outerShdw sx="100000" sy="100000" kx="0" ky="0" algn="b" rotWithShape="0" blurRad="50800" dist="25400" dir="5400000">
+            <a:outerShdw blurRad="50800" dist="25400" dir="5400000" rotWithShape="0">
               <a:srgbClr val="000000"/>
             </a:outerShdw>
           </a:effectLst>
@@ -2752,7 +2559,7 @@
             <a:schemeClr val="tx1"/>
           </a:solidFill>
           <a:effectLst>
-            <a:outerShdw sx="100000" sy="100000" kx="0" ky="0" algn="b" rotWithShape="0" blurRad="50800" dist="25400" dir="5400000">
+            <a:outerShdw blurRad="50800" dist="25400" dir="5400000" rotWithShape="0">
               <a:srgbClr val="000000"/>
             </a:outerShdw>
           </a:effectLst>
@@ -2768,7 +2575,7 @@
             <a:schemeClr val="tx1"/>
           </a:solidFill>
           <a:effectLst>
-            <a:outerShdw sx="100000" sy="100000" kx="0" ky="0" algn="b" rotWithShape="0" blurRad="50800" dist="25400" dir="5400000">
+            <a:outerShdw blurRad="50800" dist="25400" dir="5400000" rotWithShape="0">
               <a:srgbClr val="000000"/>
             </a:outerShdw>
           </a:effectLst>
@@ -2784,7 +2591,7 @@
             <a:schemeClr val="tx1"/>
           </a:solidFill>
           <a:effectLst>
-            <a:outerShdw sx="100000" sy="100000" kx="0" ky="0" algn="b" rotWithShape="0" blurRad="50800" dist="25400" dir="5400000">
+            <a:outerShdw blurRad="50800" dist="25400" dir="5400000" rotWithShape="0">
               <a:srgbClr val="000000"/>
             </a:outerShdw>
           </a:effectLst>
@@ -2800,7 +2607,7 @@
             <a:schemeClr val="tx1"/>
           </a:solidFill>
           <a:effectLst>
-            <a:outerShdw sx="100000" sy="100000" kx="0" ky="0" algn="b" rotWithShape="0" blurRad="50800" dist="25400" dir="5400000">
+            <a:outerShdw blurRad="50800" dist="25400" dir="5400000" rotWithShape="0">
               <a:srgbClr val="000000"/>
             </a:outerShdw>
           </a:effectLst>
@@ -2816,7 +2623,7 @@
             <a:schemeClr val="tx1"/>
           </a:solidFill>
           <a:effectLst>
-            <a:outerShdw sx="100000" sy="100000" kx="0" ky="0" algn="b" rotWithShape="0" blurRad="50800" dist="25400" dir="5400000">
+            <a:outerShdw blurRad="50800" dist="25400" dir="5400000" rotWithShape="0">
               <a:srgbClr val="000000"/>
             </a:outerShdw>
           </a:effectLst>
@@ -2832,7 +2639,7 @@
             <a:schemeClr val="tx1"/>
           </a:solidFill>
           <a:effectLst>
-            <a:outerShdw sx="100000" sy="100000" kx="0" ky="0" algn="b" rotWithShape="0" blurRad="50800" dist="25400" dir="5400000">
+            <a:outerShdw blurRad="50800" dist="25400" dir="5400000" rotWithShape="0">
               <a:srgbClr val="000000"/>
             </a:outerShdw>
           </a:effectLst>
@@ -2848,7 +2655,7 @@
 </file>
 
 <file path=ppt/slides/slide1.xml><?xml version="1.0" encoding="utf-8"?>
-<p:sld xmlns:a="http://schemas.openxmlformats.org/drawingml/2006/main" xmlns:r="http://schemas.openxmlformats.org/officeDocument/2006/relationships" xmlns:p="http://schemas.openxmlformats.org/presentationml/2006/main" showMasterSp="1" showMasterPhAnim="1">
+<p:sld xmlns:a="http://schemas.openxmlformats.org/drawingml/2006/main" xmlns:r="http://schemas.openxmlformats.org/officeDocument/2006/relationships" xmlns:p="http://schemas.openxmlformats.org/presentationml/2006/main">
   <p:cSld>
     <p:spTree>
       <p:nvGrpSpPr>
@@ -2867,7 +2674,9 @@
       <p:sp>
         <p:nvSpPr>
           <p:cNvPr id="29" name="Shape 29"/>
-          <p:cNvSpPr/>
+          <p:cNvSpPr>
+            <a:spLocks noGrp="1"/>
+          </p:cNvSpPr>
           <p:nvPr>
             <p:ph type="title"/>
           </p:nvPr>
@@ -2886,7 +2695,7 @@
           <a:lstStyle/>
           <a:p>
             <a:pPr lvl="0" defTabSz="431139">
-              <a:defRPr b="0" sz="1800">
+              <a:defRPr sz="1800" b="0">
                 <a:solidFill>
                   <a:srgbClr val="000000"/>
                 </a:solidFill>
@@ -2894,12 +2703,12 @@
               </a:defRPr>
             </a:pPr>
             <a:r>
-              <a:rPr b="1" sz="4230">
+              <a:rPr sz="4230" b="1">
                 <a:solidFill>
                   <a:srgbClr val="FFFFFF"/>
                 </a:solidFill>
                 <a:effectLst>
-                  <a:outerShdw sx="100000" sy="100000" kx="0" ky="0" algn="b" rotWithShape="0" blurRad="34289" dist="18745" dir="5400000">
+                  <a:outerShdw blurRad="34289" dist="18745" dir="5400000" rotWithShape="0">
                     <a:srgbClr val="000000"/>
                   </a:outerShdw>
                 </a:effectLst>
@@ -2907,24 +2716,36 @@
               <a:t>NEW YORK TIMES COMMENTS SUMMARIZER</a:t>
             </a:r>
             <a:br>
-              <a:rPr b="1" sz="4230">
+              <a:rPr sz="4230" b="1">
                 <a:solidFill>
                   <a:srgbClr val="FFFFFF"/>
                 </a:solidFill>
                 <a:effectLst>
-                  <a:outerShdw sx="100000" sy="100000" kx="0" ky="0" algn="b" rotWithShape="0" blurRad="34289" dist="18745" dir="5400000">
+                  <a:outerShdw blurRad="34289" dist="18745" dir="5400000" rotWithShape="0">
                     <a:srgbClr val="000000"/>
                   </a:outerShdw>
                 </a:effectLst>
               </a:rPr>
             </a:br>
+            <a:endParaRPr sz="4230" b="1">
+              <a:solidFill>
+                <a:srgbClr val="FFFFFF"/>
+              </a:solidFill>
+              <a:effectLst>
+                <a:outerShdw blurRad="34289" dist="18745" dir="5400000" rotWithShape="0">
+                  <a:srgbClr val="000000"/>
+                </a:outerShdw>
+              </a:effectLst>
+            </a:endParaRPr>
           </a:p>
         </p:txBody>
       </p:sp>
       <p:sp>
         <p:nvSpPr>
           <p:cNvPr id="30" name="Shape 30"/>
-          <p:cNvSpPr/>
+          <p:cNvSpPr>
+            <a:spLocks noGrp="1"/>
+          </p:cNvSpPr>
           <p:nvPr>
             <p:ph type="body" idx="1"/>
           </p:nvPr>
@@ -2956,7 +2777,7 @@
                   <a:srgbClr val="FFFFFF"/>
                 </a:solidFill>
                 <a:effectLst>
-                  <a:outerShdw sx="100000" sy="100000" kx="0" ky="0" algn="b" rotWithShape="0" blurRad="50800" dist="25400" dir="5400000">
+                  <a:outerShdw blurRad="50800" dist="25400" dir="5400000" rotWithShape="0">
                     <a:srgbClr val="000000"/>
                   </a:outerShdw>
                 </a:effectLst>
@@ -3058,12 +2879,19 @@
   <p:clrMapOvr>
     <a:masterClrMapping/>
   </p:clrMapOvr>
-  <p:transition spd="med" advClick="1"/>
+  <p:transition xmlns:p14="http://schemas.microsoft.com/office/powerpoint/2010/main" spd="med"/>
+  <p:timing>
+    <p:tnLst>
+      <p:par>
+        <p:cTn xmlns:p14="http://schemas.microsoft.com/office/powerpoint/2010/main" id="1" dur="indefinite" restart="never" nodeType="tmRoot"/>
+      </p:par>
+    </p:tnLst>
+  </p:timing>
 </p:sld>
 </file>
 
 <file path=ppt/slides/slide10.xml><?xml version="1.0" encoding="utf-8"?>
-<p:sld xmlns:a="http://schemas.openxmlformats.org/drawingml/2006/main" xmlns:r="http://schemas.openxmlformats.org/officeDocument/2006/relationships" xmlns:p="http://schemas.openxmlformats.org/presentationml/2006/main" showMasterSp="1" showMasterPhAnim="1">
+<p:sld xmlns:a="http://schemas.openxmlformats.org/drawingml/2006/main" xmlns:r="http://schemas.openxmlformats.org/officeDocument/2006/relationships" xmlns:p="http://schemas.openxmlformats.org/presentationml/2006/main">
   <p:cSld>
     <p:spTree>
       <p:nvGrpSpPr>
@@ -3082,7 +2910,9 @@
       <p:sp>
         <p:nvSpPr>
           <p:cNvPr id="60" name="Shape 60"/>
-          <p:cNvSpPr/>
+          <p:cNvSpPr>
+            <a:spLocks noGrp="1"/>
+          </p:cNvSpPr>
           <p:nvPr>
             <p:ph type="title"/>
           </p:nvPr>
@@ -3102,7 +2932,7 @@
             <a:lvl1pPr defTabSz="543305">
               <a:defRPr sz="5900">
                 <a:effectLst>
-                  <a:outerShdw sx="100000" sy="100000" kx="0" ky="0" algn="b" rotWithShape="0" blurRad="50800" dist="23622" dir="5400000">
+                  <a:outerShdw blurRad="50800" dist="23622" dir="5400000" rotWithShape="0">
                     <a:srgbClr val="000000"/>
                   </a:outerShdw>
                 </a:effectLst>
@@ -3111,7 +2941,7 @@
           </a:lstStyle>
           <a:p>
             <a:pPr lvl="0">
-              <a:defRPr b="0" sz="1800">
+              <a:defRPr sz="1800" b="0">
                 <a:solidFill>
                   <a:srgbClr val="000000"/>
                 </a:solidFill>
@@ -3119,12 +2949,12 @@
               </a:defRPr>
             </a:pPr>
             <a:r>
-              <a:rPr b="1" sz="5900">
+              <a:rPr sz="5900" b="1">
                 <a:solidFill>
                   <a:srgbClr val="FFFFFF"/>
                 </a:solidFill>
                 <a:effectLst>
-                  <a:outerShdw sx="100000" sy="100000" kx="0" ky="0" algn="b" rotWithShape="0" blurRad="50800" dist="23622" dir="5400000">
+                  <a:outerShdw blurRad="50800" dist="23622" dir="5400000" rotWithShape="0">
                     <a:srgbClr val="000000"/>
                   </a:outerShdw>
                 </a:effectLst>
@@ -3172,7 +3002,7 @@
               <a:miter lim="400000"/>
             </a:ln>
             <a:effectLst>
-              <a:outerShdw sx="100000" sy="100000" kx="0" ky="0" algn="b" rotWithShape="0" blurRad="50800" dist="25400" dir="5400000">
+              <a:outerShdw blurRad="50800" dist="25400" dir="5400000" rotWithShape="0">
                 <a:srgbClr val="000000">
                   <a:alpha val="50000"/>
                 </a:srgbClr>
@@ -3194,6 +3024,7 @@
                   <a:sym typeface="Helvetica Neue"/>
                 </a:defRPr>
               </a:pPr>
+              <a:endParaRPr/>
             </a:p>
           </p:txBody>
         </p:sp>
@@ -3234,7 +3065,7 @@
                     <a:srgbClr val="525252"/>
                   </a:solidFill>
                   <a:effectLst>
-                    <a:outerShdw sx="100000" sy="100000" kx="0" ky="0" algn="b" rotWithShape="0" blurRad="38100" dist="12700" dir="5400000">
+                    <a:outerShdw blurRad="38100" dist="12700" dir="5400000" rotWithShape="0">
                       <a:srgbClr val="000000">
                         <a:alpha val="80000"/>
                       </a:srgbClr>
@@ -3262,7 +3093,7 @@
                     <a:srgbClr val="525252"/>
                   </a:solidFill>
                   <a:effectLst>
-                    <a:outerShdw sx="100000" sy="100000" kx="0" ky="0" algn="b" rotWithShape="0" blurRad="38100" dist="12700" dir="5400000">
+                    <a:outerShdw blurRad="38100" dist="12700" dir="5400000" rotWithShape="0">
                       <a:srgbClr val="000000">
                         <a:alpha val="80000"/>
                       </a:srgbClr>
@@ -3313,7 +3144,7 @@
               <a:miter lim="400000"/>
             </a:ln>
             <a:effectLst>
-              <a:outerShdw sx="100000" sy="100000" kx="0" ky="0" algn="b" rotWithShape="0" blurRad="50800" dist="25400" dir="5400000">
+              <a:outerShdw blurRad="50800" dist="25400" dir="5400000" rotWithShape="0">
                 <a:srgbClr val="000000">
                   <a:alpha val="50000"/>
                 </a:srgbClr>
@@ -3335,6 +3166,7 @@
                   <a:sym typeface="Helvetica Neue"/>
                 </a:defRPr>
               </a:pPr>
+              <a:endParaRPr/>
             </a:p>
           </p:txBody>
         </p:sp>
@@ -3375,7 +3207,7 @@
                     <a:srgbClr val="525252"/>
                   </a:solidFill>
                   <a:effectLst>
-                    <a:outerShdw sx="100000" sy="100000" kx="0" ky="0" algn="b" rotWithShape="0" blurRad="38100" dist="12700" dir="5400000">
+                    <a:outerShdw blurRad="38100" dist="12700" dir="5400000" rotWithShape="0">
                       <a:srgbClr val="000000">
                         <a:alpha val="80000"/>
                       </a:srgbClr>
@@ -3403,7 +3235,7 @@
                     <a:srgbClr val="525252"/>
                   </a:solidFill>
                   <a:effectLst>
-                    <a:outerShdw sx="100000" sy="100000" kx="0" ky="0" algn="b" rotWithShape="0" blurRad="38100" dist="12700" dir="5400000">
+                    <a:outerShdw blurRad="38100" dist="12700" dir="5400000" rotWithShape="0">
                       <a:srgbClr val="000000">
                         <a:alpha val="80000"/>
                       </a:srgbClr>
@@ -3454,7 +3286,7 @@
               <a:miter lim="400000"/>
             </a:ln>
             <a:effectLst>
-              <a:outerShdw sx="100000" sy="100000" kx="0" ky="0" algn="b" rotWithShape="0" blurRad="50800" dist="25400" dir="5400000">
+              <a:outerShdw blurRad="50800" dist="25400" dir="5400000" rotWithShape="0">
                 <a:srgbClr val="000000">
                   <a:alpha val="50000"/>
                 </a:srgbClr>
@@ -3476,6 +3308,7 @@
                   <a:sym typeface="Helvetica Neue Medium"/>
                 </a:defRPr>
               </a:pPr>
+              <a:endParaRPr/>
             </a:p>
           </p:txBody>
         </p:sp>
@@ -3516,7 +3349,7 @@
                     <a:srgbClr val="525252"/>
                   </a:solidFill>
                   <a:effectLst>
-                    <a:outerShdw sx="100000" sy="100000" kx="0" ky="0" algn="b" rotWithShape="0" blurRad="38100" dist="12700" dir="5400000">
+                    <a:outerShdw blurRad="38100" dist="12700" dir="5400000" rotWithShape="0">
                       <a:srgbClr val="000000">
                         <a:alpha val="80000"/>
                       </a:srgbClr>
@@ -3544,7 +3377,7 @@
                     <a:srgbClr val="525252"/>
                   </a:solidFill>
                   <a:effectLst>
-                    <a:outerShdw sx="100000" sy="100000" kx="0" ky="0" algn="b" rotWithShape="0" blurRad="38100" dist="12700" dir="5400000">
+                    <a:outerShdw blurRad="38100" dist="12700" dir="5400000" rotWithShape="0">
                       <a:srgbClr val="000000">
                         <a:alpha val="80000"/>
                       </a:srgbClr>
@@ -3622,7 +3455,7 @@
               <a:miter lim="400000"/>
             </a:ln>
             <a:effectLst>
-              <a:outerShdw sx="100000" sy="100000" kx="0" ky="0" algn="b" rotWithShape="0" blurRad="50800" dist="25400" dir="5400000">
+              <a:outerShdw blurRad="50800" dist="25400" dir="5400000" rotWithShape="0">
                 <a:srgbClr val="000000">
                   <a:alpha val="50000"/>
                 </a:srgbClr>
@@ -3641,7 +3474,7 @@
                     <a:srgbClr val="525252"/>
                   </a:solidFill>
                   <a:effectLst>
-                    <a:outerShdw sx="100000" sy="100000" kx="0" ky="0" algn="b" rotWithShape="0" blurRad="38100" dist="12700" dir="5400000">
+                    <a:outerShdw blurRad="38100" dist="12700" dir="5400000" rotWithShape="0">
                       <a:srgbClr val="000000">
                         <a:alpha val="80000"/>
                       </a:srgbClr>
@@ -3653,6 +3486,7 @@
                   <a:sym typeface="Helvetica Neue Medium"/>
                 </a:defRPr>
               </a:pPr>
+              <a:endParaRPr/>
             </a:p>
           </p:txBody>
         </p:sp>
@@ -3693,7 +3527,7 @@
                     <a:srgbClr val="525252"/>
                   </a:solidFill>
                   <a:effectLst>
-                    <a:outerShdw sx="100000" sy="100000" kx="0" ky="0" algn="b" rotWithShape="0" blurRad="38100" dist="12700" dir="5400000">
+                    <a:outerShdw blurRad="38100" dist="12700" dir="5400000" rotWithShape="0">
                       <a:srgbClr val="000000">
                         <a:alpha val="80000"/>
                       </a:srgbClr>
@@ -3721,7 +3555,7 @@
                     <a:srgbClr val="525252"/>
                   </a:solidFill>
                   <a:effectLst>
-                    <a:outerShdw sx="100000" sy="100000" kx="0" ky="0" algn="b" rotWithShape="0" blurRad="38100" dist="12700" dir="5400000">
+                    <a:outerShdw blurRad="38100" dist="12700" dir="5400000" rotWithShape="0">
                       <a:srgbClr val="000000">
                         <a:alpha val="80000"/>
                       </a:srgbClr>
@@ -3772,7 +3606,7 @@
               <a:miter lim="400000"/>
             </a:ln>
             <a:effectLst>
-              <a:outerShdw sx="100000" sy="100000" kx="0" ky="0" algn="b" rotWithShape="0" blurRad="50800" dist="25400" dir="5400000">
+              <a:outerShdw blurRad="50800" dist="25400" dir="5400000" rotWithShape="0">
                 <a:srgbClr val="000000">
                   <a:alpha val="50000"/>
                 </a:srgbClr>
@@ -3794,6 +3628,7 @@
                   <a:sym typeface="Helvetica Neue Medium"/>
                 </a:defRPr>
               </a:pPr>
+              <a:endParaRPr/>
             </a:p>
           </p:txBody>
         </p:sp>
@@ -3834,7 +3669,7 @@
                     <a:srgbClr val="525252"/>
                   </a:solidFill>
                   <a:effectLst>
-                    <a:outerShdw sx="100000" sy="100000" kx="0" ky="0" algn="b" rotWithShape="0" blurRad="38100" dist="12700" dir="5400000">
+                    <a:outerShdw blurRad="38100" dist="12700" dir="5400000" rotWithShape="0">
                       <a:srgbClr val="000000">
                         <a:alpha val="80000"/>
                       </a:srgbClr>
@@ -3862,7 +3697,7 @@
                     <a:srgbClr val="525252"/>
                   </a:solidFill>
                   <a:effectLst>
-                    <a:outerShdw sx="100000" sy="100000" kx="0" ky="0" algn="b" rotWithShape="0" blurRad="38100" dist="12700" dir="5400000">
+                    <a:outerShdw blurRad="38100" dist="12700" dir="5400000" rotWithShape="0">
                       <a:srgbClr val="000000">
                         <a:alpha val="80000"/>
                       </a:srgbClr>
@@ -3913,7 +3748,7 @@
               <a:miter lim="400000"/>
             </a:ln>
             <a:effectLst>
-              <a:outerShdw sx="100000" sy="100000" kx="0" ky="0" algn="b" rotWithShape="0" blurRad="50800" dist="25400" dir="5400000">
+              <a:outerShdw blurRad="50800" dist="25400" dir="5400000" rotWithShape="0">
                 <a:srgbClr val="000000">
                   <a:alpha val="50000"/>
                 </a:srgbClr>
@@ -3935,6 +3770,7 @@
                   <a:sym typeface="Helvetica Neue Medium"/>
                 </a:defRPr>
               </a:pPr>
+              <a:endParaRPr/>
             </a:p>
           </p:txBody>
         </p:sp>
@@ -3975,7 +3811,7 @@
                     <a:srgbClr val="525252"/>
                   </a:solidFill>
                   <a:effectLst>
-                    <a:outerShdw sx="100000" sy="100000" kx="0" ky="0" algn="b" rotWithShape="0" blurRad="38100" dist="12700" dir="5400000">
+                    <a:outerShdw blurRad="38100" dist="12700" dir="5400000" rotWithShape="0">
                       <a:srgbClr val="000000">
                         <a:alpha val="80000"/>
                       </a:srgbClr>
@@ -4003,7 +3839,7 @@
                     <a:srgbClr val="525252"/>
                   </a:solidFill>
                   <a:effectLst>
-                    <a:outerShdw sx="100000" sy="100000" kx="0" ky="0" algn="b" rotWithShape="0" blurRad="38100" dist="12700" dir="5400000">
+                    <a:outerShdw blurRad="38100" dist="12700" dir="5400000" rotWithShape="0">
                       <a:srgbClr val="000000">
                         <a:alpha val="80000"/>
                       </a:srgbClr>
@@ -4047,6 +3883,7 @@
                 <a:effectLst/>
               </a:defRPr>
             </a:pPr>
+            <a:endParaRPr/>
           </a:p>
         </p:txBody>
       </p:sp>
@@ -4081,6 +3918,7 @@
                 <a:effectLst/>
               </a:defRPr>
             </a:pPr>
+            <a:endParaRPr/>
           </a:p>
         </p:txBody>
       </p:sp>
@@ -4115,6 +3953,7 @@
                 <a:effectLst/>
               </a:defRPr>
             </a:pPr>
+            <a:endParaRPr/>
           </a:p>
         </p:txBody>
       </p:sp>
@@ -4149,6 +3988,7 @@
                 <a:effectLst/>
               </a:defRPr>
             </a:pPr>
+            <a:endParaRPr/>
           </a:p>
         </p:txBody>
       </p:sp>
@@ -4183,6 +4023,7 @@
                 <a:effectLst/>
               </a:defRPr>
             </a:pPr>
+            <a:endParaRPr/>
           </a:p>
         </p:txBody>
       </p:sp>
@@ -4217,6 +4058,7 @@
                 <a:effectLst/>
               </a:defRPr>
             </a:pPr>
+            <a:endParaRPr/>
           </a:p>
         </p:txBody>
       </p:sp>
@@ -4251,6 +4093,7 @@
                 <a:effectLst/>
               </a:defRPr>
             </a:pPr>
+            <a:endParaRPr/>
           </a:p>
         </p:txBody>
       </p:sp>
@@ -4312,6 +4155,7 @@
                 <a:effectLst/>
               </a:defRPr>
             </a:pPr>
+            <a:endParaRPr/>
           </a:p>
         </p:txBody>
       </p:sp>
@@ -4374,12 +4218,19 @@
   <p:clrMapOvr>
     <a:masterClrMapping/>
   </p:clrMapOvr>
-  <p:transition spd="med" advClick="1"/>
+  <p:transition xmlns:p14="http://schemas.microsoft.com/office/powerpoint/2010/main" spd="med"/>
+  <p:timing>
+    <p:tnLst>
+      <p:par>
+        <p:cTn xmlns:p14="http://schemas.microsoft.com/office/powerpoint/2010/main" id="1" dur="indefinite" restart="never" nodeType="tmRoot"/>
+      </p:par>
+    </p:tnLst>
+  </p:timing>
 </p:sld>
 </file>
 
 <file path=ppt/slides/slide11.xml><?xml version="1.0" encoding="utf-8"?>
-<p:sld xmlns:a="http://schemas.openxmlformats.org/drawingml/2006/main" xmlns:r="http://schemas.openxmlformats.org/officeDocument/2006/relationships" xmlns:p="http://schemas.openxmlformats.org/presentationml/2006/main" showMasterSp="1" showMasterPhAnim="1">
+<p:sld xmlns:a="http://schemas.openxmlformats.org/drawingml/2006/main" xmlns:r="http://schemas.openxmlformats.org/officeDocument/2006/relationships" xmlns:p="http://schemas.openxmlformats.org/presentationml/2006/main">
   <p:cSld>
     <p:spTree>
       <p:nvGrpSpPr>
@@ -4398,7 +4249,9 @@
       <p:sp>
         <p:nvSpPr>
           <p:cNvPr id="92" name="Shape 92"/>
-          <p:cNvSpPr/>
+          <p:cNvSpPr>
+            <a:spLocks noGrp="1"/>
+          </p:cNvSpPr>
           <p:nvPr>
             <p:ph type="title"/>
           </p:nvPr>
@@ -4421,7 +4274,7 @@
           </a:lstStyle>
           <a:p>
             <a:pPr lvl="0">
-              <a:defRPr b="0" sz="1800">
+              <a:defRPr sz="1800" b="0">
                 <a:solidFill>
                   <a:srgbClr val="000000"/>
                 </a:solidFill>
@@ -4429,12 +4282,12 @@
               </a:defRPr>
             </a:pPr>
             <a:r>
-              <a:rPr b="1" sz="5800">
+              <a:rPr sz="5800" b="1">
                 <a:solidFill>
                   <a:srgbClr val="FFFFFF"/>
                 </a:solidFill>
                 <a:effectLst>
-                  <a:outerShdw sx="100000" sy="100000" kx="0" ky="0" algn="b" rotWithShape="0" blurRad="50800" dist="25400" dir="5400000">
+                  <a:outerShdw blurRad="50800" dist="25400" dir="5400000" rotWithShape="0">
                     <a:srgbClr val="000000"/>
                   </a:outerShdw>
                 </a:effectLst>
@@ -4447,7 +4300,9 @@
       <p:sp>
         <p:nvSpPr>
           <p:cNvPr id="93" name="Shape 93"/>
-          <p:cNvSpPr/>
+          <p:cNvSpPr>
+            <a:spLocks noGrp="1"/>
+          </p:cNvSpPr>
           <p:nvPr>
             <p:ph type="body" idx="1"/>
           </p:nvPr>
@@ -4465,7 +4320,7 @@
           <a:bodyPr/>
           <a:lstStyle/>
           <a:p>
-            <a:pPr lvl="0" marL="2207604" indent="-2207604">
+            <a:pPr marL="2207604" lvl="0" indent="-2207604">
               <a:buClr>
                 <a:srgbClr val="EBEBEB"/>
               </a:buClr>
@@ -4482,78 +4337,39 @@
                   <a:srgbClr val="EBEBEB"/>
                 </a:solidFill>
                 <a:effectLst>
-                  <a:outerShdw sx="100000" sy="100000" kx="0" ky="0" algn="b" rotWithShape="0" blurRad="50800" dist="25400" dir="5400000">
+                  <a:outerShdw blurRad="50800" dist="25400" dir="5400000" rotWithShape="0">
                     <a:srgbClr val="000000"/>
                   </a:outerShdw>
                 </a:effectLst>
               </a:rPr>
-              <a:t>Topics in recent news detected. </a:t>
+              <a:t>Topics in recent news detected.                            </a:t>
             </a:r>
+            <a:endParaRPr sz="4400"/>
+          </a:p>
+          <a:p>
+            <a:pPr marL="2207604" lvl="0" indent="-2207604">
+              <a:buClr>
+                <a:srgbClr val="EBEBEB"/>
+              </a:buClr>
+              <a:defRPr sz="1800">
+                <a:solidFill>
+                  <a:srgbClr val="000000"/>
+                </a:solidFill>
+                <a:effectLst/>
+              </a:defRPr>
+            </a:pPr>
             <a:r>
               <a:rPr sz="4400">
                 <a:solidFill>
                   <a:srgbClr val="EBEBEB"/>
                 </a:solidFill>
                 <a:effectLst>
-                  <a:outerShdw sx="100000" sy="100000" kx="0" ky="0" algn="b" rotWithShape="0" blurRad="50800" dist="25400" dir="5400000">
+                  <a:outerShdw blurRad="50800" dist="25400" dir="5400000" rotWithShape="0">
                     <a:srgbClr val="000000"/>
                   </a:outerShdw>
                 </a:effectLst>
               </a:rPr>
-              <a:t>                           </a:t>
-            </a:r>
-            <a:endParaRPr sz="4400"/>
-          </a:p>
-          <a:p>
-            <a:pPr lvl="0" marL="2207604" indent="-2207604">
-              <a:buClr>
-                <a:srgbClr val="EBEBEB"/>
-              </a:buClr>
-              <a:defRPr sz="1800">
-                <a:solidFill>
-                  <a:srgbClr val="000000"/>
-                </a:solidFill>
-                <a:effectLst/>
-              </a:defRPr>
-            </a:pPr>
-            <a:r>
-              <a:rPr sz="4400">
-                <a:solidFill>
-                  <a:srgbClr val="EBEBEB"/>
-                </a:solidFill>
-                <a:effectLst>
-                  <a:outerShdw sx="100000" sy="100000" kx="0" ky="0" algn="b" rotWithShape="0" blurRad="50800" dist="25400" dir="5400000">
-                    <a:srgbClr val="000000"/>
-                  </a:outerShdw>
-                </a:effectLst>
-              </a:rPr>
-              <a:t>Identify representative comment that captures</a:t>
-            </a:r>
-            <a:r>
-              <a:rPr sz="4400">
-                <a:solidFill>
-                  <a:srgbClr val="EBEBEB"/>
-                </a:solidFill>
-                <a:effectLst>
-                  <a:outerShdw sx="100000" sy="100000" kx="0" ky="0" algn="b" rotWithShape="0" blurRad="50800" dist="25400" dir="5400000">
-                    <a:srgbClr val="000000"/>
-                  </a:outerShdw>
-                </a:effectLst>
-              </a:rPr>
-              <a:t> each</a:t>
-            </a:r>
-            <a:r>
-              <a:rPr sz="4400">
-                <a:solidFill>
-                  <a:srgbClr val="EBEBEB"/>
-                </a:solidFill>
-                <a:effectLst>
-                  <a:outerShdw sx="100000" sy="100000" kx="0" ky="0" algn="b" rotWithShape="0" blurRad="50800" dist="25400" dir="5400000">
-                    <a:srgbClr val="000000"/>
-                  </a:outerShdw>
-                </a:effectLst>
-              </a:rPr>
-              <a:t> topic’s idea.</a:t>
+              <a:t>Identify representative comment that captures each topic’s idea.</a:t>
             </a:r>
           </a:p>
         </p:txBody>
@@ -4563,12 +4379,19 @@
   <p:clrMapOvr>
     <a:masterClrMapping/>
   </p:clrMapOvr>
-  <p:transition spd="med" advClick="1"/>
+  <p:transition xmlns:p14="http://schemas.microsoft.com/office/powerpoint/2010/main" spd="med"/>
+  <p:timing>
+    <p:tnLst>
+      <p:par>
+        <p:cTn xmlns:p14="http://schemas.microsoft.com/office/powerpoint/2010/main" id="1" dur="indefinite" restart="never" nodeType="tmRoot"/>
+      </p:par>
+    </p:tnLst>
+  </p:timing>
 </p:sld>
 </file>
 
 <file path=ppt/slides/slide12.xml><?xml version="1.0" encoding="utf-8"?>
-<p:sld xmlns:a="http://schemas.openxmlformats.org/drawingml/2006/main" xmlns:r="http://schemas.openxmlformats.org/officeDocument/2006/relationships" xmlns:p="http://schemas.openxmlformats.org/presentationml/2006/main" showMasterSp="1" showMasterPhAnim="1">
+<p:sld xmlns:a="http://schemas.openxmlformats.org/drawingml/2006/main" xmlns:r="http://schemas.openxmlformats.org/officeDocument/2006/relationships" xmlns:p="http://schemas.openxmlformats.org/presentationml/2006/main">
   <p:cSld>
     <p:spTree>
       <p:nvGrpSpPr>
@@ -4587,7 +4410,9 @@
       <p:sp>
         <p:nvSpPr>
           <p:cNvPr id="97" name="Shape 97"/>
-          <p:cNvSpPr/>
+          <p:cNvSpPr>
+            <a:spLocks noGrp="1"/>
+          </p:cNvSpPr>
           <p:nvPr>
             <p:ph type="title"/>
           </p:nvPr>
@@ -4610,7 +4435,7 @@
           </a:lstStyle>
           <a:p>
             <a:pPr lvl="0">
-              <a:defRPr b="0" sz="1800">
+              <a:defRPr sz="1800" b="0">
                 <a:solidFill>
                   <a:srgbClr val="000000"/>
                 </a:solidFill>
@@ -4618,12 +4443,12 @@
               </a:defRPr>
             </a:pPr>
             <a:r>
-              <a:rPr b="1" sz="5800">
+              <a:rPr sz="5800" b="1">
                 <a:solidFill>
                   <a:srgbClr val="FFFFFF"/>
                 </a:solidFill>
                 <a:effectLst>
-                  <a:outerShdw sx="100000" sy="100000" kx="0" ky="0" algn="b" rotWithShape="0" blurRad="50800" dist="25400" dir="5400000">
+                  <a:outerShdw blurRad="50800" dist="25400" dir="5400000" rotWithShape="0">
                     <a:srgbClr val="000000"/>
                   </a:outerShdw>
                 </a:effectLst>
@@ -4636,7 +4461,9 @@
       <p:sp>
         <p:nvSpPr>
           <p:cNvPr id="98" name="Shape 98"/>
-          <p:cNvSpPr/>
+          <p:cNvSpPr>
+            <a:spLocks noGrp="1"/>
+          </p:cNvSpPr>
           <p:nvPr>
             <p:ph type="body" idx="1"/>
           </p:nvPr>
@@ -4654,7 +4481,7 @@
           <a:bodyPr/>
           <a:lstStyle/>
           <a:p>
-            <a:pPr lvl="0" marL="2207604" indent="-2207604">
+            <a:pPr marL="2207604" lvl="0" indent="-2207604">
               <a:buClr>
                 <a:srgbClr val="EBEBEB"/>
               </a:buClr>
@@ -4671,56 +4498,17 @@
                   <a:srgbClr val="EBEBEB"/>
                 </a:solidFill>
                 <a:effectLst>
-                  <a:outerShdw sx="100000" sy="100000" kx="0" ky="0" algn="b" rotWithShape="0" blurRad="50800" dist="25400" dir="5400000">
+                  <a:outerShdw blurRad="50800" dist="25400" dir="5400000" rotWithShape="0">
                     <a:srgbClr val="000000"/>
                   </a:outerShdw>
                 </a:effectLst>
               </a:rPr>
-              <a:t>Classify comments by candidates. Use features such as distinct topics or other</a:t>
-            </a:r>
-            <a:r>
-              <a:rPr sz="4400">
-                <a:solidFill>
-                  <a:srgbClr val="EBEBEB"/>
-                </a:solidFill>
-                <a:effectLst>
-                  <a:outerShdw sx="100000" sy="100000" kx="0" ky="0" algn="b" rotWithShape="0" blurRad="50800" dist="25400" dir="5400000">
-                    <a:srgbClr val="000000"/>
-                  </a:outerShdw>
-                </a:effectLst>
-              </a:rPr>
-              <a:t> semantic</a:t>
-            </a:r>
-            <a:r>
-              <a:rPr sz="4400">
-                <a:solidFill>
-                  <a:srgbClr val="EBEBEB"/>
-                </a:solidFill>
-                <a:effectLst>
-                  <a:outerShdw sx="100000" sy="100000" kx="0" ky="0" algn="b" rotWithShape="0" blurRad="50800" dist="25400" dir="5400000">
-                    <a:srgbClr val="000000"/>
-                  </a:outerShdw>
-                </a:effectLst>
-              </a:rPr>
-              <a:t> </a:t>
-            </a:r>
-            <a:r>
-              <a:rPr sz="4400">
-                <a:solidFill>
-                  <a:srgbClr val="EBEBEB"/>
-                </a:solidFill>
-                <a:effectLst>
-                  <a:outerShdw sx="100000" sy="100000" kx="0" ky="0" algn="b" rotWithShape="0" blurRad="50800" dist="25400" dir="5400000">
-                    <a:srgbClr val="000000"/>
-                  </a:outerShdw>
-                </a:effectLst>
-              </a:rPr>
-              <a:t>measures</a:t>
+              <a:t>Classify comments by candidates. Use features such as distinct topics or other semantic measures</a:t>
             </a:r>
             <a:endParaRPr sz="4400"/>
           </a:p>
           <a:p>
-            <a:pPr lvl="0" marL="2207604" indent="-2207604">
+            <a:pPr marL="2207604" lvl="0" indent="-2207604">
               <a:buClr>
                 <a:srgbClr val="EBEBEB"/>
               </a:buClr>
@@ -4737,7 +4525,7 @@
                   <a:srgbClr val="EBEBEB"/>
                 </a:solidFill>
                 <a:effectLst>
-                  <a:outerShdw sx="100000" sy="100000" kx="0" ky="0" algn="b" rotWithShape="0" blurRad="50800" dist="25400" dir="5400000">
+                  <a:outerShdw blurRad="50800" dist="25400" dir="5400000" rotWithShape="0">
                     <a:srgbClr val="000000"/>
                   </a:outerShdw>
                 </a:effectLst>
@@ -4752,12 +4540,19 @@
   <p:clrMapOvr>
     <a:masterClrMapping/>
   </p:clrMapOvr>
-  <p:transition spd="med" advClick="1"/>
+  <p:transition xmlns:p14="http://schemas.microsoft.com/office/powerpoint/2010/main" spd="med"/>
+  <p:timing>
+    <p:tnLst>
+      <p:par>
+        <p:cTn xmlns:p14="http://schemas.microsoft.com/office/powerpoint/2010/main" id="1" dur="indefinite" restart="never" nodeType="tmRoot"/>
+      </p:par>
+    </p:tnLst>
+  </p:timing>
 </p:sld>
 </file>
 
 <file path=ppt/slides/slide13.xml><?xml version="1.0" encoding="utf-8"?>
-<p:sld xmlns:a="http://schemas.openxmlformats.org/drawingml/2006/main" xmlns:r="http://schemas.openxmlformats.org/officeDocument/2006/relationships" xmlns:p="http://schemas.openxmlformats.org/presentationml/2006/main" showMasterSp="1" showMasterPhAnim="1">
+<p:sld xmlns:a="http://schemas.openxmlformats.org/drawingml/2006/main" xmlns:r="http://schemas.openxmlformats.org/officeDocument/2006/relationships" xmlns:p="http://schemas.openxmlformats.org/presentationml/2006/main">
   <p:cSld>
     <p:spTree>
       <p:nvGrpSpPr>
@@ -4776,7 +4571,9 @@
       <p:sp>
         <p:nvSpPr>
           <p:cNvPr id="102" name="Shape 102"/>
-          <p:cNvSpPr/>
+          <p:cNvSpPr>
+            <a:spLocks noGrp="1"/>
+          </p:cNvSpPr>
           <p:nvPr>
             <p:ph type="title"/>
           </p:nvPr>
@@ -4799,7 +4596,7 @@
           </a:lstStyle>
           <a:p>
             <a:pPr lvl="0">
-              <a:defRPr b="0" sz="1800">
+              <a:defRPr sz="1800" b="0">
                 <a:solidFill>
                   <a:srgbClr val="000000"/>
                 </a:solidFill>
@@ -4807,12 +4604,12 @@
               </a:defRPr>
             </a:pPr>
             <a:r>
-              <a:rPr b="1" sz="8000">
+              <a:rPr sz="8000" b="1">
                 <a:solidFill>
                   <a:srgbClr val="FFFFFF"/>
                 </a:solidFill>
                 <a:effectLst>
-                  <a:outerShdw sx="100000" sy="100000" kx="0" ky="0" algn="b" rotWithShape="0" blurRad="50800" dist="25400" dir="5400000">
+                  <a:outerShdw blurRad="50800" dist="25400" dir="5400000" rotWithShape="0">
                     <a:srgbClr val="000000"/>
                   </a:outerShdw>
                 </a:effectLst>
@@ -4991,7 +4788,7 @@
                   <a:srgbClr val="FFFFFF"/>
                 </a:solidFill>
                 <a:effectLst>
-                  <a:outerShdw sx="100000" sy="100000" kx="0" ky="0" algn="b" rotWithShape="0" blurRad="50800" dist="25400" dir="5400000">
+                  <a:outerShdw blurRad="50800" dist="25400" dir="5400000" rotWithShape="0">
                     <a:srgbClr val="000000"/>
                   </a:outerShdw>
                 </a:effectLst>
@@ -5036,12 +4833,12 @@
               </a:defRPr>
             </a:pPr>
             <a:r>
-              <a:rPr b="1" sz="5400">
+              <a:rPr sz="5400" b="1">
                 <a:solidFill>
                   <a:srgbClr val="EBEBEB"/>
                 </a:solidFill>
                 <a:effectLst>
-                  <a:outerShdw sx="100000" sy="100000" kx="0" ky="0" algn="b" rotWithShape="0" blurRad="50800" dist="25400" dir="5400000">
+                  <a:outerShdw blurRad="50800" dist="25400" dir="5400000" rotWithShape="0">
                     <a:srgbClr val="000000"/>
                   </a:outerShdw>
                 </a:effectLst>
@@ -5057,7 +4854,7 @@
                 <a:srgbClr val="EBEBEB"/>
               </a:solidFill>
               <a:effectLst>
-                <a:outerShdw sx="100000" sy="100000" kx="0" ky="0" algn="b" rotWithShape="0" blurRad="50800" dist="25400" dir="5400000">
+                <a:outerShdw blurRad="50800" dist="25400" dir="5400000" rotWithShape="0">
                   <a:srgbClr val="000000"/>
                 </a:outerShdw>
               </a:effectLst>
@@ -5079,7 +4876,7 @@
                   <a:srgbClr val="EBEBEB"/>
                 </a:solidFill>
                 <a:effectLst>
-                  <a:outerShdw sx="100000" sy="100000" kx="0" ky="0" algn="b" rotWithShape="0" blurRad="50800" dist="25400" dir="5400000">
+                  <a:outerShdw blurRad="50800" dist="25400" dir="5400000" rotWithShape="0">
                     <a:srgbClr val="000000"/>
                   </a:outerShdw>
                 </a:effectLst>
@@ -5090,20 +4887,6 @@
               </a:rPr>
               <a:t>with</a:t>
             </a:r>
-            <a:endParaRPr sz="3800">
-              <a:solidFill>
-                <a:srgbClr val="EBEBEB"/>
-              </a:solidFill>
-              <a:effectLst>
-                <a:outerShdw sx="100000" sy="100000" kx="0" ky="0" algn="b" rotWithShape="0" blurRad="50800" dist="25400" dir="5400000">
-                  <a:srgbClr val="000000"/>
-                </a:outerShdw>
-              </a:effectLst>
-              <a:latin typeface="+mn-lt"/>
-              <a:ea typeface="+mn-ea"/>
-              <a:cs typeface="+mn-cs"/>
-              <a:sym typeface="Helvetica Neue"/>
-            </a:endParaRPr>
           </a:p>
           <a:p>
             <a:pPr lvl="0">
@@ -5112,12 +4895,12 @@
               </a:defRPr>
             </a:pPr>
             <a:r>
-              <a:rPr b="1" sz="3800">
+              <a:rPr sz="3800" b="1">
                 <a:solidFill>
                   <a:srgbClr val="EBEBEB"/>
                 </a:solidFill>
                 <a:effectLst>
-                  <a:outerShdw sx="100000" sy="100000" kx="0" ky="0" algn="b" rotWithShape="0" blurRad="50800" dist="25400" dir="5400000">
+                  <a:outerShdw blurRad="50800" dist="25400" dir="5400000" rotWithShape="0">
                     <a:srgbClr val="000000"/>
                   </a:outerShdw>
                 </a:effectLst>
@@ -5133,7 +4916,7 @@
                 <a:srgbClr val="EBEBEB"/>
               </a:solidFill>
               <a:effectLst>
-                <a:outerShdw sx="100000" sy="100000" kx="0" ky="0" algn="b" rotWithShape="0" blurRad="50800" dist="25400" dir="5400000">
+                <a:outerShdw blurRad="50800" dist="25400" dir="5400000" rotWithShape="0">
                   <a:srgbClr val="000000"/>
                 </a:outerShdw>
               </a:effectLst>
@@ -5150,12 +4933,12 @@
               </a:defRPr>
             </a:pPr>
             <a:r>
-              <a:rPr b="1" sz="3800" u="sng">
+              <a:rPr sz="3800" b="1" u="sng">
                 <a:solidFill>
                   <a:srgbClr val="EBEBEB"/>
                 </a:solidFill>
                 <a:effectLst>
-                  <a:outerShdw sx="100000" sy="100000" kx="0" ky="0" algn="b" rotWithShape="0" blurRad="50800" dist="25400" dir="5400000">
+                  <a:outerShdw blurRad="50800" dist="25400" dir="5400000" rotWithShape="0">
                     <a:srgbClr val="000000"/>
                   </a:outerShdw>
                 </a:effectLst>
@@ -5174,12 +4957,19 @@
   <p:clrMapOvr>
     <a:masterClrMapping/>
   </p:clrMapOvr>
-  <p:transition spd="med" advClick="1"/>
+  <p:transition xmlns:p14="http://schemas.microsoft.com/office/powerpoint/2010/main" spd="med"/>
+  <p:timing>
+    <p:tnLst>
+      <p:par>
+        <p:cTn xmlns:p14="http://schemas.microsoft.com/office/powerpoint/2010/main" id="1" dur="indefinite" restart="never" nodeType="tmRoot"/>
+      </p:par>
+    </p:tnLst>
+  </p:timing>
 </p:sld>
 </file>
 
 <file path=ppt/slides/slide14.xml><?xml version="1.0" encoding="utf-8"?>
-<p:sld xmlns:a="http://schemas.openxmlformats.org/drawingml/2006/main" xmlns:r="http://schemas.openxmlformats.org/officeDocument/2006/relationships" xmlns:p="http://schemas.openxmlformats.org/presentationml/2006/main" showMasterSp="1" showMasterPhAnim="1">
+<p:sld xmlns:a="http://schemas.openxmlformats.org/drawingml/2006/main" xmlns:r="http://schemas.openxmlformats.org/officeDocument/2006/relationships" xmlns:p="http://schemas.openxmlformats.org/presentationml/2006/main">
   <p:cSld>
     <p:spTree>
       <p:nvGrpSpPr>
@@ -5198,7 +4988,9 @@
       <p:sp>
         <p:nvSpPr>
           <p:cNvPr id="109" name="Shape 109"/>
-          <p:cNvSpPr/>
+          <p:cNvSpPr>
+            <a:spLocks noGrp="1"/>
+          </p:cNvSpPr>
           <p:nvPr>
             <p:ph type="title"/>
           </p:nvPr>
@@ -5218,7 +5010,7 @@
             <a:lvl1pPr defTabSz="479044">
               <a:defRPr sz="4700">
                 <a:effectLst>
-                  <a:outerShdw sx="100000" sy="100000" kx="0" ky="0" algn="b" rotWithShape="0" blurRad="38100" dist="20828" dir="5400000">
+                  <a:outerShdw blurRad="38100" dist="20828" dir="5400000" rotWithShape="0">
                     <a:srgbClr val="000000"/>
                   </a:outerShdw>
                 </a:effectLst>
@@ -5227,7 +5019,7 @@
           </a:lstStyle>
           <a:p>
             <a:pPr lvl="0">
-              <a:defRPr b="0" sz="1800">
+              <a:defRPr sz="1800" b="0">
                 <a:solidFill>
                   <a:srgbClr val="000000"/>
                 </a:solidFill>
@@ -5235,12 +5027,12 @@
               </a:defRPr>
             </a:pPr>
             <a:r>
-              <a:rPr b="1" sz="4700">
+              <a:rPr sz="4700" b="1">
                 <a:solidFill>
                   <a:srgbClr val="FFFFFF"/>
                 </a:solidFill>
                 <a:effectLst>
-                  <a:outerShdw sx="100000" sy="100000" kx="0" ky="0" algn="b" rotWithShape="0" blurRad="38100" dist="20828" dir="5400000">
+                  <a:outerShdw blurRad="38100" dist="20828" dir="5400000" rotWithShape="0">
                     <a:srgbClr val="000000"/>
                   </a:outerShdw>
                 </a:effectLst>
@@ -5290,7 +5082,7 @@
                   <a:srgbClr val="EBEBEB"/>
                 </a:solidFill>
                 <a:effectLst>
-                  <a:outerShdw sx="100000" sy="100000" kx="0" ky="0" algn="b" rotWithShape="0" blurRad="50800" dist="25400" dir="5400000">
+                  <a:outerShdw blurRad="50800" dist="25400" dir="5400000" rotWithShape="0">
                     <a:srgbClr val="000000"/>
                   </a:outerShdw>
                 </a:effectLst>
@@ -5320,7 +5112,7 @@
                   <a:srgbClr val="EBEBEB"/>
                 </a:solidFill>
                 <a:effectLst>
-                  <a:outerShdw sx="100000" sy="100000" kx="0" ky="0" algn="b" rotWithShape="0" blurRad="50800" dist="25400" dir="5400000">
+                  <a:outerShdw blurRad="50800" dist="25400" dir="5400000" rotWithShape="0">
                     <a:srgbClr val="000000"/>
                   </a:outerShdw>
                 </a:effectLst>
@@ -5350,7 +5142,7 @@
                   <a:srgbClr val="EBEBEB"/>
                 </a:solidFill>
                 <a:effectLst>
-                  <a:outerShdw sx="100000" sy="100000" kx="0" ky="0" algn="b" rotWithShape="0" blurRad="50800" dist="25400" dir="5400000">
+                  <a:outerShdw blurRad="50800" dist="25400" dir="5400000" rotWithShape="0">
                     <a:srgbClr val="000000"/>
                   </a:outerShdw>
                 </a:effectLst>
@@ -5446,7 +5238,7 @@
                   <a:srgbClr val="EBEBEB"/>
                 </a:solidFill>
                 <a:effectLst>
-                  <a:outerShdw sx="100000" sy="100000" kx="0" ky="0" algn="b" rotWithShape="0" blurRad="50800" dist="25400" dir="5400000">
+                  <a:outerShdw blurRad="50800" dist="25400" dir="5400000" rotWithShape="0">
                     <a:srgbClr val="000000"/>
                   </a:outerShdw>
                 </a:effectLst>
@@ -5461,12 +5253,19 @@
   <p:clrMapOvr>
     <a:masterClrMapping/>
   </p:clrMapOvr>
-  <p:transition spd="med" advClick="1"/>
+  <p:transition xmlns:p14="http://schemas.microsoft.com/office/powerpoint/2010/main" spd="med"/>
+  <p:timing>
+    <p:tnLst>
+      <p:par>
+        <p:cTn xmlns:p14="http://schemas.microsoft.com/office/powerpoint/2010/main" id="1" dur="indefinite" restart="never" nodeType="tmRoot"/>
+      </p:par>
+    </p:tnLst>
+  </p:timing>
 </p:sld>
 </file>
 
 <file path=ppt/slides/slide15.xml><?xml version="1.0" encoding="utf-8"?>
-<p:sld xmlns:a="http://schemas.openxmlformats.org/drawingml/2006/main" xmlns:r="http://schemas.openxmlformats.org/officeDocument/2006/relationships" xmlns:p="http://schemas.openxmlformats.org/presentationml/2006/main" showMasterSp="1" showMasterPhAnim="1">
+<p:sld xmlns:a="http://schemas.openxmlformats.org/drawingml/2006/main" xmlns:r="http://schemas.openxmlformats.org/officeDocument/2006/relationships" xmlns:p="http://schemas.openxmlformats.org/presentationml/2006/main">
   <p:cSld>
     <p:spTree>
       <p:nvGrpSpPr>
@@ -5485,7 +5284,9 @@
       <p:sp>
         <p:nvSpPr>
           <p:cNvPr id="114" name="Shape 114"/>
-          <p:cNvSpPr/>
+          <p:cNvSpPr>
+            <a:spLocks noGrp="1"/>
+          </p:cNvSpPr>
           <p:nvPr>
             <p:ph type="title"/>
           </p:nvPr>
@@ -5505,7 +5306,7 @@
             <a:lvl1pPr defTabSz="479044">
               <a:defRPr sz="4700">
                 <a:effectLst>
-                  <a:outerShdw sx="100000" sy="100000" kx="0" ky="0" algn="b" rotWithShape="0" blurRad="38100" dist="20828" dir="5400000">
+                  <a:outerShdw blurRad="38100" dist="20828" dir="5400000" rotWithShape="0">
                     <a:srgbClr val="000000"/>
                   </a:outerShdw>
                 </a:effectLst>
@@ -5514,7 +5315,7 @@
           </a:lstStyle>
           <a:p>
             <a:pPr lvl="0">
-              <a:defRPr b="0" sz="1800">
+              <a:defRPr sz="1800" b="0">
                 <a:solidFill>
                   <a:srgbClr val="000000"/>
                 </a:solidFill>
@@ -5522,131 +5323,17 @@
               </a:defRPr>
             </a:pPr>
             <a:r>
-              <a:rPr b="1" sz="4700">
+              <a:rPr sz="4700" b="1">
                 <a:solidFill>
                   <a:srgbClr val="FFFFFF"/>
                 </a:solidFill>
                 <a:effectLst>
-                  <a:outerShdw sx="100000" sy="100000" kx="0" ky="0" algn="b" rotWithShape="0" blurRad="38100" dist="20828" dir="5400000">
+                  <a:outerShdw blurRad="38100" dist="20828" dir="5400000" rotWithShape="0">
                     <a:srgbClr val="000000"/>
                   </a:outerShdw>
                 </a:effectLst>
               </a:rPr>
               <a:t>Appendices</a:t>
-            </a:r>
-          </a:p>
-        </p:txBody>
-      </p:sp>
-      <p:sp>
-        <p:nvSpPr>
-          <p:cNvPr id="115" name="Shape 115"/>
-          <p:cNvSpPr/>
-          <p:nvPr/>
-        </p:nvSpPr>
-        <p:spPr>
-          <a:xfrm>
-            <a:off x="150700" y="4135736"/>
-            <a:ext cx="13226633" cy="1386686"/>
-          </a:xfrm>
-          <a:prstGeom prst="rect">
-            <a:avLst/>
-          </a:prstGeom>
-          <a:ln w="12700">
-            <a:miter lim="400000"/>
-          </a:ln>
-          <a:extLst>
-            <a:ext uri="{C572A759-6A51-4108-AA02-DFA0A04FC94B}">
-              <ma14:wrappingTextBoxFlag xmlns:ma14="http://schemas.microsoft.com/office/mac/drawingml/2011/main" val="1"/>
-            </a:ext>
-          </a:extLst>
-        </p:spPr>
-        <p:txBody>
-          <a:bodyPr lIns="50800" tIns="50800" rIns="50800" bIns="50800" anchor="ctr">
-            <a:spAutoFit/>
-          </a:bodyPr>
-          <a:lstStyle/>
-          <a:p>
-            <a:pPr lvl="0" algn="l">
-              <a:defRPr sz="1800">
-                <a:effectLst/>
-              </a:defRPr>
-            </a:pPr>
-            <a:r>
-              <a:rPr sz="2800">
-                <a:solidFill>
-                  <a:srgbClr val="EBEBEB"/>
-                </a:solidFill>
-                <a:effectLst>
-                  <a:outerShdw sx="100000" sy="100000" kx="0" ky="0" algn="b" rotWithShape="0" blurRad="50800" dist="25400" dir="5400000">
-                    <a:srgbClr val="000000"/>
-                  </a:outerShdw>
-                </a:effectLst>
-                <a:latin typeface="Helvetica Neue Medium"/>
-                <a:ea typeface="Helvetica Neue Medium"/>
-                <a:cs typeface="Helvetica Neue Medium"/>
-                <a:sym typeface="Helvetica Neue Medium"/>
-              </a:rPr>
-              <a:t>Dimensionality reduction</a:t>
-            </a:r>
-            <a:endParaRPr>
-              <a:latin typeface="Helvetica Neue Medium"/>
-              <a:ea typeface="Helvetica Neue Medium"/>
-              <a:cs typeface="Helvetica Neue Medium"/>
-              <a:sym typeface="Helvetica Neue Medium"/>
-            </a:endParaRPr>
-          </a:p>
-          <a:p>
-            <a:pPr lvl="0" algn="l">
-              <a:defRPr sz="1800">
-                <a:effectLst/>
-              </a:defRPr>
-            </a:pPr>
-            <a:r>
-              <a:rPr sz="2800">
-                <a:solidFill>
-                  <a:srgbClr val="EBEBEB"/>
-                </a:solidFill>
-                <a:effectLst>
-                  <a:outerShdw sx="100000" sy="100000" kx="0" ky="0" algn="b" rotWithShape="0" blurRad="50800" dist="25400" dir="5400000">
-                    <a:srgbClr val="000000"/>
-                  </a:outerShdw>
-                </a:effectLst>
-                <a:latin typeface="Helvetica Neue Medium"/>
-                <a:ea typeface="Helvetica Neue Medium"/>
-                <a:cs typeface="Helvetica Neue Medium"/>
-                <a:sym typeface="Helvetica Neue Medium"/>
-              </a:rPr>
-              <a:t>Latentproperties</a:t>
-            </a:r>
-            <a:endParaRPr>
-              <a:latin typeface="Helvetica Neue Medium"/>
-              <a:ea typeface="Helvetica Neue Medium"/>
-              <a:cs typeface="Helvetica Neue Medium"/>
-              <a:sym typeface="Helvetica Neue Medium"/>
-            </a:endParaRPr>
-          </a:p>
-          <a:p>
-            <a:pPr lvl="0" algn="l">
-              <a:defRPr sz="1800">
-                <a:effectLst/>
-              </a:defRPr>
-            </a:pPr>
-            <a:r>
-              <a:rPr sz="2800">
-                <a:solidFill>
-                  <a:srgbClr val="EBEBEB"/>
-                </a:solidFill>
-                <a:effectLst>
-                  <a:outerShdw sx="100000" sy="100000" kx="0" ky="0" algn="b" rotWithShape="0" blurRad="50800" dist="25400" dir="5400000">
-                    <a:srgbClr val="000000"/>
-                  </a:outerShdw>
-                </a:effectLst>
-                <a:latin typeface="Helvetica Neue Medium"/>
-                <a:ea typeface="Helvetica Neue Medium"/>
-                <a:cs typeface="Helvetica Neue Medium"/>
-                <a:sym typeface="Helvetica Neue Medium"/>
-              </a:rPr>
-              <a:t>Linear combination of features</a:t>
             </a:r>
           </a:p>
         </p:txBody>
@@ -5706,7 +5393,7 @@
                   <a:srgbClr val="EBEBEB"/>
                 </a:solidFill>
                 <a:effectLst>
-                  <a:outerShdw sx="100000" sy="100000" kx="0" ky="0" algn="b" rotWithShape="0" blurRad="50800" dist="25400" dir="5400000">
+                  <a:outerShdw blurRad="50800" dist="25400" dir="5400000" rotWithShape="0">
                     <a:srgbClr val="000000"/>
                   </a:outerShdw>
                 </a:effectLst>
@@ -5721,12 +5408,19 @@
   <p:clrMapOvr>
     <a:masterClrMapping/>
   </p:clrMapOvr>
-  <p:transition spd="med" advClick="1"/>
+  <p:transition xmlns:p14="http://schemas.microsoft.com/office/powerpoint/2010/main" spd="med"/>
+  <p:timing>
+    <p:tnLst>
+      <p:par>
+        <p:cTn xmlns:p14="http://schemas.microsoft.com/office/powerpoint/2010/main" id="1" dur="indefinite" restart="never" nodeType="tmRoot"/>
+      </p:par>
+    </p:tnLst>
+  </p:timing>
 </p:sld>
 </file>
 
 <file path=ppt/slides/slide16.xml><?xml version="1.0" encoding="utf-8"?>
-<p:sld xmlns:a="http://schemas.openxmlformats.org/drawingml/2006/main" xmlns:r="http://schemas.openxmlformats.org/officeDocument/2006/relationships" xmlns:p="http://schemas.openxmlformats.org/presentationml/2006/main" showMasterSp="1" showMasterPhAnim="1">
+<p:sld xmlns:a="http://schemas.openxmlformats.org/drawingml/2006/main" xmlns:r="http://schemas.openxmlformats.org/officeDocument/2006/relationships" xmlns:p="http://schemas.openxmlformats.org/presentationml/2006/main">
   <p:cSld>
     <p:spTree>
       <p:nvGrpSpPr>
@@ -5745,7 +5439,9 @@
       <p:sp>
         <p:nvSpPr>
           <p:cNvPr id="118" name="Shape 118"/>
-          <p:cNvSpPr/>
+          <p:cNvSpPr>
+            <a:spLocks noGrp="1"/>
+          </p:cNvSpPr>
           <p:nvPr>
             <p:ph type="title"/>
           </p:nvPr>
@@ -5765,7 +5461,7 @@
             <a:lvl1pPr defTabSz="508254">
               <a:defRPr sz="5000">
                 <a:effectLst>
-                  <a:outerShdw sx="100000" sy="100000" kx="0" ky="0" algn="b" rotWithShape="0" blurRad="38100" dist="22098" dir="5400000">
+                  <a:outerShdw blurRad="38100" dist="22098" dir="5400000" rotWithShape="0">
                     <a:srgbClr val="000000"/>
                   </a:outerShdw>
                 </a:effectLst>
@@ -5774,7 +5470,7 @@
           </a:lstStyle>
           <a:p>
             <a:pPr lvl="0">
-              <a:defRPr b="0" sz="1800">
+              <a:defRPr sz="1800" b="0">
                 <a:solidFill>
                   <a:srgbClr val="000000"/>
                 </a:solidFill>
@@ -5782,12 +5478,12 @@
               </a:defRPr>
             </a:pPr>
             <a:r>
-              <a:rPr b="1" sz="5000">
+              <a:rPr sz="5000" b="1">
                 <a:solidFill>
                   <a:srgbClr val="FFFFFF"/>
                 </a:solidFill>
                 <a:effectLst>
-                  <a:outerShdw sx="100000" sy="100000" kx="0" ky="0" algn="b" rotWithShape="0" blurRad="38100" dist="22098" dir="5400000">
+                  <a:outerShdw blurRad="38100" dist="22098" dir="5400000" rotWithShape="0">
                     <a:srgbClr val="000000"/>
                   </a:outerShdw>
                 </a:effectLst>
@@ -5800,7 +5496,9 @@
       <p:sp>
         <p:nvSpPr>
           <p:cNvPr id="119" name="Shape 119"/>
-          <p:cNvSpPr/>
+          <p:cNvSpPr>
+            <a:spLocks noGrp="1"/>
+          </p:cNvSpPr>
           <p:nvPr>
             <p:ph type="body" idx="1"/>
           </p:nvPr>
@@ -5847,7 +5545,7 @@
                   <a:srgbClr val="EBEBEB"/>
                 </a:solidFill>
                 <a:effectLst>
-                  <a:outerShdw sx="100000" sy="100000" kx="0" ky="0" algn="b" rotWithShape="0" blurRad="50800" dist="25400" dir="5400000">
+                  <a:outerShdw blurRad="50800" dist="25400" dir="5400000" rotWithShape="0">
                     <a:srgbClr val="000000"/>
                   </a:outerShdw>
                 </a:effectLst>
@@ -5885,7 +5583,7 @@
                   <a:srgbClr val="EBEBEB"/>
                 </a:solidFill>
                 <a:effectLst>
-                  <a:outerShdw sx="100000" sy="100000" kx="0" ky="0" algn="b" rotWithShape="0" blurRad="50800" dist="25400" dir="5400000">
+                  <a:outerShdw blurRad="50800" dist="25400" dir="5400000" rotWithShape="0">
                     <a:srgbClr val="000000"/>
                   </a:outerShdw>
                 </a:effectLst>
@@ -5908,7 +5606,7 @@
                   <a:srgbClr val="EBEBEB"/>
                 </a:solidFill>
                 <a:effectLst>
-                  <a:outerShdw sx="100000" sy="100000" kx="0" ky="0" algn="b" rotWithShape="0" blurRad="50800" dist="25400" dir="5400000">
+                  <a:outerShdw blurRad="50800" dist="25400" dir="5400000" rotWithShape="0">
                     <a:srgbClr val="000000"/>
                   </a:outerShdw>
                 </a:effectLst>
@@ -5946,7 +5644,7 @@
                   <a:srgbClr val="EBEBEB"/>
                 </a:solidFill>
                 <a:effectLst>
-                  <a:outerShdw sx="100000" sy="100000" kx="0" ky="0" algn="b" rotWithShape="0" blurRad="50800" dist="25400" dir="5400000">
+                  <a:outerShdw blurRad="50800" dist="25400" dir="5400000" rotWithShape="0">
                     <a:srgbClr val="000000"/>
                   </a:outerShdw>
                 </a:effectLst>
@@ -5984,7 +5682,7 @@
                   <a:srgbClr val="EBEBEB"/>
                 </a:solidFill>
                 <a:effectLst>
-                  <a:outerShdw sx="100000" sy="100000" kx="0" ky="0" algn="b" rotWithShape="0" blurRad="50800" dist="25400" dir="5400000">
+                  <a:outerShdw blurRad="50800" dist="25400" dir="5400000" rotWithShape="0">
                     <a:srgbClr val="000000"/>
                   </a:outerShdw>
                 </a:effectLst>
@@ -6007,7 +5705,7 @@
                   <a:srgbClr val="EBEBEB"/>
                 </a:solidFill>
                 <a:effectLst>
-                  <a:outerShdw sx="100000" sy="100000" kx="0" ky="0" algn="b" rotWithShape="0" blurRad="50800" dist="25400" dir="5400000">
+                  <a:outerShdw blurRad="50800" dist="25400" dir="5400000" rotWithShape="0">
                     <a:srgbClr val="000000"/>
                   </a:outerShdw>
                 </a:effectLst>
@@ -6022,12 +5720,12 @@
   <p:clrMapOvr>
     <a:masterClrMapping/>
   </p:clrMapOvr>
-  <p:transition spd="med" advClick="1"/>
+  <p:transition xmlns:p14="http://schemas.microsoft.com/office/powerpoint/2010/main" spd="med"/>
 </p:sld>
 </file>
 
 <file path=ppt/slides/slide2.xml><?xml version="1.0" encoding="utf-8"?>
-<p:sld xmlns:a="http://schemas.openxmlformats.org/drawingml/2006/main" xmlns:r="http://schemas.openxmlformats.org/officeDocument/2006/relationships" xmlns:p="http://schemas.openxmlformats.org/presentationml/2006/main" showMasterSp="1" showMasterPhAnim="1">
+<p:sld xmlns:a="http://schemas.openxmlformats.org/drawingml/2006/main" xmlns:r="http://schemas.openxmlformats.org/officeDocument/2006/relationships" xmlns:p="http://schemas.openxmlformats.org/presentationml/2006/main">
   <p:cSld>
     <p:spTree>
       <p:nvGrpSpPr>
@@ -6046,7 +5744,9 @@
       <p:sp>
         <p:nvSpPr>
           <p:cNvPr id="34" name="Shape 34"/>
-          <p:cNvSpPr/>
+          <p:cNvSpPr>
+            <a:spLocks noGrp="1"/>
+          </p:cNvSpPr>
           <p:nvPr>
             <p:ph type="title"/>
           </p:nvPr>
@@ -6065,13 +5765,16 @@
           <a:lstStyle/>
           <a:p>
             <a:pPr lvl="0"/>
+            <a:endParaRPr/>
           </a:p>
         </p:txBody>
       </p:sp>
       <p:sp>
         <p:nvSpPr>
           <p:cNvPr id="35" name="Shape 35"/>
-          <p:cNvSpPr/>
+          <p:cNvSpPr>
+            <a:spLocks noGrp="1"/>
+          </p:cNvSpPr>
           <p:nvPr>
             <p:ph type="body" idx="1"/>
           </p:nvPr>
@@ -6090,6 +5793,7 @@
           <a:lstStyle/>
           <a:p>
             <a:pPr lvl="0"/>
+            <a:endParaRPr/>
           </a:p>
         </p:txBody>
       </p:sp>
@@ -6119,7 +5823,7 @@
             <a:miter lim="400000"/>
           </a:ln>
           <a:effectLst>
-            <a:reflection blurRad="0" stA="50000" stPos="0" endA="0" endPos="40000" dist="0" dir="5400000" fadeDir="5400000" sx="100000" sy="-100000" kx="0" ky="0" algn="bl" rotWithShape="0"/>
+            <a:reflection stA="50000" endPos="40000" dir="5400000" sy="-100000" algn="bl" rotWithShape="0"/>
           </a:effectLst>
         </p:spPr>
       </p:pic>
@@ -6128,12 +5832,19 @@
   <p:clrMapOvr>
     <a:masterClrMapping/>
   </p:clrMapOvr>
-  <p:transition spd="med" advClick="1"/>
+  <p:transition xmlns:p14="http://schemas.microsoft.com/office/powerpoint/2010/main" spd="med"/>
+  <p:timing>
+    <p:tnLst>
+      <p:par>
+        <p:cTn xmlns:p14="http://schemas.microsoft.com/office/powerpoint/2010/main" id="1" dur="indefinite" restart="never" nodeType="tmRoot"/>
+      </p:par>
+    </p:tnLst>
+  </p:timing>
 </p:sld>
 </file>
 
 <file path=ppt/slides/slide3.xml><?xml version="1.0" encoding="utf-8"?>
-<p:sld xmlns:a="http://schemas.openxmlformats.org/drawingml/2006/main" xmlns:r="http://schemas.openxmlformats.org/officeDocument/2006/relationships" xmlns:p="http://schemas.openxmlformats.org/presentationml/2006/main" showMasterSp="1" showMasterPhAnim="1">
+<p:sld xmlns:a="http://schemas.openxmlformats.org/drawingml/2006/main" xmlns:r="http://schemas.openxmlformats.org/officeDocument/2006/relationships" xmlns:p="http://schemas.openxmlformats.org/presentationml/2006/main">
   <p:cSld>
     <p:spTree>
       <p:nvGrpSpPr>
@@ -6152,7 +5863,9 @@
       <p:sp>
         <p:nvSpPr>
           <p:cNvPr id="38" name="Shape 38"/>
-          <p:cNvSpPr/>
+          <p:cNvSpPr>
+            <a:spLocks noGrp="1"/>
+          </p:cNvSpPr>
           <p:nvPr>
             <p:ph type="title"/>
           </p:nvPr>
@@ -6175,7 +5888,7 @@
           </a:lstStyle>
           <a:p>
             <a:pPr lvl="0">
-              <a:defRPr b="0" sz="1800">
+              <a:defRPr sz="1800" b="0">
                 <a:solidFill>
                   <a:srgbClr val="000000"/>
                 </a:solidFill>
@@ -6183,12 +5896,12 @@
               </a:defRPr>
             </a:pPr>
             <a:r>
-              <a:rPr b="1" sz="5800">
+              <a:rPr sz="5800" b="1">
                 <a:solidFill>
                   <a:srgbClr val="FFFFFF"/>
                 </a:solidFill>
                 <a:effectLst>
-                  <a:outerShdw sx="100000" sy="100000" kx="0" ky="0" algn="b" rotWithShape="0" blurRad="50800" dist="25400" dir="5400000">
+                  <a:outerShdw blurRad="50800" dist="25400" dir="5400000" rotWithShape="0">
                     <a:srgbClr val="000000"/>
                   </a:outerShdw>
                 </a:effectLst>
@@ -6201,7 +5914,9 @@
       <p:sp>
         <p:nvSpPr>
           <p:cNvPr id="39" name="Shape 39"/>
-          <p:cNvSpPr/>
+          <p:cNvSpPr>
+            <a:spLocks noGrp="1"/>
+          </p:cNvSpPr>
           <p:nvPr>
             <p:ph type="body" idx="1"/>
           </p:nvPr>
@@ -6219,7 +5934,7 @@
           <a:bodyPr/>
           <a:lstStyle/>
           <a:p>
-            <a:pPr lvl="0" marL="2738877" indent="-2738877">
+            <a:pPr marL="2738877" lvl="0" indent="-2738877">
               <a:buClr>
                 <a:srgbClr val="EBEBEB"/>
               </a:buClr>
@@ -6236,7 +5951,7 @@
                   <a:srgbClr val="EBEBEB"/>
                 </a:solidFill>
                 <a:effectLst>
-                  <a:outerShdw sx="100000" sy="100000" kx="0" ky="0" algn="b" rotWithShape="0" blurRad="50800" dist="25400" dir="5400000">
+                  <a:outerShdw blurRad="50800" dist="25400" dir="5400000" rotWithShape="0">
                     <a:srgbClr val="000000"/>
                   </a:outerShdw>
                 </a:effectLst>
@@ -6245,7 +5960,7 @@
             </a:r>
           </a:p>
           <a:p>
-            <a:pPr lvl="0" marL="2738877" indent="-2738877">
+            <a:pPr marL="2738877" lvl="0" indent="-2738877">
               <a:buClr>
                 <a:srgbClr val="EBEBEB"/>
               </a:buClr>
@@ -6262,7 +5977,7 @@
                   <a:srgbClr val="EBEBEB"/>
                 </a:solidFill>
                 <a:effectLst>
-                  <a:outerShdw sx="100000" sy="100000" kx="0" ky="0" algn="b" rotWithShape="0" blurRad="50800" dist="25400" dir="5400000">
+                  <a:outerShdw blurRad="50800" dist="25400" dir="5400000" rotWithShape="0">
                     <a:srgbClr val="000000"/>
                   </a:outerShdw>
                 </a:effectLst>
@@ -6297,7 +6012,7 @@
         </p:spPr>
         <p:txBody>
           <a:bodyPr lIns="0" tIns="0" rIns="0" bIns="0" anchor="ctr">
-            <a:normAutofit fontScale="100000" lnSpcReduction="0"/>
+            <a:normAutofit/>
           </a:bodyPr>
           <a:lstStyle/>
           <a:p>
@@ -6307,12 +6022,12 @@
               </a:defRPr>
             </a:pPr>
             <a:r>
-              <a:rPr b="1" sz="5800">
+              <a:rPr sz="5800" b="1">
                 <a:solidFill>
                   <a:srgbClr val="FFFFFF"/>
                 </a:solidFill>
                 <a:effectLst>
-                  <a:outerShdw sx="100000" sy="100000" kx="0" ky="0" algn="b" rotWithShape="0" blurRad="50800" dist="25400" dir="5400000">
+                  <a:outerShdw blurRad="50800" dist="25400" dir="5400000" rotWithShape="0">
                     <a:srgbClr val="000000"/>
                   </a:outerShdw>
                 </a:effectLst>
@@ -6331,7 +6046,7 @@
             </a:endParaRPr>
           </a:p>
           <a:p>
-            <a:pPr lvl="0" marL="2738877" indent="-2738877" algn="l">
+            <a:pPr marL="2738877" lvl="0" indent="-2738877" algn="l">
               <a:spcBef>
                 <a:spcPts val="4200"/>
               </a:spcBef>
@@ -6351,7 +6066,7 @@
                   <a:srgbClr val="EBEBEB"/>
                 </a:solidFill>
                 <a:effectLst>
-                  <a:outerShdw sx="100000" sy="100000" kx="0" ky="0" algn="b" rotWithShape="0" blurRad="50800" dist="25400" dir="5400000">
+                  <a:outerShdw blurRad="50800" dist="25400" dir="5400000" rotWithShape="0">
                     <a:srgbClr val="000000"/>
                   </a:outerShdw>
                 </a:effectLst>
@@ -6360,109 +6075,7 @@
                 <a:cs typeface="Helvetica Neue Medium"/>
                 <a:sym typeface="Helvetica Neue Medium"/>
               </a:rPr>
-              <a:t>Build visualization that captures sentiments and content </a:t>
-            </a:r>
-            <a:r>
-              <a:rPr sz="3400">
-                <a:solidFill>
-                  <a:srgbClr val="EBEBEB"/>
-                </a:solidFill>
-                <a:effectLst>
-                  <a:outerShdw sx="100000" sy="100000" kx="0" ky="0" algn="b" rotWithShape="0" blurRad="50800" dist="25400" dir="5400000">
-                    <a:srgbClr val="000000"/>
-                  </a:outerShdw>
-                </a:effectLst>
-                <a:latin typeface="Helvetica Neue Medium"/>
-                <a:ea typeface="Helvetica Neue Medium"/>
-                <a:cs typeface="Helvetica Neue Medium"/>
-                <a:sym typeface="Helvetica Neue Medium"/>
-              </a:rPr>
-              <a:t>in the discussions</a:t>
-            </a:r>
-            <a:r>
-              <a:rPr sz="3400">
-                <a:solidFill>
-                  <a:srgbClr val="EBEBEB"/>
-                </a:solidFill>
-                <a:effectLst>
-                  <a:outerShdw sx="100000" sy="100000" kx="0" ky="0" algn="b" rotWithShape="0" blurRad="50800" dist="25400" dir="5400000">
-                    <a:srgbClr val="000000"/>
-                  </a:outerShdw>
-                </a:effectLst>
-                <a:latin typeface="Helvetica Neue Medium"/>
-                <a:ea typeface="Helvetica Neue Medium"/>
-                <a:cs typeface="Helvetica Neue Medium"/>
-                <a:sym typeface="Helvetica Neue Medium"/>
-              </a:rPr>
-              <a:t> </a:t>
-            </a:r>
-            <a:r>
-              <a:rPr sz="3400">
-                <a:solidFill>
-                  <a:srgbClr val="EBEBEB"/>
-                </a:solidFill>
-                <a:effectLst>
-                  <a:outerShdw sx="100000" sy="100000" kx="0" ky="0" algn="b" rotWithShape="0" blurRad="50800" dist="25400" dir="5400000">
-                    <a:srgbClr val="000000"/>
-                  </a:outerShdw>
-                </a:effectLst>
-                <a:latin typeface="Helvetica Neue Medium"/>
-                <a:ea typeface="Helvetica Neue Medium"/>
-                <a:cs typeface="Helvetica Neue Medium"/>
-                <a:sym typeface="Helvetica Neue Medium"/>
-              </a:rPr>
-              <a:t>of</a:t>
-            </a:r>
-            <a:r>
-              <a:rPr sz="3400">
-                <a:solidFill>
-                  <a:srgbClr val="EBEBEB"/>
-                </a:solidFill>
-                <a:effectLst>
-                  <a:outerShdw sx="100000" sy="100000" kx="0" ky="0" algn="b" rotWithShape="0" blurRad="50800" dist="25400" dir="5400000">
-                    <a:srgbClr val="000000"/>
-                  </a:outerShdw>
-                </a:effectLst>
-                <a:latin typeface="Helvetica Neue Medium"/>
-                <a:ea typeface="Helvetica Neue Medium"/>
-                <a:cs typeface="Helvetica Neue Medium"/>
-                <a:sym typeface="Helvetica Neue Medium"/>
-              </a:rPr>
-              <a:t> </a:t>
-            </a:r>
-            <a:r>
-              <a:rPr sz="3400">
-                <a:solidFill>
-                  <a:srgbClr val="EBEBEB"/>
-                </a:solidFill>
-                <a:effectLst>
-                  <a:outerShdw sx="100000" sy="100000" kx="0" ky="0" algn="b" rotWithShape="0" blurRad="50800" dist="25400" dir="5400000">
-                    <a:srgbClr val="000000"/>
-                  </a:outerShdw>
-                </a:effectLst>
-                <a:latin typeface="Helvetica Neue Medium"/>
-                <a:ea typeface="Helvetica Neue Medium"/>
-                <a:cs typeface="Helvetica Neue Medium"/>
-                <a:sym typeface="Helvetica Neue Medium"/>
-              </a:rPr>
-              <a:t>the </a:t>
-            </a:r>
-            <a:r>
-              <a:rPr sz="3400">
-                <a:solidFill>
-                  <a:srgbClr val="EBEBEB"/>
-                </a:solidFill>
-                <a:effectLst>
-                  <a:outerShdw sx="100000" sy="100000" kx="0" ky="0" algn="b" rotWithShape="0" blurRad="50800" dist="25400" dir="5400000">
-                    <a:srgbClr val="000000"/>
-                  </a:outerShdw>
-                </a:effectLst>
-                <a:latin typeface="Helvetica Neue Medium"/>
-                <a:ea typeface="Helvetica Neue Medium"/>
-                <a:cs typeface="Helvetica Neue Medium"/>
-                <a:sym typeface="Helvetica Neue Medium"/>
-              </a:rPr>
-              <a:t>candidates</a:t>
+              <a:t>Build visualization that captures sentiments and content in the discussions of the candidates</a:t>
             </a:r>
           </a:p>
         </p:txBody>
@@ -6472,14 +6085,14 @@
   <p:clrMapOvr>
     <a:masterClrMapping/>
   </p:clrMapOvr>
-  <p:transition spd="med" advClick="1"/>
+  <p:transition xmlns:p14="http://schemas.microsoft.com/office/powerpoint/2010/main" spd="med"/>
   <p:timing>
     <p:tnLst>
       <p:par>
-        <p:cTn id="1" nodeType="tmRoot" restart="never" dur="indefinite" fill="hold">
+        <p:cTn xmlns:p14="http://schemas.microsoft.com/office/powerpoint/2010/main" id="1" dur="indefinite" restart="never" fill="hold" nodeType="tmRoot">
           <p:childTnLst>
             <p:seq concurrent="1" prevAc="none" nextAc="seek">
-              <p:cTn id="2" nodeType="mainSeq" dur="indefinite" fill="hold">
+              <p:cTn id="2" dur="indefinite" fill="hold" nodeType="mainSeq">
                 <p:childTnLst>
                   <p:par>
                     <p:cTn id="3" fill="hold">
@@ -6494,11 +6107,11 @@
                             </p:stCondLst>
                             <p:childTnLst>
                               <p:par>
-                                <p:cTn id="5" nodeType="clickEffect" presetClass="entr" presetSubtype="0" presetID="1" grpId="1" fill="hold">
+                                <p:cTn id="5" presetID="1" presetClass="entr" presetSubtype="0" fill="hold" grpId="1" nodeType="clickEffect">
                                   <p:stCondLst>
                                     <p:cond delay="0"/>
                                   </p:stCondLst>
-                                  <p:iterate type="el" backwards="0">
+                                  <p:iterate>
                                     <p:tmAbs val="0"/>
                                   </p:iterate>
                                   <p:childTnLst>
@@ -6528,14 +6141,14 @@
                 </p:childTnLst>
               </p:cTn>
               <p:prevCondLst>
-                <p:cond evt="onPrev">
+                <p:cond evt="onPrev" delay="0">
                   <p:tgtEl>
                     <p:sldTgt/>
                   </p:tgtEl>
                 </p:cond>
               </p:prevCondLst>
               <p:nextCondLst>
-                <p:cond evt="onNext">
+                <p:cond evt="onNext" delay="0">
                   <p:tgtEl>
                     <p:sldTgt/>
                   </p:tgtEl>
@@ -6547,14 +6160,14 @@
       </p:par>
     </p:tnLst>
     <p:bldLst>
-      <p:bldP build="whole" bldLvl="1" animBg="1" rev="0" advAuto="0" spid="40" grpId="1"/>
+      <p:bldP spid="40" grpId="1" animBg="1" advAuto="0"/>
     </p:bldLst>
   </p:timing>
 </p:sld>
 </file>
 
 <file path=ppt/slides/slide4.xml><?xml version="1.0" encoding="utf-8"?>
-<p:sld xmlns:a="http://schemas.openxmlformats.org/drawingml/2006/main" xmlns:r="http://schemas.openxmlformats.org/officeDocument/2006/relationships" xmlns:p="http://schemas.openxmlformats.org/presentationml/2006/main" showMasterSp="1" showMasterPhAnim="1">
+<p:sld xmlns:a="http://schemas.openxmlformats.org/drawingml/2006/main" xmlns:r="http://schemas.openxmlformats.org/officeDocument/2006/relationships" xmlns:p="http://schemas.openxmlformats.org/presentationml/2006/main">
   <p:cSld>
     <p:spTree>
       <p:nvGrpSpPr>
@@ -6573,7 +6186,9 @@
       <p:sp>
         <p:nvSpPr>
           <p:cNvPr id="42" name="Shape 42"/>
-          <p:cNvSpPr/>
+          <p:cNvSpPr>
+            <a:spLocks noGrp="1"/>
+          </p:cNvSpPr>
           <p:nvPr>
             <p:ph type="title"/>
           </p:nvPr>
@@ -6593,7 +6208,7 @@
             <a:lvl1pPr defTabSz="549148">
               <a:defRPr sz="5400">
                 <a:effectLst>
-                  <a:outerShdw sx="100000" sy="100000" kx="0" ky="0" algn="b" rotWithShape="0" blurRad="50800" dist="23876" dir="5400000">
+                  <a:outerShdw blurRad="50800" dist="23876" dir="5400000" rotWithShape="0">
                     <a:srgbClr val="000000"/>
                   </a:outerShdw>
                 </a:effectLst>
@@ -6602,7 +6217,7 @@
           </a:lstStyle>
           <a:p>
             <a:pPr lvl="0">
-              <a:defRPr b="0" sz="1800">
+              <a:defRPr sz="1800" b="0">
                 <a:solidFill>
                   <a:srgbClr val="000000"/>
                 </a:solidFill>
@@ -6610,12 +6225,12 @@
               </a:defRPr>
             </a:pPr>
             <a:r>
-              <a:rPr b="1" sz="5400">
+              <a:rPr sz="5400" b="1">
                 <a:solidFill>
                   <a:srgbClr val="FFFFFF"/>
                 </a:solidFill>
                 <a:effectLst>
-                  <a:outerShdw sx="100000" sy="100000" kx="0" ky="0" algn="b" rotWithShape="0" blurRad="50800" dist="23876" dir="5400000">
+                  <a:outerShdw blurRad="50800" dist="23876" dir="5400000" rotWithShape="0">
                     <a:srgbClr val="000000"/>
                   </a:outerShdw>
                 </a:effectLst>
@@ -6657,12 +6272,19 @@
   <p:clrMapOvr>
     <a:masterClrMapping/>
   </p:clrMapOvr>
-  <p:transition spd="med" advClick="1"/>
+  <p:transition xmlns:p14="http://schemas.microsoft.com/office/powerpoint/2010/main" spd="med"/>
+  <p:timing>
+    <p:tnLst>
+      <p:par>
+        <p:cTn xmlns:p14="http://schemas.microsoft.com/office/powerpoint/2010/main" id="1" dur="indefinite" restart="never" nodeType="tmRoot"/>
+      </p:par>
+    </p:tnLst>
+  </p:timing>
 </p:sld>
 </file>
 
 <file path=ppt/slides/slide5.xml><?xml version="1.0" encoding="utf-8"?>
-<p:sld xmlns:a="http://schemas.openxmlformats.org/drawingml/2006/main" xmlns:r="http://schemas.openxmlformats.org/officeDocument/2006/relationships" xmlns:p="http://schemas.openxmlformats.org/presentationml/2006/main" showMasterSp="1" showMasterPhAnim="1">
+<p:sld xmlns:a="http://schemas.openxmlformats.org/drawingml/2006/main" xmlns:r="http://schemas.openxmlformats.org/officeDocument/2006/relationships" xmlns:p="http://schemas.openxmlformats.org/presentationml/2006/main">
   <p:cSld>
     <p:spTree>
       <p:nvGrpSpPr>
@@ -6681,7 +6303,9 @@
       <p:sp>
         <p:nvSpPr>
           <p:cNvPr id="45" name="Shape 45"/>
-          <p:cNvSpPr/>
+          <p:cNvSpPr>
+            <a:spLocks noGrp="1"/>
+          </p:cNvSpPr>
           <p:nvPr>
             <p:ph type="title"/>
           </p:nvPr>
@@ -6701,7 +6325,7 @@
             <a:lvl1pPr defTabSz="549148">
               <a:defRPr sz="5400">
                 <a:effectLst>
-                  <a:outerShdw sx="100000" sy="100000" kx="0" ky="0" algn="b" rotWithShape="0" blurRad="50800" dist="23876" dir="5400000">
+                  <a:outerShdw blurRad="50800" dist="23876" dir="5400000" rotWithShape="0">
                     <a:srgbClr val="000000"/>
                   </a:outerShdw>
                 </a:effectLst>
@@ -6710,7 +6334,7 @@
           </a:lstStyle>
           <a:p>
             <a:pPr lvl="0">
-              <a:defRPr b="0" sz="1800">
+              <a:defRPr sz="1800" b="0">
                 <a:solidFill>
                   <a:srgbClr val="000000"/>
                 </a:solidFill>
@@ -6718,12 +6342,12 @@
               </a:defRPr>
             </a:pPr>
             <a:r>
-              <a:rPr b="1" sz="5400">
+              <a:rPr sz="5400" b="1">
                 <a:solidFill>
                   <a:srgbClr val="FFFFFF"/>
                 </a:solidFill>
                 <a:effectLst>
-                  <a:outerShdw sx="100000" sy="100000" kx="0" ky="0" algn="b" rotWithShape="0" blurRad="50800" dist="23876" dir="5400000">
+                  <a:outerShdw blurRad="50800" dist="23876" dir="5400000" rotWithShape="0">
                     <a:srgbClr val="000000"/>
                   </a:outerShdw>
                 </a:effectLst>
@@ -6789,7 +6413,7 @@
           </a:bodyPr>
           <a:lstStyle>
             <a:lvl1pPr>
-              <a:defRPr b="1" sz="4400">
+              <a:defRPr sz="4400" b="1">
                 <a:solidFill>
                   <a:srgbClr val="EBEBEB"/>
                 </a:solidFill>
@@ -6802,7 +6426,7 @@
           </a:lstStyle>
           <a:p>
             <a:pPr lvl="0">
-              <a:defRPr b="0" sz="1800">
+              <a:defRPr sz="1800" b="0">
                 <a:solidFill>
                   <a:srgbClr val="000000"/>
                 </a:solidFill>
@@ -6810,12 +6434,12 @@
               </a:defRPr>
             </a:pPr>
             <a:r>
-              <a:rPr b="1" sz="4400">
+              <a:rPr sz="4400" b="1">
                 <a:solidFill>
                   <a:srgbClr val="EBEBEB"/>
                 </a:solidFill>
                 <a:effectLst>
-                  <a:outerShdw sx="100000" sy="100000" kx="0" ky="0" algn="b" rotWithShape="0" blurRad="50800" dist="25400" dir="5400000">
+                  <a:outerShdw blurRad="50800" dist="25400" dir="5400000" rotWithShape="0">
                     <a:srgbClr val="000000"/>
                   </a:outerShdw>
                 </a:effectLst>
@@ -6830,12 +6454,19 @@
   <p:clrMapOvr>
     <a:masterClrMapping/>
   </p:clrMapOvr>
-  <p:transition spd="med" advClick="1"/>
+  <p:transition xmlns:p14="http://schemas.microsoft.com/office/powerpoint/2010/main" spd="med"/>
+  <p:timing>
+    <p:tnLst>
+      <p:par>
+        <p:cTn xmlns:p14="http://schemas.microsoft.com/office/powerpoint/2010/main" id="1" dur="indefinite" restart="never" nodeType="tmRoot"/>
+      </p:par>
+    </p:tnLst>
+  </p:timing>
 </p:sld>
 </file>
 
 <file path=ppt/slides/slide6.xml><?xml version="1.0" encoding="utf-8"?>
-<p:sld xmlns:a="http://schemas.openxmlformats.org/drawingml/2006/main" xmlns:r="http://schemas.openxmlformats.org/officeDocument/2006/relationships" xmlns:p="http://schemas.openxmlformats.org/presentationml/2006/main" showMasterSp="1" showMasterPhAnim="1">
+<p:sld xmlns:a="http://schemas.openxmlformats.org/drawingml/2006/main" xmlns:r="http://schemas.openxmlformats.org/officeDocument/2006/relationships" xmlns:p="http://schemas.openxmlformats.org/presentationml/2006/main">
   <p:cSld>
     <p:spTree>
       <p:nvGrpSpPr>
@@ -6854,7 +6485,9 @@
       <p:sp>
         <p:nvSpPr>
           <p:cNvPr id="49" name="Shape 49"/>
-          <p:cNvSpPr/>
+          <p:cNvSpPr>
+            <a:spLocks noGrp="1"/>
+          </p:cNvSpPr>
           <p:nvPr>
             <p:ph type="title"/>
           </p:nvPr>
@@ -6874,7 +6507,7 @@
             <a:lvl1pPr defTabSz="549148">
               <a:defRPr sz="5400">
                 <a:effectLst>
-                  <a:outerShdw sx="100000" sy="100000" kx="0" ky="0" algn="b" rotWithShape="0" blurRad="50800" dist="23876" dir="5400000">
+                  <a:outerShdw blurRad="50800" dist="23876" dir="5400000" rotWithShape="0">
                     <a:srgbClr val="000000"/>
                   </a:outerShdw>
                 </a:effectLst>
@@ -6883,7 +6516,7 @@
           </a:lstStyle>
           <a:p>
             <a:pPr lvl="0">
-              <a:defRPr b="0" sz="1800">
+              <a:defRPr sz="1800" b="0">
                 <a:solidFill>
                   <a:srgbClr val="000000"/>
                 </a:solidFill>
@@ -6891,12 +6524,12 @@
               </a:defRPr>
             </a:pPr>
             <a:r>
-              <a:rPr b="1" sz="5400">
+              <a:rPr sz="5400" b="1">
                 <a:solidFill>
                   <a:srgbClr val="FFFFFF"/>
                 </a:solidFill>
                 <a:effectLst>
-                  <a:outerShdw sx="100000" sy="100000" kx="0" ky="0" algn="b" rotWithShape="0" blurRad="50800" dist="23876" dir="5400000">
+                  <a:outerShdw blurRad="50800" dist="23876" dir="5400000" rotWithShape="0">
                     <a:srgbClr val="000000"/>
                   </a:outerShdw>
                 </a:effectLst>
@@ -6938,12 +6571,19 @@
   <p:clrMapOvr>
     <a:masterClrMapping/>
   </p:clrMapOvr>
-  <p:transition spd="med" advClick="1"/>
+  <p:transition xmlns:p14="http://schemas.microsoft.com/office/powerpoint/2010/main" spd="med"/>
+  <p:timing>
+    <p:tnLst>
+      <p:par>
+        <p:cTn xmlns:p14="http://schemas.microsoft.com/office/powerpoint/2010/main" id="1" dur="indefinite" restart="never" nodeType="tmRoot"/>
+      </p:par>
+    </p:tnLst>
+  </p:timing>
 </p:sld>
 </file>
 
 <file path=ppt/slides/slide7.xml><?xml version="1.0" encoding="utf-8"?>
-<p:sld xmlns:a="http://schemas.openxmlformats.org/drawingml/2006/main" xmlns:r="http://schemas.openxmlformats.org/officeDocument/2006/relationships" xmlns:p="http://schemas.openxmlformats.org/presentationml/2006/main" showMasterSp="1" showMasterPhAnim="1">
+<p:sld xmlns:a="http://schemas.openxmlformats.org/drawingml/2006/main" xmlns:r="http://schemas.openxmlformats.org/officeDocument/2006/relationships" xmlns:p="http://schemas.openxmlformats.org/presentationml/2006/main">
   <p:cSld>
     <p:spTree>
       <p:nvGrpSpPr>
@@ -6962,7 +6602,9 @@
       <p:sp>
         <p:nvSpPr>
           <p:cNvPr id="52" name="Shape 52"/>
-          <p:cNvSpPr/>
+          <p:cNvSpPr>
+            <a:spLocks noGrp="1"/>
+          </p:cNvSpPr>
           <p:nvPr>
             <p:ph type="title"/>
           </p:nvPr>
@@ -6982,7 +6624,7 @@
             <a:lvl1pPr defTabSz="549148">
               <a:defRPr sz="5400">
                 <a:effectLst>
-                  <a:outerShdw sx="100000" sy="100000" kx="0" ky="0" algn="b" rotWithShape="0" blurRad="50800" dist="23876" dir="5400000">
+                  <a:outerShdw blurRad="50800" dist="23876" dir="5400000" rotWithShape="0">
                     <a:srgbClr val="000000"/>
                   </a:outerShdw>
                 </a:effectLst>
@@ -6991,7 +6633,7 @@
           </a:lstStyle>
           <a:p>
             <a:pPr lvl="0">
-              <a:defRPr b="0" sz="1800">
+              <a:defRPr sz="1800" b="0">
                 <a:solidFill>
                   <a:srgbClr val="000000"/>
                 </a:solidFill>
@@ -6999,12 +6641,12 @@
               </a:defRPr>
             </a:pPr>
             <a:r>
-              <a:rPr b="1" sz="5400">
+              <a:rPr sz="5400" b="1">
                 <a:solidFill>
                   <a:srgbClr val="FFFFFF"/>
                 </a:solidFill>
                 <a:effectLst>
-                  <a:outerShdw sx="100000" sy="100000" kx="0" ky="0" algn="b" rotWithShape="0" blurRad="50800" dist="23876" dir="5400000">
+                  <a:outerShdw blurRad="50800" dist="23876" dir="5400000" rotWithShape="0">
                     <a:srgbClr val="000000"/>
                   </a:outerShdw>
                 </a:effectLst>
@@ -7076,12 +6718,12 @@
               </a:defRPr>
             </a:pPr>
             <a:r>
-              <a:rPr b="1" sz="4400">
+              <a:rPr sz="4400" b="1">
                 <a:solidFill>
                   <a:srgbClr val="EBEBEB"/>
                 </a:solidFill>
                 <a:effectLst>
-                  <a:outerShdw sx="100000" sy="100000" kx="0" ky="0" algn="b" rotWithShape="0" blurRad="50800" dist="25400" dir="5400000">
+                  <a:outerShdw blurRad="50800" dist="25400" dir="5400000" rotWithShape="0">
                     <a:srgbClr val="000000"/>
                   </a:outerShdw>
                 </a:effectLst>
@@ -7097,7 +6739,7 @@
                 <a:srgbClr val="EBEBEB"/>
               </a:solidFill>
               <a:effectLst>
-                <a:outerShdw sx="100000" sy="100000" kx="0" ky="0" algn="b" rotWithShape="0" blurRad="50800" dist="25400" dir="5400000">
+                <a:outerShdw blurRad="50800" dist="25400" dir="5400000" rotWithShape="0">
                   <a:srgbClr val="000000"/>
                 </a:outerShdw>
               </a:effectLst>
@@ -7114,12 +6756,12 @@
               </a:defRPr>
             </a:pPr>
             <a:r>
-              <a:rPr b="1" sz="4400">
+              <a:rPr sz="4400" b="1">
                 <a:solidFill>
                   <a:srgbClr val="EBEBEB"/>
                 </a:solidFill>
                 <a:effectLst>
-                  <a:outerShdw sx="100000" sy="100000" kx="0" ky="0" algn="b" rotWithShape="0" blurRad="50800" dist="25400" dir="5400000">
+                  <a:outerShdw blurRad="50800" dist="25400" dir="5400000" rotWithShape="0">
                     <a:srgbClr val="000000"/>
                   </a:outerShdw>
                 </a:effectLst>
@@ -7138,12 +6780,19 @@
   <p:clrMapOvr>
     <a:masterClrMapping/>
   </p:clrMapOvr>
-  <p:transition spd="med" advClick="1"/>
+  <p:transition xmlns:p14="http://schemas.microsoft.com/office/powerpoint/2010/main" spd="med"/>
+  <p:timing>
+    <p:tnLst>
+      <p:par>
+        <p:cTn xmlns:p14="http://schemas.microsoft.com/office/powerpoint/2010/main" id="1" dur="indefinite" restart="never" nodeType="tmRoot"/>
+      </p:par>
+    </p:tnLst>
+  </p:timing>
 </p:sld>
 </file>
 
 <file path=ppt/slides/slide8.xml><?xml version="1.0" encoding="utf-8"?>
-<p:sld xmlns:a="http://schemas.openxmlformats.org/drawingml/2006/main" xmlns:r="http://schemas.openxmlformats.org/officeDocument/2006/relationships" xmlns:p="http://schemas.openxmlformats.org/presentationml/2006/main" showMasterSp="1" showMasterPhAnim="1">
+<p:sld xmlns:a="http://schemas.openxmlformats.org/drawingml/2006/main" xmlns:r="http://schemas.openxmlformats.org/officeDocument/2006/relationships" xmlns:p="http://schemas.openxmlformats.org/presentationml/2006/main">
   <p:cSld>
     <p:spTree>
       <p:nvGrpSpPr>
@@ -7191,12 +6840,19 @@
   <p:clrMapOvr>
     <a:masterClrMapping/>
   </p:clrMapOvr>
-  <p:transition spd="med" advClick="1"/>
+  <p:transition xmlns:p14="http://schemas.microsoft.com/office/powerpoint/2010/main" spd="med"/>
+  <p:timing>
+    <p:tnLst>
+      <p:par>
+        <p:cTn xmlns:p14="http://schemas.microsoft.com/office/powerpoint/2010/main" id="1" dur="indefinite" restart="never" nodeType="tmRoot"/>
+      </p:par>
+    </p:tnLst>
+  </p:timing>
 </p:sld>
 </file>
 
 <file path=ppt/slides/slide9.xml><?xml version="1.0" encoding="utf-8"?>
-<p:sld xmlns:a="http://schemas.openxmlformats.org/drawingml/2006/main" xmlns:r="http://schemas.openxmlformats.org/officeDocument/2006/relationships" xmlns:p="http://schemas.openxmlformats.org/presentationml/2006/main" showMasterSp="1" showMasterPhAnim="1">
+<p:sld xmlns:a="http://schemas.openxmlformats.org/drawingml/2006/main" xmlns:r="http://schemas.openxmlformats.org/officeDocument/2006/relationships" xmlns:p="http://schemas.openxmlformats.org/presentationml/2006/main">
   <p:cSld>
     <p:spTree>
       <p:nvGrpSpPr>
@@ -7244,12 +6900,19 @@
   <p:clrMapOvr>
     <a:masterClrMapping/>
   </p:clrMapOvr>
-  <p:transition spd="med" advClick="1"/>
+  <p:transition xmlns:p14="http://schemas.microsoft.com/office/powerpoint/2010/main" spd="med"/>
+  <p:timing>
+    <p:tnLst>
+      <p:par>
+        <p:cTn xmlns:p14="http://schemas.microsoft.com/office/powerpoint/2010/main" id="1" dur="indefinite" restart="never" nodeType="tmRoot"/>
+      </p:par>
+    </p:tnLst>
+  </p:timing>
 </p:sld>
 </file>
 
 <file path=ppt/theme/theme1.xml><?xml version="1.0" encoding="utf-8"?>
-<a:theme xmlns:a="http://schemas.openxmlformats.org/drawingml/2006/main" xmlns:r="http://schemas.openxmlformats.org/officeDocument/2006/relationships" name="Default">
+<a:theme xmlns:a="http://schemas.openxmlformats.org/drawingml/2006/main" name="Default">
   <a:themeElements>
     <a:clrScheme name="Default">
       <a:dk1>
@@ -7375,7 +7038,7 @@
       <a:effectStyleLst>
         <a:effectStyle>
           <a:effectLst>
-            <a:outerShdw sx="100000" sy="100000" kx="0" ky="0" algn="b" rotWithShape="0" blurRad="50800" dist="25400" dir="5400000">
+            <a:outerShdw blurRad="50800" dist="25400" dir="5400000" rotWithShape="0">
               <a:srgbClr val="000000">
                 <a:alpha val="50000"/>
               </a:srgbClr>
@@ -7384,7 +7047,7 @@
         </a:effectStyle>
         <a:effectStyle>
           <a:effectLst>
-            <a:outerShdw sx="100000" sy="100000" kx="0" ky="0" algn="b" rotWithShape="0" blurRad="50800" dist="25400" dir="5400000">
+            <a:outerShdw blurRad="50800" dist="25400" dir="5400000" rotWithShape="0">
               <a:srgbClr val="000000">
                 <a:alpha val="50000"/>
               </a:srgbClr>
@@ -7393,7 +7056,7 @@
         </a:effectStyle>
         <a:effectStyle>
           <a:effectLst>
-            <a:outerShdw sx="100000" sy="100000" kx="0" ky="0" algn="b" rotWithShape="0" blurRad="50800" dist="25400" dir="5400000">
+            <a:outerShdw blurRad="50800" dist="25400" dir="5400000" rotWithShape="0">
               <a:srgbClr val="000000">
                 <a:alpha val="50000"/>
               </a:srgbClr>
@@ -7467,14 +7130,14 @@
           <a:bevel/>
         </a:ln>
         <a:effectLst>
-          <a:outerShdw sx="100000" sy="100000" kx="0" ky="0" algn="b" rotWithShape="0" blurRad="50800" dist="25400" dir="5400000">
+          <a:outerShdw blurRad="50800" dist="25400" dir="5400000" rotWithShape="0">
             <a:srgbClr val="000000">
               <a:alpha val="50000"/>
             </a:srgbClr>
           </a:outerShdw>
         </a:effectLst>
       </a:spPr>
-      <a:bodyPr rot="0" spcFirstLastPara="1" vertOverflow="overflow" horzOverflow="overflow" vert="horz" wrap="square" lIns="50800" tIns="50800" rIns="50800" bIns="50800" numCol="1" spcCol="38100" rtlCol="0" anchor="ctr" upright="0">
+      <a:bodyPr rot="0" spcFirstLastPara="1" vertOverflow="overflow" horzOverflow="overflow" vert="horz" wrap="square" lIns="50800" tIns="50800" rIns="50800" bIns="50800" numCol="1" spcCol="38100" rtlCol="0" anchor="ctr">
         <a:spAutoFit/>
       </a:bodyPr>
       <a:lstStyle>
@@ -7493,7 +7156,7 @@
           <a:buFontTx/>
           <a:buNone/>
           <a:tabLst/>
-          <a:defRPr b="0" baseline="0" cap="none" i="0" spc="0" strike="noStrike" sz="3800" u="none" kumimoji="0" normalizeH="0">
+          <a:defRPr kumimoji="0" sz="3800" b="0" i="0" u="none" strike="noStrike" cap="none" spc="0" normalizeH="0" baseline="0">
             <a:ln>
               <a:noFill/>
             </a:ln>
@@ -7501,7 +7164,7 @@
               <a:srgbClr val="000000"/>
             </a:solidFill>
             <a:effectLst>
-              <a:outerShdw sx="100000" sy="100000" kx="0" ky="0" algn="b" rotWithShape="0" blurRad="50800" dist="25400" dir="5400000">
+              <a:outerShdw blurRad="50800" dist="25400" dir="5400000" rotWithShape="0">
                 <a:srgbClr val="000000"/>
               </a:outerShdw>
             </a:effectLst>
@@ -7527,7 +7190,7 @@
           <a:buFontTx/>
           <a:buNone/>
           <a:tabLst/>
-          <a:defRPr b="0" baseline="0" cap="none" i="0" spc="0" strike="noStrike" sz="1800" u="none" kumimoji="0" normalizeH="0">
+          <a:defRPr kumimoji="0" sz="1800" b="0" i="0" u="none" strike="noStrike" cap="none" spc="0" normalizeH="0" baseline="0">
             <a:ln>
               <a:noFill/>
             </a:ln>
@@ -7553,7 +7216,7 @@
           <a:buFontTx/>
           <a:buNone/>
           <a:tabLst/>
-          <a:defRPr b="0" baseline="0" cap="none" i="0" spc="0" strike="noStrike" sz="1800" u="none" kumimoji="0" normalizeH="0">
+          <a:defRPr kumimoji="0" sz="1800" b="0" i="0" u="none" strike="noStrike" cap="none" spc="0" normalizeH="0" baseline="0">
             <a:ln>
               <a:noFill/>
             </a:ln>
@@ -7579,7 +7242,7 @@
           <a:buFontTx/>
           <a:buNone/>
           <a:tabLst/>
-          <a:defRPr b="0" baseline="0" cap="none" i="0" spc="0" strike="noStrike" sz="1800" u="none" kumimoji="0" normalizeH="0">
+          <a:defRPr kumimoji="0" sz="1800" b="0" i="0" u="none" strike="noStrike" cap="none" spc="0" normalizeH="0" baseline="0">
             <a:ln>
               <a:noFill/>
             </a:ln>
@@ -7605,7 +7268,7 @@
           <a:buFontTx/>
           <a:buNone/>
           <a:tabLst/>
-          <a:defRPr b="0" baseline="0" cap="none" i="0" spc="0" strike="noStrike" sz="1800" u="none" kumimoji="0" normalizeH="0">
+          <a:defRPr kumimoji="0" sz="1800" b="0" i="0" u="none" strike="noStrike" cap="none" spc="0" normalizeH="0" baseline="0">
             <a:ln>
               <a:noFill/>
             </a:ln>
@@ -7631,7 +7294,7 @@
           <a:buFontTx/>
           <a:buNone/>
           <a:tabLst/>
-          <a:defRPr b="0" baseline="0" cap="none" i="0" spc="0" strike="noStrike" sz="1800" u="none" kumimoji="0" normalizeH="0">
+          <a:defRPr kumimoji="0" sz="1800" b="0" i="0" u="none" strike="noStrike" cap="none" spc="0" normalizeH="0" baseline="0">
             <a:ln>
               <a:noFill/>
             </a:ln>
@@ -7657,7 +7320,7 @@
           <a:buFontTx/>
           <a:buNone/>
           <a:tabLst/>
-          <a:defRPr b="0" baseline="0" cap="none" i="0" spc="0" strike="noStrike" sz="1800" u="none" kumimoji="0" normalizeH="0">
+          <a:defRPr kumimoji="0" sz="1800" b="0" i="0" u="none" strike="noStrike" cap="none" spc="0" normalizeH="0" baseline="0">
             <a:ln>
               <a:noFill/>
             </a:ln>
@@ -7683,7 +7346,7 @@
           <a:buFontTx/>
           <a:buNone/>
           <a:tabLst/>
-          <a:defRPr b="0" baseline="0" cap="none" i="0" spc="0" strike="noStrike" sz="1800" u="none" kumimoji="0" normalizeH="0">
+          <a:defRPr kumimoji="0" sz="1800" b="0" i="0" u="none" strike="noStrike" cap="none" spc="0" normalizeH="0" baseline="0">
             <a:ln>
               <a:noFill/>
             </a:ln>
@@ -7709,7 +7372,7 @@
           <a:buFontTx/>
           <a:buNone/>
           <a:tabLst/>
-          <a:defRPr b="0" baseline="0" cap="none" i="0" spc="0" strike="noStrike" sz="1800" u="none" kumimoji="0" normalizeH="0">
+          <a:defRPr kumimoji="0" sz="1800" b="0" i="0" u="none" strike="noStrike" cap="none" spc="0" normalizeH="0" baseline="0">
             <a:ln>
               <a:noFill/>
             </a:ln>
@@ -7735,7 +7398,7 @@
           <a:buFontTx/>
           <a:buNone/>
           <a:tabLst/>
-          <a:defRPr b="0" baseline="0" cap="none" i="0" spc="0" strike="noStrike" sz="1800" u="none" kumimoji="0" normalizeH="0">
+          <a:defRPr kumimoji="0" sz="1800" b="0" i="0" u="none" strike="noStrike" cap="none" spc="0" normalizeH="0" baseline="0">
             <a:ln>
               <a:noFill/>
             </a:ln>
@@ -7748,9 +7411,15 @@
         </a:lvl9pPr>
       </a:lstStyle>
       <a:style>
-        <a:lnRef idx="0"/>
-        <a:fillRef idx="0"/>
-        <a:effectRef idx="0"/>
+        <a:lnRef idx="0">
+          <a:scrgbClr r="0" g="0" b="0"/>
+        </a:lnRef>
+        <a:fillRef idx="0">
+          <a:scrgbClr r="0" g="0" b="0"/>
+        </a:fillRef>
+        <a:effectRef idx="0">
+          <a:scrgbClr r="0" g="0" b="0"/>
+        </a:effectRef>
         <a:fontRef idx="none"/>
       </a:style>
     </a:spDef>
@@ -7765,14 +7434,14 @@
           <a:bevel/>
         </a:ln>
         <a:effectLst>
-          <a:outerShdw sx="100000" sy="100000" kx="0" ky="0" algn="b" rotWithShape="0" blurRad="50800" dist="25400" dir="5400000">
+          <a:outerShdw blurRad="50800" dist="25400" dir="5400000" rotWithShape="0">
             <a:srgbClr val="000000">
               <a:alpha val="50000"/>
             </a:srgbClr>
           </a:outerShdw>
         </a:effectLst>
       </a:spPr>
-      <a:bodyPr rot="0" spcFirstLastPara="1" vertOverflow="overflow" horzOverflow="overflow" vert="horz" wrap="square" lIns="91439" tIns="45719" rIns="91439" bIns="45719" numCol="1" spcCol="38100" rtlCol="0" anchor="t" upright="0">
+      <a:bodyPr rot="0" spcFirstLastPara="1" vertOverflow="overflow" horzOverflow="overflow" vert="horz" wrap="square" lIns="91439" tIns="45719" rIns="91439" bIns="45719" numCol="1" spcCol="38100" rtlCol="0" anchor="t">
         <a:noAutofit/>
       </a:bodyPr>
       <a:lstStyle>
@@ -7791,7 +7460,7 @@
           <a:buFontTx/>
           <a:buNone/>
           <a:tabLst/>
-          <a:defRPr b="0" baseline="0" cap="none" i="0" spc="0" strike="noStrike" sz="1800" u="none" kumimoji="0" normalizeH="0">
+          <a:defRPr kumimoji="0" sz="1800" b="0" i="0" u="none" strike="noStrike" cap="none" spc="0" normalizeH="0" baseline="0">
             <a:ln>
               <a:noFill/>
             </a:ln>
@@ -7817,7 +7486,7 @@
           <a:buFontTx/>
           <a:buNone/>
           <a:tabLst/>
-          <a:defRPr b="0" baseline="0" cap="none" i="0" spc="0" strike="noStrike" sz="1800" u="none" kumimoji="0" normalizeH="0">
+          <a:defRPr kumimoji="0" sz="1800" b="0" i="0" u="none" strike="noStrike" cap="none" spc="0" normalizeH="0" baseline="0">
             <a:ln>
               <a:noFill/>
             </a:ln>
@@ -7843,7 +7512,7 @@
           <a:buFontTx/>
           <a:buNone/>
           <a:tabLst/>
-          <a:defRPr b="0" baseline="0" cap="none" i="0" spc="0" strike="noStrike" sz="1800" u="none" kumimoji="0" normalizeH="0">
+          <a:defRPr kumimoji="0" sz="1800" b="0" i="0" u="none" strike="noStrike" cap="none" spc="0" normalizeH="0" baseline="0">
             <a:ln>
               <a:noFill/>
             </a:ln>
@@ -7869,7 +7538,7 @@
           <a:buFontTx/>
           <a:buNone/>
           <a:tabLst/>
-          <a:defRPr b="0" baseline="0" cap="none" i="0" spc="0" strike="noStrike" sz="1800" u="none" kumimoji="0" normalizeH="0">
+          <a:defRPr kumimoji="0" sz="1800" b="0" i="0" u="none" strike="noStrike" cap="none" spc="0" normalizeH="0" baseline="0">
             <a:ln>
               <a:noFill/>
             </a:ln>
@@ -7895,7 +7564,7 @@
           <a:buFontTx/>
           <a:buNone/>
           <a:tabLst/>
-          <a:defRPr b="0" baseline="0" cap="none" i="0" spc="0" strike="noStrike" sz="1800" u="none" kumimoji="0" normalizeH="0">
+          <a:defRPr kumimoji="0" sz="1800" b="0" i="0" u="none" strike="noStrike" cap="none" spc="0" normalizeH="0" baseline="0">
             <a:ln>
               <a:noFill/>
             </a:ln>
@@ -7921,7 +7590,7 @@
           <a:buFontTx/>
           <a:buNone/>
           <a:tabLst/>
-          <a:defRPr b="0" baseline="0" cap="none" i="0" spc="0" strike="noStrike" sz="1800" u="none" kumimoji="0" normalizeH="0">
+          <a:defRPr kumimoji="0" sz="1800" b="0" i="0" u="none" strike="noStrike" cap="none" spc="0" normalizeH="0" baseline="0">
             <a:ln>
               <a:noFill/>
             </a:ln>
@@ -7947,7 +7616,7 @@
           <a:buFontTx/>
           <a:buNone/>
           <a:tabLst/>
-          <a:defRPr b="0" baseline="0" cap="none" i="0" spc="0" strike="noStrike" sz="1800" u="none" kumimoji="0" normalizeH="0">
+          <a:defRPr kumimoji="0" sz="1800" b="0" i="0" u="none" strike="noStrike" cap="none" spc="0" normalizeH="0" baseline="0">
             <a:ln>
               <a:noFill/>
             </a:ln>
@@ -7973,7 +7642,7 @@
           <a:buFontTx/>
           <a:buNone/>
           <a:tabLst/>
-          <a:defRPr b="0" baseline="0" cap="none" i="0" spc="0" strike="noStrike" sz="1800" u="none" kumimoji="0" normalizeH="0">
+          <a:defRPr kumimoji="0" sz="1800" b="0" i="0" u="none" strike="noStrike" cap="none" spc="0" normalizeH="0" baseline="0">
             <a:ln>
               <a:noFill/>
             </a:ln>
@@ -7999,7 +7668,7 @@
           <a:buFontTx/>
           <a:buNone/>
           <a:tabLst/>
-          <a:defRPr b="0" baseline="0" cap="none" i="0" spc="0" strike="noStrike" sz="1800" u="none" kumimoji="0" normalizeH="0">
+          <a:defRPr kumimoji="0" sz="1800" b="0" i="0" u="none" strike="noStrike" cap="none" spc="0" normalizeH="0" baseline="0">
             <a:ln>
               <a:noFill/>
             </a:ln>
@@ -8025,7 +7694,7 @@
           <a:buFontTx/>
           <a:buNone/>
           <a:tabLst/>
-          <a:defRPr b="0" baseline="0" cap="none" i="0" spc="0" strike="noStrike" sz="1800" u="none" kumimoji="0" normalizeH="0">
+          <a:defRPr kumimoji="0" sz="1800" b="0" i="0" u="none" strike="noStrike" cap="none" spc="0" normalizeH="0" baseline="0">
             <a:ln>
               <a:noFill/>
             </a:ln>
@@ -8038,9 +7707,15 @@
         </a:lvl9pPr>
       </a:lstStyle>
       <a:style>
-        <a:lnRef idx="0"/>
-        <a:fillRef idx="0"/>
-        <a:effectRef idx="0"/>
+        <a:lnRef idx="0">
+          <a:scrgbClr r="0" g="0" b="0"/>
+        </a:lnRef>
+        <a:fillRef idx="0">
+          <a:scrgbClr r="0" g="0" b="0"/>
+        </a:fillRef>
+        <a:effectRef idx="0">
+          <a:scrgbClr r="0" g="0" b="0"/>
+        </a:effectRef>
         <a:fontRef idx="none"/>
       </a:style>
     </a:lnDef>
@@ -8053,7 +7728,7 @@
         </a:ln>
         <a:effectLst/>
       </a:spPr>
-      <a:bodyPr rot="0" spcFirstLastPara="1" vertOverflow="overflow" horzOverflow="overflow" vert="horz" wrap="square" lIns="50800" tIns="50800" rIns="50800" bIns="50800" numCol="1" spcCol="38100" rtlCol="0" anchor="ctr" upright="0">
+      <a:bodyPr rot="0" spcFirstLastPara="1" vertOverflow="overflow" horzOverflow="overflow" vert="horz" wrap="square" lIns="50800" tIns="50800" rIns="50800" bIns="50800" numCol="1" spcCol="38100" rtlCol="0" anchor="ctr">
         <a:spAutoFit/>
       </a:bodyPr>
       <a:lstStyle>
@@ -8072,7 +7747,7 @@
           <a:buFontTx/>
           <a:buNone/>
           <a:tabLst/>
-          <a:defRPr b="0" baseline="0" cap="none" i="0" spc="0" strike="noStrike" sz="3800" u="none" kumimoji="0" normalizeH="0">
+          <a:defRPr kumimoji="0" sz="3800" b="0" i="0" u="none" strike="noStrike" cap="none" spc="0" normalizeH="0" baseline="0">
             <a:ln>
               <a:noFill/>
             </a:ln>
@@ -8080,7 +7755,7 @@
               <a:srgbClr val="000000"/>
             </a:solidFill>
             <a:effectLst>
-              <a:outerShdw sx="100000" sy="100000" kx="0" ky="0" algn="b" rotWithShape="0" blurRad="50800" dist="25400" dir="5400000">
+              <a:outerShdw blurRad="50800" dist="25400" dir="5400000" rotWithShape="0">
                 <a:srgbClr val="000000"/>
               </a:outerShdw>
             </a:effectLst>
@@ -8106,7 +7781,7 @@
           <a:buFontTx/>
           <a:buNone/>
           <a:tabLst/>
-          <a:defRPr b="0" baseline="0" cap="none" i="0" spc="0" strike="noStrike" sz="1800" u="none" kumimoji="0" normalizeH="0">
+          <a:defRPr kumimoji="0" sz="1800" b="0" i="0" u="none" strike="noStrike" cap="none" spc="0" normalizeH="0" baseline="0">
             <a:ln>
               <a:noFill/>
             </a:ln>
@@ -8132,7 +7807,7 @@
           <a:buFontTx/>
           <a:buNone/>
           <a:tabLst/>
-          <a:defRPr b="0" baseline="0" cap="none" i="0" spc="0" strike="noStrike" sz="1800" u="none" kumimoji="0" normalizeH="0">
+          <a:defRPr kumimoji="0" sz="1800" b="0" i="0" u="none" strike="noStrike" cap="none" spc="0" normalizeH="0" baseline="0">
             <a:ln>
               <a:noFill/>
             </a:ln>
@@ -8158,7 +7833,7 @@
           <a:buFontTx/>
           <a:buNone/>
           <a:tabLst/>
-          <a:defRPr b="0" baseline="0" cap="none" i="0" spc="0" strike="noStrike" sz="1800" u="none" kumimoji="0" normalizeH="0">
+          <a:defRPr kumimoji="0" sz="1800" b="0" i="0" u="none" strike="noStrike" cap="none" spc="0" normalizeH="0" baseline="0">
             <a:ln>
               <a:noFill/>
             </a:ln>
@@ -8184,7 +7859,7 @@
           <a:buFontTx/>
           <a:buNone/>
           <a:tabLst/>
-          <a:defRPr b="0" baseline="0" cap="none" i="0" spc="0" strike="noStrike" sz="1800" u="none" kumimoji="0" normalizeH="0">
+          <a:defRPr kumimoji="0" sz="1800" b="0" i="0" u="none" strike="noStrike" cap="none" spc="0" normalizeH="0" baseline="0">
             <a:ln>
               <a:noFill/>
             </a:ln>
@@ -8210,7 +7885,7 @@
           <a:buFontTx/>
           <a:buNone/>
           <a:tabLst/>
-          <a:defRPr b="0" baseline="0" cap="none" i="0" spc="0" strike="noStrike" sz="1800" u="none" kumimoji="0" normalizeH="0">
+          <a:defRPr kumimoji="0" sz="1800" b="0" i="0" u="none" strike="noStrike" cap="none" spc="0" normalizeH="0" baseline="0">
             <a:ln>
               <a:noFill/>
             </a:ln>
@@ -8236,7 +7911,7 @@
           <a:buFontTx/>
           <a:buNone/>
           <a:tabLst/>
-          <a:defRPr b="0" baseline="0" cap="none" i="0" spc="0" strike="noStrike" sz="1800" u="none" kumimoji="0" normalizeH="0">
+          <a:defRPr kumimoji="0" sz="1800" b="0" i="0" u="none" strike="noStrike" cap="none" spc="0" normalizeH="0" baseline="0">
             <a:ln>
               <a:noFill/>
             </a:ln>
@@ -8262,7 +7937,7 @@
           <a:buFontTx/>
           <a:buNone/>
           <a:tabLst/>
-          <a:defRPr b="0" baseline="0" cap="none" i="0" spc="0" strike="noStrike" sz="1800" u="none" kumimoji="0" normalizeH="0">
+          <a:defRPr kumimoji="0" sz="1800" b="0" i="0" u="none" strike="noStrike" cap="none" spc="0" normalizeH="0" baseline="0">
             <a:ln>
               <a:noFill/>
             </a:ln>
@@ -8288,7 +7963,7 @@
           <a:buFontTx/>
           <a:buNone/>
           <a:tabLst/>
-          <a:defRPr b="0" baseline="0" cap="none" i="0" spc="0" strike="noStrike" sz="1800" u="none" kumimoji="0" normalizeH="0">
+          <a:defRPr kumimoji="0" sz="1800" b="0" i="0" u="none" strike="noStrike" cap="none" spc="0" normalizeH="0" baseline="0">
             <a:ln>
               <a:noFill/>
             </a:ln>
@@ -8314,7 +7989,7 @@
           <a:buFontTx/>
           <a:buNone/>
           <a:tabLst/>
-          <a:defRPr b="0" baseline="0" cap="none" i="0" spc="0" strike="noStrike" sz="1800" u="none" kumimoji="0" normalizeH="0">
+          <a:defRPr kumimoji="0" sz="1800" b="0" i="0" u="none" strike="noStrike" cap="none" spc="0" normalizeH="0" baseline="0">
             <a:ln>
               <a:noFill/>
             </a:ln>
@@ -8327,18 +8002,25 @@
         </a:lvl9pPr>
       </a:lstStyle>
       <a:style>
-        <a:lnRef idx="0"/>
-        <a:fillRef idx="0"/>
-        <a:effectRef idx="0"/>
+        <a:lnRef idx="0">
+          <a:scrgbClr r="0" g="0" b="0"/>
+        </a:lnRef>
+        <a:fillRef idx="0">
+          <a:scrgbClr r="0" g="0" b="0"/>
+        </a:fillRef>
+        <a:effectRef idx="0">
+          <a:scrgbClr r="0" g="0" b="0"/>
+        </a:effectRef>
         <a:fontRef idx="none"/>
       </a:style>
     </a:txDef>
   </a:objectDefaults>
+  <a:extraClrSchemeLst/>
 </a:theme>
 </file>
 
 <file path=ppt/theme/theme2.xml><?xml version="1.0" encoding="utf-8"?>
-<a:theme xmlns:a="http://schemas.openxmlformats.org/drawingml/2006/main" xmlns:r="http://schemas.openxmlformats.org/officeDocument/2006/relationships" name="Default">
+<a:theme xmlns:a="http://schemas.openxmlformats.org/drawingml/2006/main" name="Default">
   <a:themeElements>
     <a:clrScheme name="Default">
       <a:dk1>
@@ -8464,7 +8146,7 @@
       <a:effectStyleLst>
         <a:effectStyle>
           <a:effectLst>
-            <a:outerShdw sx="100000" sy="100000" kx="0" ky="0" algn="b" rotWithShape="0" blurRad="50800" dist="25400" dir="5400000">
+            <a:outerShdw blurRad="50800" dist="25400" dir="5400000" rotWithShape="0">
               <a:srgbClr val="000000">
                 <a:alpha val="50000"/>
               </a:srgbClr>
@@ -8473,7 +8155,7 @@
         </a:effectStyle>
         <a:effectStyle>
           <a:effectLst>
-            <a:outerShdw sx="100000" sy="100000" kx="0" ky="0" algn="b" rotWithShape="0" blurRad="50800" dist="25400" dir="5400000">
+            <a:outerShdw blurRad="50800" dist="25400" dir="5400000" rotWithShape="0">
               <a:srgbClr val="000000">
                 <a:alpha val="50000"/>
               </a:srgbClr>
@@ -8482,7 +8164,7 @@
         </a:effectStyle>
         <a:effectStyle>
           <a:effectLst>
-            <a:outerShdw sx="100000" sy="100000" kx="0" ky="0" algn="b" rotWithShape="0" blurRad="50800" dist="25400" dir="5400000">
+            <a:outerShdw blurRad="50800" dist="25400" dir="5400000" rotWithShape="0">
               <a:srgbClr val="000000">
                 <a:alpha val="50000"/>
               </a:srgbClr>
@@ -8556,14 +8238,14 @@
           <a:bevel/>
         </a:ln>
         <a:effectLst>
-          <a:outerShdw sx="100000" sy="100000" kx="0" ky="0" algn="b" rotWithShape="0" blurRad="50800" dist="25400" dir="5400000">
+          <a:outerShdw blurRad="50800" dist="25400" dir="5400000" rotWithShape="0">
             <a:srgbClr val="000000">
               <a:alpha val="50000"/>
             </a:srgbClr>
           </a:outerShdw>
         </a:effectLst>
       </a:spPr>
-      <a:bodyPr rot="0" spcFirstLastPara="1" vertOverflow="overflow" horzOverflow="overflow" vert="horz" wrap="square" lIns="50800" tIns="50800" rIns="50800" bIns="50800" numCol="1" spcCol="38100" rtlCol="0" anchor="ctr" upright="0">
+      <a:bodyPr rot="0" spcFirstLastPara="1" vertOverflow="overflow" horzOverflow="overflow" vert="horz" wrap="square" lIns="50800" tIns="50800" rIns="50800" bIns="50800" numCol="1" spcCol="38100" rtlCol="0" anchor="ctr">
         <a:spAutoFit/>
       </a:bodyPr>
       <a:lstStyle>
@@ -8582,7 +8264,7 @@
           <a:buFontTx/>
           <a:buNone/>
           <a:tabLst/>
-          <a:defRPr b="0" baseline="0" cap="none" i="0" spc="0" strike="noStrike" sz="3800" u="none" kumimoji="0" normalizeH="0">
+          <a:defRPr kumimoji="0" sz="3800" b="0" i="0" u="none" strike="noStrike" cap="none" spc="0" normalizeH="0" baseline="0">
             <a:ln>
               <a:noFill/>
             </a:ln>
@@ -8590,7 +8272,7 @@
               <a:srgbClr val="000000"/>
             </a:solidFill>
             <a:effectLst>
-              <a:outerShdw sx="100000" sy="100000" kx="0" ky="0" algn="b" rotWithShape="0" blurRad="50800" dist="25400" dir="5400000">
+              <a:outerShdw blurRad="50800" dist="25400" dir="5400000" rotWithShape="0">
                 <a:srgbClr val="000000"/>
               </a:outerShdw>
             </a:effectLst>
@@ -8616,7 +8298,7 @@
           <a:buFontTx/>
           <a:buNone/>
           <a:tabLst/>
-          <a:defRPr b="0" baseline="0" cap="none" i="0" spc="0" strike="noStrike" sz="1800" u="none" kumimoji="0" normalizeH="0">
+          <a:defRPr kumimoji="0" sz="1800" b="0" i="0" u="none" strike="noStrike" cap="none" spc="0" normalizeH="0" baseline="0">
             <a:ln>
               <a:noFill/>
             </a:ln>
@@ -8642,7 +8324,7 @@
           <a:buFontTx/>
           <a:buNone/>
           <a:tabLst/>
-          <a:defRPr b="0" baseline="0" cap="none" i="0" spc="0" strike="noStrike" sz="1800" u="none" kumimoji="0" normalizeH="0">
+          <a:defRPr kumimoji="0" sz="1800" b="0" i="0" u="none" strike="noStrike" cap="none" spc="0" normalizeH="0" baseline="0">
             <a:ln>
               <a:noFill/>
             </a:ln>
@@ -8668,7 +8350,7 @@
           <a:buFontTx/>
           <a:buNone/>
           <a:tabLst/>
-          <a:defRPr b="0" baseline="0" cap="none" i="0" spc="0" strike="noStrike" sz="1800" u="none" kumimoji="0" normalizeH="0">
+          <a:defRPr kumimoji="0" sz="1800" b="0" i="0" u="none" strike="noStrike" cap="none" spc="0" normalizeH="0" baseline="0">
             <a:ln>
               <a:noFill/>
             </a:ln>
@@ -8694,7 +8376,7 @@
           <a:buFontTx/>
           <a:buNone/>
           <a:tabLst/>
-          <a:defRPr b="0" baseline="0" cap="none" i="0" spc="0" strike="noStrike" sz="1800" u="none" kumimoji="0" normalizeH="0">
+          <a:defRPr kumimoji="0" sz="1800" b="0" i="0" u="none" strike="noStrike" cap="none" spc="0" normalizeH="0" baseline="0">
             <a:ln>
               <a:noFill/>
             </a:ln>
@@ -8720,7 +8402,7 @@
           <a:buFontTx/>
           <a:buNone/>
           <a:tabLst/>
-          <a:defRPr b="0" baseline="0" cap="none" i="0" spc="0" strike="noStrike" sz="1800" u="none" kumimoji="0" normalizeH="0">
+          <a:defRPr kumimoji="0" sz="1800" b="0" i="0" u="none" strike="noStrike" cap="none" spc="0" normalizeH="0" baseline="0">
             <a:ln>
               <a:noFill/>
             </a:ln>
@@ -8746,7 +8428,7 @@
           <a:buFontTx/>
           <a:buNone/>
           <a:tabLst/>
-          <a:defRPr b="0" baseline="0" cap="none" i="0" spc="0" strike="noStrike" sz="1800" u="none" kumimoji="0" normalizeH="0">
+          <a:defRPr kumimoji="0" sz="1800" b="0" i="0" u="none" strike="noStrike" cap="none" spc="0" normalizeH="0" baseline="0">
             <a:ln>
               <a:noFill/>
             </a:ln>
@@ -8772,7 +8454,7 @@
           <a:buFontTx/>
           <a:buNone/>
           <a:tabLst/>
-          <a:defRPr b="0" baseline="0" cap="none" i="0" spc="0" strike="noStrike" sz="1800" u="none" kumimoji="0" normalizeH="0">
+          <a:defRPr kumimoji="0" sz="1800" b="0" i="0" u="none" strike="noStrike" cap="none" spc="0" normalizeH="0" baseline="0">
             <a:ln>
               <a:noFill/>
             </a:ln>
@@ -8798,7 +8480,7 @@
           <a:buFontTx/>
           <a:buNone/>
           <a:tabLst/>
-          <a:defRPr b="0" baseline="0" cap="none" i="0" spc="0" strike="noStrike" sz="1800" u="none" kumimoji="0" normalizeH="0">
+          <a:defRPr kumimoji="0" sz="1800" b="0" i="0" u="none" strike="noStrike" cap="none" spc="0" normalizeH="0" baseline="0">
             <a:ln>
               <a:noFill/>
             </a:ln>
@@ -8824,7 +8506,7 @@
           <a:buFontTx/>
           <a:buNone/>
           <a:tabLst/>
-          <a:defRPr b="0" baseline="0" cap="none" i="0" spc="0" strike="noStrike" sz="1800" u="none" kumimoji="0" normalizeH="0">
+          <a:defRPr kumimoji="0" sz="1800" b="0" i="0" u="none" strike="noStrike" cap="none" spc="0" normalizeH="0" baseline="0">
             <a:ln>
               <a:noFill/>
             </a:ln>
@@ -8837,9 +8519,15 @@
         </a:lvl9pPr>
       </a:lstStyle>
       <a:style>
-        <a:lnRef idx="0"/>
-        <a:fillRef idx="0"/>
-        <a:effectRef idx="0"/>
+        <a:lnRef idx="0">
+          <a:scrgbClr r="0" g="0" b="0"/>
+        </a:lnRef>
+        <a:fillRef idx="0">
+          <a:scrgbClr r="0" g="0" b="0"/>
+        </a:fillRef>
+        <a:effectRef idx="0">
+          <a:scrgbClr r="0" g="0" b="0"/>
+        </a:effectRef>
         <a:fontRef idx="none"/>
       </a:style>
     </a:spDef>
@@ -8854,14 +8542,14 @@
           <a:bevel/>
         </a:ln>
         <a:effectLst>
-          <a:outerShdw sx="100000" sy="100000" kx="0" ky="0" algn="b" rotWithShape="0" blurRad="50800" dist="25400" dir="5400000">
+          <a:outerShdw blurRad="50800" dist="25400" dir="5400000" rotWithShape="0">
             <a:srgbClr val="000000">
               <a:alpha val="50000"/>
             </a:srgbClr>
           </a:outerShdw>
         </a:effectLst>
       </a:spPr>
-      <a:bodyPr rot="0" spcFirstLastPara="1" vertOverflow="overflow" horzOverflow="overflow" vert="horz" wrap="square" lIns="91439" tIns="45719" rIns="91439" bIns="45719" numCol="1" spcCol="38100" rtlCol="0" anchor="t" upright="0">
+      <a:bodyPr rot="0" spcFirstLastPara="1" vertOverflow="overflow" horzOverflow="overflow" vert="horz" wrap="square" lIns="91439" tIns="45719" rIns="91439" bIns="45719" numCol="1" spcCol="38100" rtlCol="0" anchor="t">
         <a:noAutofit/>
       </a:bodyPr>
       <a:lstStyle>
@@ -8880,7 +8568,7 @@
           <a:buFontTx/>
           <a:buNone/>
           <a:tabLst/>
-          <a:defRPr b="0" baseline="0" cap="none" i="0" spc="0" strike="noStrike" sz="1800" u="none" kumimoji="0" normalizeH="0">
+          <a:defRPr kumimoji="0" sz="1800" b="0" i="0" u="none" strike="noStrike" cap="none" spc="0" normalizeH="0" baseline="0">
             <a:ln>
               <a:noFill/>
             </a:ln>
@@ -8906,7 +8594,7 @@
           <a:buFontTx/>
           <a:buNone/>
           <a:tabLst/>
-          <a:defRPr b="0" baseline="0" cap="none" i="0" spc="0" strike="noStrike" sz="1800" u="none" kumimoji="0" normalizeH="0">
+          <a:defRPr kumimoji="0" sz="1800" b="0" i="0" u="none" strike="noStrike" cap="none" spc="0" normalizeH="0" baseline="0">
             <a:ln>
               <a:noFill/>
             </a:ln>
@@ -8932,7 +8620,7 @@
           <a:buFontTx/>
           <a:buNone/>
           <a:tabLst/>
-          <a:defRPr b="0" baseline="0" cap="none" i="0" spc="0" strike="noStrike" sz="1800" u="none" kumimoji="0" normalizeH="0">
+          <a:defRPr kumimoji="0" sz="1800" b="0" i="0" u="none" strike="noStrike" cap="none" spc="0" normalizeH="0" baseline="0">
             <a:ln>
               <a:noFill/>
             </a:ln>
@@ -8958,7 +8646,7 @@
           <a:buFontTx/>
           <a:buNone/>
           <a:tabLst/>
-          <a:defRPr b="0" baseline="0" cap="none" i="0" spc="0" strike="noStrike" sz="1800" u="none" kumimoji="0" normalizeH="0">
+          <a:defRPr kumimoji="0" sz="1800" b="0" i="0" u="none" strike="noStrike" cap="none" spc="0" normalizeH="0" baseline="0">
             <a:ln>
               <a:noFill/>
             </a:ln>
@@ -8984,7 +8672,7 @@
           <a:buFontTx/>
           <a:buNone/>
           <a:tabLst/>
-          <a:defRPr b="0" baseline="0" cap="none" i="0" spc="0" strike="noStrike" sz="1800" u="none" kumimoji="0" normalizeH="0">
+          <a:defRPr kumimoji="0" sz="1800" b="0" i="0" u="none" strike="noStrike" cap="none" spc="0" normalizeH="0" baseline="0">
             <a:ln>
               <a:noFill/>
             </a:ln>
@@ -9010,7 +8698,7 @@
           <a:buFontTx/>
           <a:buNone/>
           <a:tabLst/>
-          <a:defRPr b="0" baseline="0" cap="none" i="0" spc="0" strike="noStrike" sz="1800" u="none" kumimoji="0" normalizeH="0">
+          <a:defRPr kumimoji="0" sz="1800" b="0" i="0" u="none" strike="noStrike" cap="none" spc="0" normalizeH="0" baseline="0">
             <a:ln>
               <a:noFill/>
             </a:ln>
@@ -9036,7 +8724,7 @@
           <a:buFontTx/>
           <a:buNone/>
           <a:tabLst/>
-          <a:defRPr b="0" baseline="0" cap="none" i="0" spc="0" strike="noStrike" sz="1800" u="none" kumimoji="0" normalizeH="0">
+          <a:defRPr kumimoji="0" sz="1800" b="0" i="0" u="none" strike="noStrike" cap="none" spc="0" normalizeH="0" baseline="0">
             <a:ln>
               <a:noFill/>
             </a:ln>
@@ -9062,7 +8750,7 @@
           <a:buFontTx/>
           <a:buNone/>
           <a:tabLst/>
-          <a:defRPr b="0" baseline="0" cap="none" i="0" spc="0" strike="noStrike" sz="1800" u="none" kumimoji="0" normalizeH="0">
+          <a:defRPr kumimoji="0" sz="1800" b="0" i="0" u="none" strike="noStrike" cap="none" spc="0" normalizeH="0" baseline="0">
             <a:ln>
               <a:noFill/>
             </a:ln>
@@ -9088,7 +8776,7 @@
           <a:buFontTx/>
           <a:buNone/>
           <a:tabLst/>
-          <a:defRPr b="0" baseline="0" cap="none" i="0" spc="0" strike="noStrike" sz="1800" u="none" kumimoji="0" normalizeH="0">
+          <a:defRPr kumimoji="0" sz="1800" b="0" i="0" u="none" strike="noStrike" cap="none" spc="0" normalizeH="0" baseline="0">
             <a:ln>
               <a:noFill/>
             </a:ln>
@@ -9114,7 +8802,7 @@
           <a:buFontTx/>
           <a:buNone/>
           <a:tabLst/>
-          <a:defRPr b="0" baseline="0" cap="none" i="0" spc="0" strike="noStrike" sz="1800" u="none" kumimoji="0" normalizeH="0">
+          <a:defRPr kumimoji="0" sz="1800" b="0" i="0" u="none" strike="noStrike" cap="none" spc="0" normalizeH="0" baseline="0">
             <a:ln>
               <a:noFill/>
             </a:ln>
@@ -9127,9 +8815,15 @@
         </a:lvl9pPr>
       </a:lstStyle>
       <a:style>
-        <a:lnRef idx="0"/>
-        <a:fillRef idx="0"/>
-        <a:effectRef idx="0"/>
+        <a:lnRef idx="0">
+          <a:scrgbClr r="0" g="0" b="0"/>
+        </a:lnRef>
+        <a:fillRef idx="0">
+          <a:scrgbClr r="0" g="0" b="0"/>
+        </a:fillRef>
+        <a:effectRef idx="0">
+          <a:scrgbClr r="0" g="0" b="0"/>
+        </a:effectRef>
         <a:fontRef idx="none"/>
       </a:style>
     </a:lnDef>
@@ -9142,7 +8836,7 @@
         </a:ln>
         <a:effectLst/>
       </a:spPr>
-      <a:bodyPr rot="0" spcFirstLastPara="1" vertOverflow="overflow" horzOverflow="overflow" vert="horz" wrap="square" lIns="50800" tIns="50800" rIns="50800" bIns="50800" numCol="1" spcCol="38100" rtlCol="0" anchor="ctr" upright="0">
+      <a:bodyPr rot="0" spcFirstLastPara="1" vertOverflow="overflow" horzOverflow="overflow" vert="horz" wrap="square" lIns="50800" tIns="50800" rIns="50800" bIns="50800" numCol="1" spcCol="38100" rtlCol="0" anchor="ctr">
         <a:spAutoFit/>
       </a:bodyPr>
       <a:lstStyle>
@@ -9161,7 +8855,7 @@
           <a:buFontTx/>
           <a:buNone/>
           <a:tabLst/>
-          <a:defRPr b="0" baseline="0" cap="none" i="0" spc="0" strike="noStrike" sz="3800" u="none" kumimoji="0" normalizeH="0">
+          <a:defRPr kumimoji="0" sz="3800" b="0" i="0" u="none" strike="noStrike" cap="none" spc="0" normalizeH="0" baseline="0">
             <a:ln>
               <a:noFill/>
             </a:ln>
@@ -9169,7 +8863,7 @@
               <a:srgbClr val="000000"/>
             </a:solidFill>
             <a:effectLst>
-              <a:outerShdw sx="100000" sy="100000" kx="0" ky="0" algn="b" rotWithShape="0" blurRad="50800" dist="25400" dir="5400000">
+              <a:outerShdw blurRad="50800" dist="25400" dir="5400000" rotWithShape="0">
                 <a:srgbClr val="000000"/>
               </a:outerShdw>
             </a:effectLst>
@@ -9195,7 +8889,7 @@
           <a:buFontTx/>
           <a:buNone/>
           <a:tabLst/>
-          <a:defRPr b="0" baseline="0" cap="none" i="0" spc="0" strike="noStrike" sz="1800" u="none" kumimoji="0" normalizeH="0">
+          <a:defRPr kumimoji="0" sz="1800" b="0" i="0" u="none" strike="noStrike" cap="none" spc="0" normalizeH="0" baseline="0">
             <a:ln>
               <a:noFill/>
             </a:ln>
@@ -9221,7 +8915,7 @@
           <a:buFontTx/>
           <a:buNone/>
           <a:tabLst/>
-          <a:defRPr b="0" baseline="0" cap="none" i="0" spc="0" strike="noStrike" sz="1800" u="none" kumimoji="0" normalizeH="0">
+          <a:defRPr kumimoji="0" sz="1800" b="0" i="0" u="none" strike="noStrike" cap="none" spc="0" normalizeH="0" baseline="0">
             <a:ln>
               <a:noFill/>
             </a:ln>
@@ -9247,7 +8941,7 @@
           <a:buFontTx/>
           <a:buNone/>
           <a:tabLst/>
-          <a:defRPr b="0" baseline="0" cap="none" i="0" spc="0" strike="noStrike" sz="1800" u="none" kumimoji="0" normalizeH="0">
+          <a:defRPr kumimoji="0" sz="1800" b="0" i="0" u="none" strike="noStrike" cap="none" spc="0" normalizeH="0" baseline="0">
             <a:ln>
               <a:noFill/>
             </a:ln>
@@ -9273,7 +8967,7 @@
           <a:buFontTx/>
           <a:buNone/>
           <a:tabLst/>
-          <a:defRPr b="0" baseline="0" cap="none" i="0" spc="0" strike="noStrike" sz="1800" u="none" kumimoji="0" normalizeH="0">
+          <a:defRPr kumimoji="0" sz="1800" b="0" i="0" u="none" strike="noStrike" cap="none" spc="0" normalizeH="0" baseline="0">
             <a:ln>
               <a:noFill/>
             </a:ln>
@@ -9299,7 +8993,7 @@
           <a:buFontTx/>
           <a:buNone/>
           <a:tabLst/>
-          <a:defRPr b="0" baseline="0" cap="none" i="0" spc="0" strike="noStrike" sz="1800" u="none" kumimoji="0" normalizeH="0">
+          <a:defRPr kumimoji="0" sz="1800" b="0" i="0" u="none" strike="noStrike" cap="none" spc="0" normalizeH="0" baseline="0">
             <a:ln>
               <a:noFill/>
             </a:ln>
@@ -9325,7 +9019,7 @@
           <a:buFontTx/>
           <a:buNone/>
           <a:tabLst/>
-          <a:defRPr b="0" baseline="0" cap="none" i="0" spc="0" strike="noStrike" sz="1800" u="none" kumimoji="0" normalizeH="0">
+          <a:defRPr kumimoji="0" sz="1800" b="0" i="0" u="none" strike="noStrike" cap="none" spc="0" normalizeH="0" baseline="0">
             <a:ln>
               <a:noFill/>
             </a:ln>
@@ -9351,7 +9045,7 @@
           <a:buFontTx/>
           <a:buNone/>
           <a:tabLst/>
-          <a:defRPr b="0" baseline="0" cap="none" i="0" spc="0" strike="noStrike" sz="1800" u="none" kumimoji="0" normalizeH="0">
+          <a:defRPr kumimoji="0" sz="1800" b="0" i="0" u="none" strike="noStrike" cap="none" spc="0" normalizeH="0" baseline="0">
             <a:ln>
               <a:noFill/>
             </a:ln>
@@ -9377,7 +9071,7 @@
           <a:buFontTx/>
           <a:buNone/>
           <a:tabLst/>
-          <a:defRPr b="0" baseline="0" cap="none" i="0" spc="0" strike="noStrike" sz="1800" u="none" kumimoji="0" normalizeH="0">
+          <a:defRPr kumimoji="0" sz="1800" b="0" i="0" u="none" strike="noStrike" cap="none" spc="0" normalizeH="0" baseline="0">
             <a:ln>
               <a:noFill/>
             </a:ln>
@@ -9403,7 +9097,7 @@
           <a:buFontTx/>
           <a:buNone/>
           <a:tabLst/>
-          <a:defRPr b="0" baseline="0" cap="none" i="0" spc="0" strike="noStrike" sz="1800" u="none" kumimoji="0" normalizeH="0">
+          <a:defRPr kumimoji="0" sz="1800" b="0" i="0" u="none" strike="noStrike" cap="none" spc="0" normalizeH="0" baseline="0">
             <a:ln>
               <a:noFill/>
             </a:ln>
@@ -9416,12 +9110,19 @@
         </a:lvl9pPr>
       </a:lstStyle>
       <a:style>
-        <a:lnRef idx="0"/>
-        <a:fillRef idx="0"/>
-        <a:effectRef idx="0"/>
+        <a:lnRef idx="0">
+          <a:scrgbClr r="0" g="0" b="0"/>
+        </a:lnRef>
+        <a:fillRef idx="0">
+          <a:scrgbClr r="0" g="0" b="0"/>
+        </a:fillRef>
+        <a:effectRef idx="0">
+          <a:scrgbClr r="0" g="0" b="0"/>
+        </a:effectRef>
         <a:fontRef idx="none"/>
       </a:style>
     </a:txDef>
   </a:objectDefaults>
+  <a:extraClrSchemeLst/>
 </a:theme>
 </file>